--- a/0301_RO_VS_PSO/RO_VS_PSO.pptx
+++ b/0301_RO_VS_PSO/RO_VS_PSO.pptx
@@ -15,15 +15,15 @@
     <p:sldId id="264" r:id="rId9"/>
     <p:sldId id="271" r:id="rId10"/>
     <p:sldId id="265" r:id="rId11"/>
-    <p:sldId id="263" r:id="rId12"/>
-    <p:sldId id="281" r:id="rId13"/>
-    <p:sldId id="266" r:id="rId14"/>
-    <p:sldId id="275" r:id="rId15"/>
-    <p:sldId id="276" r:id="rId16"/>
-    <p:sldId id="277" r:id="rId17"/>
-    <p:sldId id="278" r:id="rId18"/>
-    <p:sldId id="279" r:id="rId19"/>
-    <p:sldId id="280" r:id="rId20"/>
+    <p:sldId id="281" r:id="rId12"/>
+    <p:sldId id="266" r:id="rId13"/>
+    <p:sldId id="275" r:id="rId14"/>
+    <p:sldId id="276" r:id="rId15"/>
+    <p:sldId id="277" r:id="rId16"/>
+    <p:sldId id="278" r:id="rId17"/>
+    <p:sldId id="279" r:id="rId18"/>
+    <p:sldId id="280" r:id="rId19"/>
+    <p:sldId id="282" r:id="rId20"/>
   </p:sldIdLst>
   <p:sldSz cx="12192000" cy="6858000"/>
   <p:notesSz cx="6858000" cy="9144000"/>
@@ -269,7 +269,7 @@
           <a:p>
             <a:fld id="{48A87A34-81AB-432B-8DAE-1953F412C126}" type="datetimeFigureOut">
               <a:rPr lang="en-US" dirty="0"/>
-              <a:t>2/28/2017</a:t>
+              <a:t>3/4/2017</a:t>
             </a:fld>
             <a:endParaRPr lang="en-US" dirty="0"/>
           </a:p>
@@ -475,7 +475,7 @@
           <a:p>
             <a:fld id="{48A87A34-81AB-432B-8DAE-1953F412C126}" type="datetimeFigureOut">
               <a:rPr lang="en-US" dirty="0"/>
-              <a:t>2/28/2017</a:t>
+              <a:t>3/4/2017</a:t>
             </a:fld>
             <a:endParaRPr lang="en-US" dirty="0"/>
           </a:p>
@@ -685,7 +685,7 @@
           <a:p>
             <a:fld id="{48A87A34-81AB-432B-8DAE-1953F412C126}" type="datetimeFigureOut">
               <a:rPr lang="en-US" dirty="0"/>
-              <a:t>2/28/2017</a:t>
+              <a:t>3/4/2017</a:t>
             </a:fld>
             <a:endParaRPr lang="en-US" dirty="0"/>
           </a:p>
@@ -881,7 +881,7 @@
           <a:p>
             <a:fld id="{48A87A34-81AB-432B-8DAE-1953F412C126}" type="datetimeFigureOut">
               <a:rPr lang="en-US" dirty="0"/>
-              <a:t>2/28/2017</a:t>
+              <a:t>3/4/2017</a:t>
             </a:fld>
             <a:endParaRPr lang="en-US" dirty="0"/>
           </a:p>
@@ -1155,7 +1155,7 @@
           <a:p>
             <a:fld id="{48A87A34-81AB-432B-8DAE-1953F412C126}" type="datetimeFigureOut">
               <a:rPr lang="en-US" dirty="0"/>
-              <a:t>2/28/2017</a:t>
+              <a:t>3/4/2017</a:t>
             </a:fld>
             <a:endParaRPr lang="en-US" dirty="0"/>
           </a:p>
@@ -1418,7 +1418,7 @@
           <a:p>
             <a:fld id="{48A87A34-81AB-432B-8DAE-1953F412C126}" type="datetimeFigureOut">
               <a:rPr lang="en-US" dirty="0"/>
-              <a:t>2/28/2017</a:t>
+              <a:t>3/4/2017</a:t>
             </a:fld>
             <a:endParaRPr lang="en-US" dirty="0"/>
           </a:p>
@@ -1829,7 +1829,7 @@
           <a:p>
             <a:fld id="{48A87A34-81AB-432B-8DAE-1953F412C126}" type="datetimeFigureOut">
               <a:rPr lang="en-US" dirty="0"/>
-              <a:t>2/28/2017</a:t>
+              <a:t>3/4/2017</a:t>
             </a:fld>
             <a:endParaRPr lang="en-US" dirty="0"/>
           </a:p>
@@ -1973,7 +1973,7 @@
           <a:p>
             <a:fld id="{48A87A34-81AB-432B-8DAE-1953F412C126}" type="datetimeFigureOut">
               <a:rPr lang="en-US" dirty="0"/>
-              <a:t>2/28/2017</a:t>
+              <a:t>3/4/2017</a:t>
             </a:fld>
             <a:endParaRPr lang="en-US" dirty="0"/>
           </a:p>
@@ -2094,7 +2094,7 @@
           <a:p>
             <a:fld id="{48A87A34-81AB-432B-8DAE-1953F412C126}" type="datetimeFigureOut">
               <a:rPr lang="en-US" dirty="0"/>
-              <a:t>2/28/2017</a:t>
+              <a:t>3/4/2017</a:t>
             </a:fld>
             <a:endParaRPr lang="en-US" dirty="0"/>
           </a:p>
@@ -2340,7 +2340,7 @@
           <a:p>
             <a:fld id="{48A87A34-81AB-432B-8DAE-1953F412C126}" type="datetimeFigureOut">
               <a:rPr lang="en-US" dirty="0"/>
-              <a:t>2/28/2017</a:t>
+              <a:t>3/4/2017</a:t>
             </a:fld>
             <a:endParaRPr lang="en-US" dirty="0"/>
           </a:p>
@@ -2781,7 +2781,7 @@
             <a:fld id="{48A87A34-81AB-432B-8DAE-1953F412C126}" type="datetimeFigureOut">
               <a:rPr lang="en-US" dirty="0"/>
               <a:pPr/>
-              <a:t>2/28/2017</a:t>
+              <a:t>3/4/2017</a:t>
             </a:fld>
             <a:endParaRPr lang="en-US" dirty="0"/>
           </a:p>
@@ -3103,7 +3103,7 @@
             <a:fld id="{48A87A34-81AB-432B-8DAE-1953F412C126}" type="datetimeFigureOut">
               <a:rPr lang="en-US" dirty="0"/>
               <a:pPr/>
-              <a:t>2/28/2017</a:t>
+              <a:t>3/4/2017</a:t>
             </a:fld>
             <a:endParaRPr lang="en-US" dirty="0"/>
           </a:p>
@@ -3602,11 +3602,7 @@
           <a:p>
             <a:r>
               <a:rPr lang="en-US" altLang="zh-TW" sz="4400" dirty="0" smtClean="0"/>
-              <a:t>R</a:t>
-            </a:r>
-            <a:r>
-              <a:rPr lang="en-US" altLang="zh-TW" sz="4400" dirty="0" smtClean="0"/>
-              <a:t>O(+RLSE)  </a:t>
+              <a:t>RO(+RLSE)  </a:t>
             </a:r>
             <a:r>
               <a:rPr lang="en-US" altLang="zh-TW" sz="1800" dirty="0" smtClean="0"/>
@@ -3776,14 +3772,14 @@
                 <p:ph idx="1"/>
                 <p:extLst>
                   <p:ext uri="{D42A27DB-BD31-4B8C-83A1-F6EECF244321}">
-                    <p14:modId xmlns:p14="http://schemas.microsoft.com/office/powerpoint/2010/main" val="1838945711"/>
+                    <p14:modId xmlns:p14="http://schemas.microsoft.com/office/powerpoint/2010/main" val="1239558023"/>
                   </p:ext>
                 </p:extLst>
               </p:nvPr>
             </p:nvGraphicFramePr>
             <p:xfrm>
-              <a:off x="1161726" y="1238885"/>
-              <a:ext cx="4962850" cy="4376736"/>
+              <a:off x="1299891" y="1197683"/>
+              <a:ext cx="4962850" cy="4584652"/>
             </p:xfrm>
             <a:graphic>
               <a:graphicData uri="http://schemas.openxmlformats.org/drawingml/2006/table">
@@ -3807,7 +3803,7 @@
                       </a:extLst>
                     </a:gridCol>
                   </a:tblGrid>
-                  <a:tr h="729456">
+                  <a:tr h="730994">
                     <a:tc>
                       <a:txBody>
                         <a:bodyPr/>
@@ -3844,7 +3840,7 @@
                       </a:ext>
                     </a:extLst>
                   </a:tr>
-                  <a:tr h="729456">
+                  <a:tr h="551575">
                     <a:tc>
                       <a:txBody>
                         <a:bodyPr/>
@@ -3852,10 +3848,10 @@
                         <a:p>
                           <a:pPr algn="ctr"/>
                           <a:r>
-                            <a:rPr lang="en-US" altLang="zh-TW" sz="3600" dirty="0" smtClean="0"/>
+                            <a:rPr lang="en-US" altLang="zh-TW" sz="2400" dirty="0" smtClean="0"/>
                             <a:t>swarm size</a:t>
                           </a:r>
-                          <a:endParaRPr lang="zh-TW" altLang="en-US" sz="3600" dirty="0"/>
+                          <a:endParaRPr lang="zh-TW" altLang="en-US" sz="2400" dirty="0"/>
                         </a:p>
                       </a:txBody>
                       <a:tcPr/>
@@ -3867,10 +3863,10 @@
                         <a:p>
                           <a:pPr algn="ctr"/>
                           <a:r>
-                            <a:rPr lang="en-US" altLang="zh-TW" sz="3600" dirty="0" smtClean="0"/>
-                            <a:t>50</a:t>
-                          </a:r>
-                          <a:endParaRPr lang="zh-TW" altLang="en-US" sz="3600" dirty="0"/>
+                            <a:rPr lang="en-US" altLang="zh-TW" sz="2400" dirty="0" smtClean="0"/>
+                            <a:t>64</a:t>
+                          </a:r>
+                          <a:endParaRPr lang="zh-TW" altLang="en-US" sz="2400" dirty="0"/>
                         </a:p>
                       </a:txBody>
                       <a:tcPr/>
@@ -3881,7 +3877,7 @@
                       </a:ext>
                     </a:extLst>
                   </a:tr>
-                  <a:tr h="729456">
+                  <a:tr h="539338">
                     <a:tc>
                       <a:txBody>
                         <a:bodyPr/>
@@ -3889,10 +3885,10 @@
                         <a:p>
                           <a:pPr algn="ctr"/>
                           <a:r>
-                            <a:rPr lang="en-US" altLang="zh-TW" sz="3600" dirty="0" smtClean="0"/>
+                            <a:rPr lang="en-US" altLang="zh-TW" sz="2400" dirty="0" smtClean="0"/>
                             <a:t>Iterations</a:t>
                           </a:r>
-                          <a:endParaRPr lang="zh-TW" altLang="en-US" sz="3600" dirty="0"/>
+                          <a:endParaRPr lang="zh-TW" altLang="en-US" sz="2400" dirty="0"/>
                         </a:p>
                       </a:txBody>
                       <a:tcPr/>
@@ -3904,10 +3900,10 @@
                         <a:p>
                           <a:pPr algn="ctr"/>
                           <a:r>
-                            <a:rPr lang="en-US" altLang="zh-TW" sz="3600" dirty="0" smtClean="0"/>
+                            <a:rPr lang="en-US" altLang="zh-TW" sz="2400" dirty="0" smtClean="0"/>
                             <a:t>30</a:t>
                           </a:r>
-                          <a:endParaRPr lang="zh-TW" altLang="en-US" sz="3600" dirty="0"/>
+                          <a:endParaRPr lang="zh-TW" altLang="en-US" sz="2400" dirty="0"/>
                         </a:p>
                       </a:txBody>
                       <a:tcPr/>
@@ -3918,7 +3914,7 @@
                       </a:ext>
                     </a:extLst>
                   </a:tr>
-                  <a:tr h="729456">
+                  <a:tr h="515389">
                     <a:tc>
                       <a:txBody>
                         <a:bodyPr/>
@@ -3932,7 +3928,7 @@
                               </m:oMathParaPr>
                               <m:oMath xmlns:m="http://schemas.openxmlformats.org/officeDocument/2006/math">
                                 <m:r>
-                                  <a:rPr lang="zh-TW" altLang="en-US" sz="3600" smtClean="0">
+                                  <a:rPr lang="zh-TW" altLang="en-US" sz="2400" smtClean="0">
                                     <a:latin typeface="Cambria Math" panose="02040503050406030204" pitchFamily="18" charset="0"/>
                                   </a:rPr>
                                   <m:t>𝜔</m:t>
@@ -3940,7 +3936,7 @@
                               </m:oMath>
                             </m:oMathPara>
                           </a14:m>
-                          <a:endParaRPr lang="zh-TW" altLang="en-US" sz="3600" dirty="0"/>
+                          <a:endParaRPr lang="zh-TW" altLang="en-US" sz="2400" dirty="0"/>
                         </a:p>
                       </a:txBody>
                       <a:tcPr/>
@@ -3952,10 +3948,10 @@
                         <a:p>
                           <a:pPr algn="ctr"/>
                           <a:r>
-                            <a:rPr lang="en-US" altLang="zh-TW" sz="3600" dirty="0" smtClean="0"/>
+                            <a:rPr lang="en-US" altLang="zh-TW" sz="2400" dirty="0" smtClean="0"/>
                             <a:t>0.8</a:t>
                           </a:r>
-                          <a:endParaRPr lang="zh-TW" altLang="en-US" sz="3600" dirty="0"/>
+                          <a:endParaRPr lang="zh-TW" altLang="en-US" sz="2400" dirty="0"/>
                         </a:p>
                       </a:txBody>
                       <a:tcPr/>
@@ -3966,7 +3962,7 @@
                       </a:ext>
                     </a:extLst>
                   </a:tr>
-                  <a:tr h="729456">
+                  <a:tr h="574481">
                     <a:tc>
                       <a:txBody>
                         <a:bodyPr/>
@@ -3982,14 +3978,14 @@
                                 <m:sSub>
                                   <m:sSubPr>
                                     <m:ctrlPr>
-                                      <a:rPr lang="en-US" altLang="zh-TW" sz="3600" i="1" smtClean="0">
+                                      <a:rPr lang="en-US" altLang="zh-TW" sz="2400" i="1" smtClean="0">
                                         <a:latin typeface="Cambria Math" panose="02040503050406030204" pitchFamily="18" charset="0"/>
                                       </a:rPr>
                                     </m:ctrlPr>
                                   </m:sSubPr>
                                   <m:e>
                                     <m:r>
-                                      <a:rPr lang="en-US" altLang="zh-TW" sz="3600" smtClean="0">
+                                      <a:rPr lang="en-US" altLang="zh-TW" sz="2400" smtClean="0">
                                         <a:latin typeface="Cambria Math" panose="02040503050406030204" pitchFamily="18" charset="0"/>
                                       </a:rPr>
                                       <m:t>𝑐</m:t>
@@ -3997,7 +3993,7 @@
                                   </m:e>
                                   <m:sub>
                                     <m:r>
-                                      <a:rPr lang="en-US" altLang="zh-TW" sz="3600" smtClean="0">
+                                      <a:rPr lang="en-US" altLang="zh-TW" sz="2400" smtClean="0">
                                         <a:latin typeface="Cambria Math" panose="02040503050406030204" pitchFamily="18" charset="0"/>
                                       </a:rPr>
                                       <m:t>1</m:t>
@@ -4005,13 +4001,13 @@
                                   </m:sub>
                                 </m:sSub>
                                 <m:r>
-                                  <a:rPr lang="en-US" altLang="zh-TW" sz="3600" smtClean="0">
+                                  <a:rPr lang="en-US" altLang="zh-TW" sz="2400" smtClean="0">
                                     <a:latin typeface="Cambria Math" panose="02040503050406030204" pitchFamily="18" charset="0"/>
                                   </a:rPr>
                                   <m:t> </m:t>
                                 </m:r>
                                 <m:r>
-                                  <a:rPr lang="zh-TW" altLang="en-US" sz="3600" smtClean="0">
+                                  <a:rPr lang="zh-TW" altLang="en-US" sz="2400" smtClean="0">
                                     <a:latin typeface="Cambria Math" panose="02040503050406030204" pitchFamily="18" charset="0"/>
                                   </a:rPr>
                                   <m:t>、</m:t>
@@ -4019,14 +4015,14 @@
                                 <m:sSub>
                                   <m:sSubPr>
                                     <m:ctrlPr>
-                                      <a:rPr lang="en-US" altLang="zh-TW" sz="3600" i="1" smtClean="0">
+                                      <a:rPr lang="en-US" altLang="zh-TW" sz="2400" i="1" smtClean="0">
                                         <a:latin typeface="Cambria Math" panose="02040503050406030204" pitchFamily="18" charset="0"/>
                                       </a:rPr>
                                     </m:ctrlPr>
                                   </m:sSubPr>
                                   <m:e>
                                     <m:r>
-                                      <a:rPr lang="en-US" altLang="zh-TW" sz="3600" smtClean="0">
+                                      <a:rPr lang="en-US" altLang="zh-TW" sz="2400" smtClean="0">
                                         <a:latin typeface="Cambria Math" panose="02040503050406030204" pitchFamily="18" charset="0"/>
                                       </a:rPr>
                                       <m:t>𝑐</m:t>
@@ -4034,7 +4030,7 @@
                                   </m:e>
                                   <m:sub>
                                     <m:r>
-                                      <a:rPr lang="en-US" altLang="zh-TW" sz="3600" smtClean="0">
+                                      <a:rPr lang="en-US" altLang="zh-TW" sz="2400" smtClean="0">
                                         <a:latin typeface="Cambria Math" panose="02040503050406030204" pitchFamily="18" charset="0"/>
                                       </a:rPr>
                                       <m:t>2</m:t>
@@ -4044,7 +4040,7 @@
                               </m:oMath>
                             </m:oMathPara>
                           </a14:m>
-                          <a:endParaRPr lang="zh-TW" altLang="en-US" sz="3600" dirty="0"/>
+                          <a:endParaRPr lang="zh-TW" altLang="en-US" sz="2400" dirty="0"/>
                         </a:p>
                       </a:txBody>
                       <a:tcPr/>
@@ -4056,10 +4052,10 @@
                         <a:p>
                           <a:pPr algn="ctr"/>
                           <a:r>
-                            <a:rPr lang="en-US" altLang="zh-TW" sz="3600" dirty="0" smtClean="0"/>
+                            <a:rPr lang="en-US" altLang="zh-TW" sz="2400" dirty="0" smtClean="0"/>
                             <a:t>2.0</a:t>
                           </a:r>
-                          <a:endParaRPr lang="zh-TW" altLang="en-US" sz="3600" dirty="0"/>
+                          <a:endParaRPr lang="zh-TW" altLang="en-US" sz="2400" dirty="0"/>
                         </a:p>
                       </a:txBody>
                       <a:tcPr/>
@@ -4070,7 +4066,7 @@
                       </a:ext>
                     </a:extLst>
                   </a:tr>
-                  <a:tr h="729456">
+                  <a:tr h="562544">
                     <a:tc>
                       <a:txBody>
                         <a:bodyPr/>
@@ -4086,14 +4082,14 @@
                                 <m:sSub>
                                   <m:sSubPr>
                                     <m:ctrlPr>
-                                      <a:rPr lang="en-US" altLang="zh-TW" sz="3600" i="1" smtClean="0">
+                                      <a:rPr lang="en-US" altLang="zh-TW" sz="2400" i="1" smtClean="0">
                                         <a:latin typeface="Cambria Math" panose="02040503050406030204" pitchFamily="18" charset="0"/>
                                       </a:rPr>
                                     </m:ctrlPr>
                                   </m:sSubPr>
                                   <m:e>
                                     <m:r>
-                                      <a:rPr lang="zh-TW" altLang="en-US" sz="3600" smtClean="0">
+                                      <a:rPr lang="zh-TW" altLang="en-US" sz="2400" smtClean="0">
                                         <a:latin typeface="Cambria Math" panose="02040503050406030204" pitchFamily="18" charset="0"/>
                                       </a:rPr>
                                       <m:t>𝜉</m:t>
@@ -4101,7 +4097,7 @@
                                   </m:e>
                                   <m:sub>
                                     <m:r>
-                                      <a:rPr lang="en-US" altLang="zh-TW" sz="3600" smtClean="0">
+                                      <a:rPr lang="en-US" altLang="zh-TW" sz="2400" smtClean="0">
                                         <a:latin typeface="Cambria Math" panose="02040503050406030204" pitchFamily="18" charset="0"/>
                                       </a:rPr>
                                       <m:t>1</m:t>
@@ -4109,7 +4105,7 @@
                                   </m:sub>
                                 </m:sSub>
                                 <m:r>
-                                  <a:rPr lang="zh-TW" altLang="en-US" sz="3600" smtClean="0">
+                                  <a:rPr lang="zh-TW" altLang="en-US" sz="2400" smtClean="0">
                                     <a:latin typeface="Cambria Math" panose="02040503050406030204" pitchFamily="18" charset="0"/>
                                   </a:rPr>
                                   <m:t>、</m:t>
@@ -4117,14 +4113,14 @@
                                 <m:sSub>
                                   <m:sSubPr>
                                     <m:ctrlPr>
-                                      <a:rPr lang="en-US" altLang="zh-TW" sz="3600" i="1" smtClean="0">
+                                      <a:rPr lang="en-US" altLang="zh-TW" sz="2400" i="1" smtClean="0">
                                         <a:latin typeface="Cambria Math" panose="02040503050406030204" pitchFamily="18" charset="0"/>
                                       </a:rPr>
                                     </m:ctrlPr>
                                   </m:sSubPr>
                                   <m:e>
                                     <m:r>
-                                      <a:rPr lang="zh-TW" altLang="en-US" sz="3600" smtClean="0">
+                                      <a:rPr lang="zh-TW" altLang="en-US" sz="2400" smtClean="0">
                                         <a:latin typeface="Cambria Math" panose="02040503050406030204" pitchFamily="18" charset="0"/>
                                       </a:rPr>
                                       <m:t>𝜉</m:t>
@@ -4132,7 +4128,7 @@
                                   </m:e>
                                   <m:sub>
                                     <m:r>
-                                      <a:rPr lang="en-US" altLang="zh-TW" sz="3600" smtClean="0">
+                                      <a:rPr lang="en-US" altLang="zh-TW" sz="2400" smtClean="0">
                                         <a:latin typeface="Cambria Math" panose="02040503050406030204" pitchFamily="18" charset="0"/>
                                       </a:rPr>
                                       <m:t>2</m:t>
@@ -4142,7 +4138,7 @@
                               </m:oMath>
                             </m:oMathPara>
                           </a14:m>
-                          <a:endParaRPr lang="zh-TW" altLang="en-US" sz="3600" dirty="0"/>
+                          <a:endParaRPr lang="zh-TW" altLang="en-US" sz="2400" dirty="0"/>
                         </a:p>
                       </a:txBody>
                       <a:tcPr/>
@@ -4154,10 +4150,10 @@
                         <a:p>
                           <a:pPr algn="ctr"/>
                           <a:r>
-                            <a:rPr lang="en-US" altLang="zh-TW" sz="2800" dirty="0" smtClean="0"/>
+                            <a:rPr lang="en-US" altLang="zh-TW" sz="2400" dirty="0" smtClean="0"/>
                             <a:t>Random in [0,1]</a:t>
                           </a:r>
-                          <a:endParaRPr lang="zh-TW" altLang="en-US" sz="2800" dirty="0"/>
+                          <a:endParaRPr lang="zh-TW" altLang="en-US" sz="2400" dirty="0"/>
                         </a:p>
                       </a:txBody>
                       <a:tcPr/>
@@ -4165,6 +4161,154 @@
                     <a:extLst>
                       <a:ext uri="{0D108BD9-81ED-4DB2-BD59-A6C34878D82A}">
                         <a16:rowId xmlns:a16="http://schemas.microsoft.com/office/drawing/2014/main" val="10005"/>
+                      </a:ext>
+                    </a:extLst>
+                  </a:tr>
+                  <a:tr h="592171">
+                    <a:tc>
+                      <a:txBody>
+                        <a:bodyPr/>
+                        <a:lstStyle/>
+                        <a:p>
+                          <a:pPr algn="ctr"/>
+                          <a:r>
+                            <a:rPr lang="en-US" altLang="zh-TW" sz="2400" dirty="0" smtClean="0"/>
+                            <a:t>Position</a:t>
+                          </a:r>
+                          <a:endParaRPr lang="zh-TW" altLang="en-US" sz="2400" dirty="0"/>
+                        </a:p>
+                      </a:txBody>
+                      <a:tcPr/>
+                    </a:tc>
+                    <a:tc>
+                      <a:txBody>
+                        <a:bodyPr/>
+                        <a:lstStyle/>
+                        <a:p>
+                          <a:pPr marL="0" marR="0" indent="0" algn="ctr" defTabSz="914400" rtl="0" eaLnBrk="1" fontAlgn="auto" latinLnBrk="0" hangingPunct="1">
+                            <a:lnSpc>
+                              <a:spcPct val="100000"/>
+                            </a:lnSpc>
+                            <a:spcBef>
+                              <a:spcPts val="0"/>
+                            </a:spcBef>
+                            <a:spcAft>
+                              <a:spcPts val="0"/>
+                            </a:spcAft>
+                            <a:buClrTx/>
+                            <a:buSzTx/>
+                            <a:buFontTx/>
+                            <a:buNone/>
+                            <a:tabLst/>
+                            <a:defRPr/>
+                          </a:pPr>
+                          <a:r>
+                            <a:rPr lang="en-US" sz="2000" b="0" i="0" u="none" strike="noStrike" kern="1200" baseline="0" dirty="0" err="1" smtClean="0">
+                              <a:solidFill>
+                                <a:schemeClr val="tx1"/>
+                              </a:solidFill>
+                              <a:latin typeface="+mn-lt"/>
+                              <a:ea typeface="+mn-ea"/>
+                              <a:cs typeface="+mn-cs"/>
+                            </a:rPr>
+                            <a:t>randn</a:t>
+                          </a:r>
+                          <a:r>
+                            <a:rPr lang="en-US" sz="2000" b="0" i="0" u="none" strike="noStrike" kern="1200" baseline="0" dirty="0" smtClean="0">
+                              <a:solidFill>
+                                <a:schemeClr val="tx1"/>
+                              </a:solidFill>
+                              <a:latin typeface="+mn-lt"/>
+                              <a:ea typeface="+mn-ea"/>
+                              <a:cs typeface="+mn-cs"/>
+                            </a:rPr>
+                            <a:t>*</a:t>
+                          </a:r>
+                          <a:r>
+                            <a:rPr lang="en-US" sz="2000" b="0" i="0" u="none" strike="noStrike" kern="1200" baseline="0" dirty="0" err="1" smtClean="0">
+                              <a:solidFill>
+                                <a:schemeClr val="tx1"/>
+                              </a:solidFill>
+                              <a:latin typeface="+mn-lt"/>
+                              <a:ea typeface="+mn-ea"/>
+                              <a:cs typeface="+mn-cs"/>
+                            </a:rPr>
+                            <a:t>yMean</a:t>
+                          </a:r>
+                          <a:r>
+                            <a:rPr lang="zh-TW" altLang="en-US" sz="2000" b="0" i="0" u="none" strike="noStrike" kern="1200" baseline="0" dirty="0" smtClean="0">
+                              <a:solidFill>
+                                <a:schemeClr val="tx1"/>
+                              </a:solidFill>
+                              <a:latin typeface="+mn-lt"/>
+                              <a:ea typeface="+mn-ea"/>
+                              <a:cs typeface="+mn-cs"/>
+                            </a:rPr>
+                            <a:t>*</a:t>
+                          </a:r>
+                          <a:r>
+                            <a:rPr lang="en-US" altLang="zh-TW" sz="2000" b="0" i="0" u="none" strike="noStrike" kern="1200" baseline="0" dirty="0" smtClean="0">
+                              <a:solidFill>
+                                <a:schemeClr val="tx1"/>
+                              </a:solidFill>
+                              <a:latin typeface="+mn-lt"/>
+                              <a:ea typeface="+mn-ea"/>
+                              <a:cs typeface="+mn-cs"/>
+                            </a:rPr>
+                            <a:t>1000</a:t>
+                          </a:r>
+                          <a:endParaRPr lang="en-US" sz="2000" b="0" i="0" u="none" strike="noStrike" kern="1200" baseline="0" dirty="0" smtClean="0">
+                            <a:solidFill>
+                              <a:schemeClr val="tx1"/>
+                            </a:solidFill>
+                            <a:latin typeface="+mn-lt"/>
+                            <a:ea typeface="+mn-ea"/>
+                            <a:cs typeface="+mn-cs"/>
+                          </a:endParaRPr>
+                        </a:p>
+                      </a:txBody>
+                      <a:tcPr/>
+                    </a:tc>
+                    <a:extLst>
+                      <a:ext uri="{0D108BD9-81ED-4DB2-BD59-A6C34878D82A}">
+                        <a16:rowId xmlns:a16="http://schemas.microsoft.com/office/drawing/2014/main" val="1000713578"/>
+                      </a:ext>
+                    </a:extLst>
+                  </a:tr>
+                  <a:tr h="465512">
+                    <a:tc>
+                      <a:txBody>
+                        <a:bodyPr/>
+                        <a:lstStyle/>
+                        <a:p>
+                          <a:pPr algn="ctr"/>
+                          <a:r>
+                            <a:rPr lang="en-US" altLang="zh-TW" sz="2400" dirty="0" smtClean="0"/>
+                            <a:t>Velocity</a:t>
+                          </a:r>
+                          <a:endParaRPr lang="zh-TW" altLang="en-US" sz="2400" dirty="0"/>
+                        </a:p>
+                      </a:txBody>
+                      <a:tcPr/>
+                    </a:tc>
+                    <a:tc>
+                      <a:txBody>
+                        <a:bodyPr/>
+                        <a:lstStyle/>
+                        <a:p>
+                          <a:pPr algn="ctr"/>
+                          <a:r>
+                            <a:rPr lang="en-US" altLang="zh-TW" sz="2800" dirty="0" smtClean="0"/>
+                            <a:t>0</a:t>
+                          </a:r>
+                          <a:endParaRPr lang="zh-TW" altLang="en-US" sz="2800" dirty="0"/>
+                        </a:p>
+                      </a:txBody>
+                      <a:tcPr/>
+                    </a:tc>
+                    <a:extLst>
+                      <a:ext uri="{0D108BD9-81ED-4DB2-BD59-A6C34878D82A}">
+                        <a16:rowId xmlns:a16="http://schemas.microsoft.com/office/drawing/2014/main" val="1877517789"/>
                       </a:ext>
                     </a:extLst>
                   </a:tr>
@@ -4184,14 +4328,14 @@
                 <p:ph idx="1"/>
                 <p:extLst>
                   <p:ext uri="{D42A27DB-BD31-4B8C-83A1-F6EECF244321}">
-                    <p14:modId xmlns:p14="http://schemas.microsoft.com/office/powerpoint/2010/main" val="1838945711"/>
+                    <p14:modId xmlns:p14="http://schemas.microsoft.com/office/powerpoint/2010/main" val="1239558023"/>
                   </p:ext>
                 </p:extLst>
               </p:nvPr>
             </p:nvGraphicFramePr>
             <p:xfrm>
-              <a:off x="1161726" y="1238885"/>
-              <a:ext cx="4962850" cy="4376736"/>
+              <a:off x="1299891" y="1197683"/>
+              <a:ext cx="4962850" cy="4584652"/>
             </p:xfrm>
             <a:graphic>
               <a:graphicData uri="http://schemas.openxmlformats.org/drawingml/2006/table">
@@ -4215,7 +4359,7 @@
                       </a:extLst>
                     </a:gridCol>
                   </a:tblGrid>
-                  <a:tr h="729456">
+                  <a:tr h="730994">
                     <a:tc>
                       <a:txBody>
                         <a:bodyPr/>
@@ -4252,7 +4396,7 @@
                       </a:ext>
                     </a:extLst>
                   </a:tr>
-                  <a:tr h="729456">
+                  <a:tr h="551575">
                     <a:tc>
                       <a:txBody>
                         <a:bodyPr/>
@@ -4260,10 +4404,10 @@
                         <a:p>
                           <a:pPr algn="ctr"/>
                           <a:r>
-                            <a:rPr lang="en-US" altLang="zh-TW" sz="3600" dirty="0" smtClean="0"/>
+                            <a:rPr lang="en-US" altLang="zh-TW" sz="2400" dirty="0" smtClean="0"/>
                             <a:t>swarm size</a:t>
                           </a:r>
-                          <a:endParaRPr lang="zh-TW" altLang="en-US" sz="3600" dirty="0"/>
+                          <a:endParaRPr lang="zh-TW" altLang="en-US" sz="2400" dirty="0"/>
                         </a:p>
                       </a:txBody>
                       <a:tcPr/>
@@ -4275,10 +4419,10 @@
                         <a:p>
                           <a:pPr algn="ctr"/>
                           <a:r>
-                            <a:rPr lang="en-US" altLang="zh-TW" sz="3600" dirty="0" smtClean="0"/>
-                            <a:t>50</a:t>
-                          </a:r>
-                          <a:endParaRPr lang="zh-TW" altLang="en-US" sz="3600" dirty="0"/>
+                            <a:rPr lang="en-US" altLang="zh-TW" sz="2400" dirty="0" smtClean="0"/>
+                            <a:t>64</a:t>
+                          </a:r>
+                          <a:endParaRPr lang="zh-TW" altLang="en-US" sz="2400" dirty="0"/>
                         </a:p>
                       </a:txBody>
                       <a:tcPr/>
@@ -4289,7 +4433,7 @@
                       </a:ext>
                     </a:extLst>
                   </a:tr>
-                  <a:tr h="729456">
+                  <a:tr h="539338">
                     <a:tc>
                       <a:txBody>
                         <a:bodyPr/>
@@ -4297,10 +4441,10 @@
                         <a:p>
                           <a:pPr algn="ctr"/>
                           <a:r>
-                            <a:rPr lang="en-US" altLang="zh-TW" sz="3600" dirty="0" smtClean="0"/>
+                            <a:rPr lang="en-US" altLang="zh-TW" sz="2400" dirty="0" smtClean="0"/>
                             <a:t>Iterations</a:t>
                           </a:r>
-                          <a:endParaRPr lang="zh-TW" altLang="en-US" sz="3600" dirty="0"/>
+                          <a:endParaRPr lang="zh-TW" altLang="en-US" sz="2400" dirty="0"/>
                         </a:p>
                       </a:txBody>
                       <a:tcPr/>
@@ -4312,10 +4456,10 @@
                         <a:p>
                           <a:pPr algn="ctr"/>
                           <a:r>
-                            <a:rPr lang="en-US" altLang="zh-TW" sz="3600" dirty="0" smtClean="0"/>
+                            <a:rPr lang="en-US" altLang="zh-TW" sz="2400" dirty="0" smtClean="0"/>
                             <a:t>30</a:t>
                           </a:r>
-                          <a:endParaRPr lang="zh-TW" altLang="en-US" sz="3600" dirty="0"/>
+                          <a:endParaRPr lang="zh-TW" altLang="en-US" sz="2400" dirty="0"/>
                         </a:p>
                       </a:txBody>
                       <a:tcPr/>
@@ -4326,7 +4470,7 @@
                       </a:ext>
                     </a:extLst>
                   </a:tr>
-                  <a:tr h="729456">
+                  <a:tr h="515389">
                     <a:tc>
                       <a:txBody>
                         <a:bodyPr/>
@@ -4339,7 +4483,7 @@
                         <a:blipFill>
                           <a:blip r:embed="rId2"/>
                           <a:stretch>
-                            <a:fillRect l="-245" t="-313445" r="-100245" b="-202521"/>
+                            <a:fillRect l="-245" t="-367059" r="-100000" b="-467059"/>
                           </a:stretch>
                         </a:blipFill>
                       </a:tcPr>
@@ -4351,10 +4495,10 @@
                         <a:p>
                           <a:pPr algn="ctr"/>
                           <a:r>
-                            <a:rPr lang="en-US" altLang="zh-TW" sz="3600" dirty="0" smtClean="0"/>
+                            <a:rPr lang="en-US" altLang="zh-TW" sz="2400" dirty="0" smtClean="0"/>
                             <a:t>0.8</a:t>
                           </a:r>
-                          <a:endParaRPr lang="zh-TW" altLang="en-US" sz="3600" dirty="0"/>
+                          <a:endParaRPr lang="zh-TW" altLang="en-US" sz="2400" dirty="0"/>
                         </a:p>
                       </a:txBody>
                       <a:tcPr/>
@@ -4365,7 +4509,7 @@
                       </a:ext>
                     </a:extLst>
                   </a:tr>
-                  <a:tr h="729456">
+                  <a:tr h="574481">
                     <a:tc>
                       <a:txBody>
                         <a:bodyPr/>
@@ -4378,7 +4522,7 @@
                         <a:blipFill>
                           <a:blip r:embed="rId2"/>
                           <a:stretch>
-                            <a:fillRect l="-245" t="-410000" r="-100245" b="-100833"/>
+                            <a:fillRect l="-245" t="-422340" r="-100000" b="-322340"/>
                           </a:stretch>
                         </a:blipFill>
                       </a:tcPr>
@@ -4390,10 +4534,10 @@
                         <a:p>
                           <a:pPr algn="ctr"/>
                           <a:r>
-                            <a:rPr lang="en-US" altLang="zh-TW" sz="3600" dirty="0" smtClean="0"/>
+                            <a:rPr lang="en-US" altLang="zh-TW" sz="2400" dirty="0" smtClean="0"/>
                             <a:t>2.0</a:t>
                           </a:r>
-                          <a:endParaRPr lang="zh-TW" altLang="en-US" sz="3600" dirty="0"/>
+                          <a:endParaRPr lang="zh-TW" altLang="en-US" sz="2400" dirty="0"/>
                         </a:p>
                       </a:txBody>
                       <a:tcPr/>
@@ -4404,7 +4548,7 @@
                       </a:ext>
                     </a:extLst>
                   </a:tr>
-                  <a:tr h="729456">
+                  <a:tr h="562544">
                     <a:tc>
                       <a:txBody>
                         <a:bodyPr/>
@@ -4417,7 +4561,7 @@
                         <a:blipFill>
                           <a:blip r:embed="rId2"/>
                           <a:stretch>
-                            <a:fillRect l="-245" t="-510000" r="-100245" b="-833"/>
+                            <a:fillRect l="-245" t="-527957" r="-100000" b="-225806"/>
                           </a:stretch>
                         </a:blipFill>
                       </a:tcPr>
@@ -4429,10 +4573,10 @@
                         <a:p>
                           <a:pPr algn="ctr"/>
                           <a:r>
-                            <a:rPr lang="en-US" altLang="zh-TW" sz="2800" dirty="0" smtClean="0"/>
+                            <a:rPr lang="en-US" altLang="zh-TW" sz="2400" dirty="0" smtClean="0"/>
                             <a:t>Random in [0,1]</a:t>
                           </a:r>
-                          <a:endParaRPr lang="zh-TW" altLang="en-US" sz="2800" dirty="0"/>
+                          <a:endParaRPr lang="zh-TW" altLang="en-US" sz="2400" dirty="0"/>
                         </a:p>
                       </a:txBody>
                       <a:tcPr/>
@@ -4440,6 +4584,154 @@
                     <a:extLst>
                       <a:ext uri="{0D108BD9-81ED-4DB2-BD59-A6C34878D82A}">
                         <a16:rowId xmlns:a16="http://schemas.microsoft.com/office/drawing/2014/main" val="10005"/>
+                      </a:ext>
+                    </a:extLst>
+                  </a:tr>
+                  <a:tr h="592171">
+                    <a:tc>
+                      <a:txBody>
+                        <a:bodyPr/>
+                        <a:lstStyle/>
+                        <a:p>
+                          <a:pPr algn="ctr"/>
+                          <a:r>
+                            <a:rPr lang="en-US" altLang="zh-TW" sz="2400" dirty="0" smtClean="0"/>
+                            <a:t>Position</a:t>
+                          </a:r>
+                          <a:endParaRPr lang="zh-TW" altLang="en-US" sz="2400" dirty="0"/>
+                        </a:p>
+                      </a:txBody>
+                      <a:tcPr/>
+                    </a:tc>
+                    <a:tc>
+                      <a:txBody>
+                        <a:bodyPr/>
+                        <a:lstStyle/>
+                        <a:p>
+                          <a:pPr marL="0" marR="0" indent="0" algn="ctr" defTabSz="914400" rtl="0" eaLnBrk="1" fontAlgn="auto" latinLnBrk="0" hangingPunct="1">
+                            <a:lnSpc>
+                              <a:spcPct val="100000"/>
+                            </a:lnSpc>
+                            <a:spcBef>
+                              <a:spcPts val="0"/>
+                            </a:spcBef>
+                            <a:spcAft>
+                              <a:spcPts val="0"/>
+                            </a:spcAft>
+                            <a:buClrTx/>
+                            <a:buSzTx/>
+                            <a:buFontTx/>
+                            <a:buNone/>
+                            <a:tabLst/>
+                            <a:defRPr/>
+                          </a:pPr>
+                          <a:r>
+                            <a:rPr lang="en-US" sz="2000" b="0" i="0" u="none" strike="noStrike" kern="1200" baseline="0" dirty="0" err="1" smtClean="0">
+                              <a:solidFill>
+                                <a:schemeClr val="tx1"/>
+                              </a:solidFill>
+                              <a:latin typeface="+mn-lt"/>
+                              <a:ea typeface="+mn-ea"/>
+                              <a:cs typeface="+mn-cs"/>
+                            </a:rPr>
+                            <a:t>randn</a:t>
+                          </a:r>
+                          <a:r>
+                            <a:rPr lang="en-US" sz="2000" b="0" i="0" u="none" strike="noStrike" kern="1200" baseline="0" dirty="0" smtClean="0">
+                              <a:solidFill>
+                                <a:schemeClr val="tx1"/>
+                              </a:solidFill>
+                              <a:latin typeface="+mn-lt"/>
+                              <a:ea typeface="+mn-ea"/>
+                              <a:cs typeface="+mn-cs"/>
+                            </a:rPr>
+                            <a:t>*</a:t>
+                          </a:r>
+                          <a:r>
+                            <a:rPr lang="en-US" sz="2000" b="0" i="0" u="none" strike="noStrike" kern="1200" baseline="0" dirty="0" err="1" smtClean="0">
+                              <a:solidFill>
+                                <a:schemeClr val="tx1"/>
+                              </a:solidFill>
+                              <a:latin typeface="+mn-lt"/>
+                              <a:ea typeface="+mn-ea"/>
+                              <a:cs typeface="+mn-cs"/>
+                            </a:rPr>
+                            <a:t>yMean</a:t>
+                          </a:r>
+                          <a:r>
+                            <a:rPr lang="zh-TW" altLang="en-US" sz="2000" b="0" i="0" u="none" strike="noStrike" kern="1200" baseline="0" dirty="0" smtClean="0">
+                              <a:solidFill>
+                                <a:schemeClr val="tx1"/>
+                              </a:solidFill>
+                              <a:latin typeface="+mn-lt"/>
+                              <a:ea typeface="+mn-ea"/>
+                              <a:cs typeface="+mn-cs"/>
+                            </a:rPr>
+                            <a:t>*</a:t>
+                          </a:r>
+                          <a:r>
+                            <a:rPr lang="en-US" altLang="zh-TW" sz="2000" b="0" i="0" u="none" strike="noStrike" kern="1200" baseline="0" dirty="0" smtClean="0">
+                              <a:solidFill>
+                                <a:schemeClr val="tx1"/>
+                              </a:solidFill>
+                              <a:latin typeface="+mn-lt"/>
+                              <a:ea typeface="+mn-ea"/>
+                              <a:cs typeface="+mn-cs"/>
+                            </a:rPr>
+                            <a:t>1000</a:t>
+                          </a:r>
+                          <a:endParaRPr lang="en-US" sz="2000" b="0" i="0" u="none" strike="noStrike" kern="1200" baseline="0" dirty="0" smtClean="0">
+                            <a:solidFill>
+                              <a:schemeClr val="tx1"/>
+                            </a:solidFill>
+                            <a:latin typeface="+mn-lt"/>
+                            <a:ea typeface="+mn-ea"/>
+                            <a:cs typeface="+mn-cs"/>
+                          </a:endParaRPr>
+                        </a:p>
+                      </a:txBody>
+                      <a:tcPr/>
+                    </a:tc>
+                    <a:extLst>
+                      <a:ext uri="{0D108BD9-81ED-4DB2-BD59-A6C34878D82A}">
+                        <a16:rowId xmlns:a16="http://schemas.microsoft.com/office/drawing/2014/main" val="1000713578"/>
+                      </a:ext>
+                    </a:extLst>
+                  </a:tr>
+                  <a:tr h="518160">
+                    <a:tc>
+                      <a:txBody>
+                        <a:bodyPr/>
+                        <a:lstStyle/>
+                        <a:p>
+                          <a:pPr algn="ctr"/>
+                          <a:r>
+                            <a:rPr lang="en-US" altLang="zh-TW" sz="2400" dirty="0" smtClean="0"/>
+                            <a:t>Velocity</a:t>
+                          </a:r>
+                          <a:endParaRPr lang="zh-TW" altLang="en-US" sz="2400" dirty="0"/>
+                        </a:p>
+                      </a:txBody>
+                      <a:tcPr/>
+                    </a:tc>
+                    <a:tc>
+                      <a:txBody>
+                        <a:bodyPr/>
+                        <a:lstStyle/>
+                        <a:p>
+                          <a:pPr algn="ctr"/>
+                          <a:r>
+                            <a:rPr lang="en-US" altLang="zh-TW" sz="2800" dirty="0" smtClean="0"/>
+                            <a:t>0</a:t>
+                          </a:r>
+                          <a:endParaRPr lang="zh-TW" altLang="en-US" sz="2800" dirty="0"/>
+                        </a:p>
+                      </a:txBody>
+                      <a:tcPr/>
+                    </a:tc>
+                    <a:extLst>
+                      <a:ext uri="{0D108BD9-81ED-4DB2-BD59-A6C34878D82A}">
+                        <a16:rowId xmlns:a16="http://schemas.microsoft.com/office/drawing/2014/main" val="1877517789"/>
                       </a:ext>
                     </a:extLst>
                   </a:tr>
@@ -4460,13 +4752,13 @@
               <p:nvPr>
                 <p:extLst>
                   <p:ext uri="{D42A27DB-BD31-4B8C-83A1-F6EECF244321}">
-                    <p14:modId xmlns:p14="http://schemas.microsoft.com/office/powerpoint/2010/main" val="1571931757"/>
+                    <p14:modId xmlns:p14="http://schemas.microsoft.com/office/powerpoint/2010/main" val="3164054293"/>
                   </p:ext>
                 </p:extLst>
               </p:nvPr>
             </p:nvGraphicFramePr>
             <p:xfrm>
-              <a:off x="6643029" y="1238885"/>
+              <a:off x="6643029" y="1197683"/>
               <a:ext cx="4962850" cy="4321968"/>
             </p:xfrm>
             <a:graphic>
@@ -4585,7 +4877,7 @@
                                       <a:rPr lang="en-US" altLang="zh-TW" sz="3600" b="0" i="1" smtClean="0">
                                         <a:latin typeface="Cambria Math" panose="02040503050406030204" pitchFamily="18" charset="0"/>
                                       </a:rPr>
-                                      <m:t>6</m:t>
+                                      <m:t>9</m:t>
                                     </m:r>
                                   </m:sup>
                                 </m:sSup>
@@ -4668,11 +4960,7 @@
                           <a:pPr algn="ctr"/>
                           <a:r>
                             <a:rPr lang="en-US" altLang="zh-TW" sz="3600" dirty="0" smtClean="0"/>
-                            <a:t>21x1 </a:t>
-                          </a:r>
-                          <a:r>
-                            <a:rPr lang="en-US" altLang="zh-TW" sz="3600" dirty="0" smtClean="0"/>
-                            <a:t>zero vector</a:t>
+                            <a:t>21x1 zero vector</a:t>
                           </a:r>
                           <a:endParaRPr lang="zh-TW" altLang="en-US" sz="3600" dirty="0"/>
                         </a:p>
@@ -4799,7 +5087,7 @@
                       </a:ext>
                     </a:extLst>
                   </a:tr>
-                  <a:tr h="729456">
+                  <a:tr h="903678">
                     <a:tc>
                       <a:txBody>
                         <a:bodyPr/>
@@ -4849,11 +5137,7 @@
                           <a:pPr algn="ctr"/>
                           <a:r>
                             <a:rPr lang="en-US" altLang="zh-TW" sz="2800" dirty="0" smtClean="0"/>
-                            <a:t>21x21 </a:t>
-                          </a:r>
-                          <a:r>
-                            <a:rPr lang="en-US" altLang="zh-TW" sz="2800" dirty="0" smtClean="0"/>
-                            <a:t>identify vector</a:t>
+                            <a:t>21x21 identify vector</a:t>
                           </a:r>
                           <a:endParaRPr lang="zh-TW" altLang="en-US" sz="2800" dirty="0"/>
                         </a:p>
@@ -4881,13 +5165,13 @@
               <p:nvPr>
                 <p:extLst>
                   <p:ext uri="{D42A27DB-BD31-4B8C-83A1-F6EECF244321}">
-                    <p14:modId xmlns:p14="http://schemas.microsoft.com/office/powerpoint/2010/main" val="1571931757"/>
+                    <p14:modId xmlns:p14="http://schemas.microsoft.com/office/powerpoint/2010/main" val="3164054293"/>
                   </p:ext>
                 </p:extLst>
               </p:nvPr>
             </p:nvGraphicFramePr>
             <p:xfrm>
-              <a:off x="6643029" y="1238885"/>
+              <a:off x="6643029" y="1197683"/>
               <a:ext cx="4962850" cy="4321968"/>
             </p:xfrm>
             <a:graphic>
@@ -5022,11 +5306,7 @@
                           <a:pPr algn="ctr"/>
                           <a:r>
                             <a:rPr lang="en-US" altLang="zh-TW" sz="3600" dirty="0" smtClean="0"/>
-                            <a:t>21x1 </a:t>
-                          </a:r>
-                          <a:r>
-                            <a:rPr lang="en-US" altLang="zh-TW" sz="3600" dirty="0" smtClean="0"/>
-                            <a:t>zero vector</a:t>
+                            <a:t>21x1 zero vector</a:t>
                           </a:r>
                           <a:endParaRPr lang="zh-TW" altLang="en-US" sz="3600" dirty="0"/>
                         </a:p>
@@ -5166,11 +5446,7 @@
                           <a:pPr algn="ctr"/>
                           <a:r>
                             <a:rPr lang="en-US" altLang="zh-TW" sz="2800" dirty="0" smtClean="0"/>
-                            <a:t>21x21 </a:t>
-                          </a:r>
-                          <a:r>
-                            <a:rPr lang="en-US" altLang="zh-TW" sz="2800" dirty="0" smtClean="0"/>
-                            <a:t>identify vector</a:t>
+                            <a:t>21x21 identify vector</a:t>
                           </a:r>
                           <a:endParaRPr lang="zh-TW" altLang="en-US" sz="2800" dirty="0"/>
                         </a:p>
@@ -5226,6 +5502,30 @@
           <a:chExt cx="0" cy="0"/>
         </a:xfrm>
       </p:grpSpPr>
+      <p:pic>
+        <p:nvPicPr>
+          <p:cNvPr id="5" name="圖片 4"/>
+          <p:cNvPicPr>
+            <a:picLocks noChangeAspect="1"/>
+          </p:cNvPicPr>
+          <p:nvPr/>
+        </p:nvPicPr>
+        <p:blipFill>
+          <a:blip r:embed="rId2"/>
+          <a:stretch>
+            <a:fillRect/>
+          </a:stretch>
+        </p:blipFill>
+        <p:spPr>
+          <a:xfrm>
+            <a:off x="575733" y="861262"/>
+            <a:ext cx="10855334" cy="5438686"/>
+          </a:xfrm>
+          <a:prstGeom prst="rect">
+            <a:avLst/>
+          </a:prstGeom>
+        </p:spPr>
+      </p:pic>
       <p:sp>
         <p:nvSpPr>
           <p:cNvPr id="2" name="標題 1"/>
@@ -5252,11 +5552,7 @@
             </a:r>
             <a:r>
               <a:rPr lang="en-US" dirty="0" smtClean="0"/>
-              <a:t>(^</a:t>
-            </a:r>
-            <a:r>
-              <a:rPr lang="en-US" dirty="0"/>
-              <a:t>GSPC)</a:t>
+              <a:t>(^TWII)</a:t>
             </a:r>
             <a:endParaRPr lang="en-US" dirty="0"/>
           </a:p>
@@ -5336,10 +5632,42 @@
           </a:p>
         </p:txBody>
       </p:sp>
+      <p:sp>
+        <p:nvSpPr>
+          <p:cNvPr id="6" name="矩形 5"/>
+          <p:cNvSpPr/>
+          <p:nvPr/>
+        </p:nvSpPr>
+        <p:spPr>
+          <a:xfrm>
+            <a:off x="6600239" y="676596"/>
+            <a:ext cx="3508846" cy="369332"/>
+          </a:xfrm>
+          <a:prstGeom prst="rect">
+            <a:avLst/>
+          </a:prstGeom>
+        </p:spPr>
+        <p:txBody>
+          <a:bodyPr wrap="none">
+            <a:spAutoFit/>
+          </a:bodyPr>
+          <a:lstStyle/>
+          <a:p>
+            <a:r>
+              <a:rPr lang="en-US" dirty="0" smtClean="0"/>
+              <a:t>Execute </a:t>
+            </a:r>
+            <a:r>
+              <a:rPr lang="en-US" dirty="0"/>
+              <a:t>time is 38.820567 seconds.</a:t>
+            </a:r>
+          </a:p>
+        </p:txBody>
+      </p:sp>
     </p:spTree>
     <p:extLst>
       <p:ext uri="{BB962C8B-B14F-4D97-AF65-F5344CB8AC3E}">
-        <p14:creationId xmlns:p14="http://schemas.microsoft.com/office/powerpoint/2010/main" val="46936560"/>
+        <p14:creationId xmlns:p14="http://schemas.microsoft.com/office/powerpoint/2010/main" val="4001049271"/>
       </p:ext>
     </p:extLst>
   </p:cSld>
@@ -5373,30 +5701,6 @@
           <a:chExt cx="0" cy="0"/>
         </a:xfrm>
       </p:grpSpPr>
-      <p:pic>
-        <p:nvPicPr>
-          <p:cNvPr id="10" name="圖片 9"/>
-          <p:cNvPicPr>
-            <a:picLocks noChangeAspect="1"/>
-          </p:cNvPicPr>
-          <p:nvPr/>
-        </p:nvPicPr>
-        <p:blipFill>
-          <a:blip r:embed="rId2"/>
-          <a:stretch>
-            <a:fillRect/>
-          </a:stretch>
-        </p:blipFill>
-        <p:spPr>
-          <a:xfrm>
-            <a:off x="969681" y="997496"/>
-            <a:ext cx="10369919" cy="5195485"/>
-          </a:xfrm>
-          <a:prstGeom prst="rect">
-            <a:avLst/>
-          </a:prstGeom>
-        </p:spPr>
-      </p:pic>
       <p:sp>
         <p:nvSpPr>
           <p:cNvPr id="2" name="標題 1"/>
@@ -5404,30 +5708,21 @@
             <a:spLocks noGrp="1"/>
           </p:cNvSpPr>
           <p:nvPr>
-            <p:ph type="title" idx="4294967295"/>
+            <p:ph type="title"/>
           </p:nvPr>
         </p:nvSpPr>
-        <p:spPr>
-          <a:xfrm>
-            <a:off x="1465406" y="600162"/>
-            <a:ext cx="9604375" cy="1049337"/>
-          </a:xfrm>
-        </p:spPr>
+        <p:spPr/>
         <p:txBody>
           <a:bodyPr/>
           <a:lstStyle/>
           <a:p>
             <a:r>
-              <a:rPr lang="en-US" dirty="0"/>
-              <a:t>Result</a:t>
+              <a:rPr lang="en-US" dirty="0" smtClean="0"/>
+              <a:t>Learning curve</a:t>
             </a:r>
             <a:r>
               <a:rPr lang="en-US" dirty="0" smtClean="0"/>
-              <a:t>(^</a:t>
-            </a:r>
-            <a:r>
-              <a:rPr lang="en-US" dirty="0"/>
-              <a:t>GSPC)</a:t>
+              <a:t>(^TWII)</a:t>
             </a:r>
             <a:endParaRPr lang="en-US" dirty="0"/>
           </a:p>
@@ -5435,14 +5730,14 @@
       </p:sp>
       <p:sp>
         <p:nvSpPr>
-          <p:cNvPr id="12" name="文字方塊 11"/>
+          <p:cNvPr id="6" name="文字方塊 5"/>
           <p:cNvSpPr txBox="1"/>
           <p:nvPr/>
         </p:nvSpPr>
         <p:spPr>
           <a:xfrm>
-            <a:off x="7531128" y="3924450"/>
-            <a:ext cx="915635" cy="646331"/>
+            <a:off x="5157996" y="5695950"/>
+            <a:ext cx="1603324" cy="369332"/>
           </a:xfrm>
           <a:prstGeom prst="rect">
             <a:avLst/>
@@ -5457,60 +5752,40 @@
           <a:p>
             <a:r>
               <a:rPr lang="en-US" dirty="0" smtClean="0"/>
-              <a:t>Training</a:t>
-            </a:r>
-          </a:p>
-          <a:p>
-            <a:pPr algn="ctr"/>
-            <a:r>
-              <a:rPr lang="en-US" dirty="0" smtClean="0"/>
-              <a:t>(2016)</a:t>
+              <a:t>RMSE=72.1552</a:t>
             </a:r>
             <a:endParaRPr lang="en-US" dirty="0"/>
           </a:p>
         </p:txBody>
       </p:sp>
-      <p:sp>
-        <p:nvSpPr>
-          <p:cNvPr id="13" name="文字方塊 12"/>
-          <p:cNvSpPr txBox="1"/>
+      <p:pic>
+        <p:nvPicPr>
+          <p:cNvPr id="3" name="圖片 2"/>
+          <p:cNvPicPr>
+            <a:picLocks noChangeAspect="1"/>
+          </p:cNvPicPr>
           <p:nvPr/>
-        </p:nvSpPr>
+        </p:nvPicPr>
+        <p:blipFill>
+          <a:blip r:embed="rId2"/>
+          <a:stretch>
+            <a:fillRect/>
+          </a:stretch>
+        </p:blipFill>
         <p:spPr>
           <a:xfrm>
-            <a:off x="9380787" y="3924450"/>
-            <a:ext cx="829714" cy="646331"/>
+            <a:off x="1642533" y="1691950"/>
+            <a:ext cx="7857066" cy="4004000"/>
           </a:xfrm>
           <a:prstGeom prst="rect">
             <a:avLst/>
           </a:prstGeom>
-          <a:noFill/>
         </p:spPr>
-        <p:txBody>
-          <a:bodyPr wrap="none" rtlCol="0">
-            <a:spAutoFit/>
-          </a:bodyPr>
-          <a:lstStyle/>
-          <a:p>
-            <a:r>
-              <a:rPr lang="en-US" dirty="0" smtClean="0"/>
-              <a:t>Testing</a:t>
-            </a:r>
-          </a:p>
-          <a:p>
-            <a:pPr algn="ctr"/>
-            <a:r>
-              <a:rPr lang="en-US" dirty="0" smtClean="0"/>
-              <a:t>(2017)</a:t>
-            </a:r>
-            <a:endParaRPr lang="en-US" dirty="0"/>
-          </a:p>
-        </p:txBody>
-      </p:sp>
+      </p:pic>
     </p:spTree>
     <p:extLst>
       <p:ext uri="{BB962C8B-B14F-4D97-AF65-F5344CB8AC3E}">
-        <p14:creationId xmlns:p14="http://schemas.microsoft.com/office/powerpoint/2010/main" val="4001049271"/>
+        <p14:creationId xmlns:p14="http://schemas.microsoft.com/office/powerpoint/2010/main" val="1059574453"/>
       </p:ext>
     </p:extLst>
   </p:cSld>
@@ -5560,134 +5835,8 @@
           <a:lstStyle/>
           <a:p>
             <a:r>
-              <a:rPr lang="en-US" dirty="0" smtClean="0"/>
-              <a:t>Learning curve</a:t>
-            </a:r>
-            <a:r>
-              <a:rPr lang="en-US" dirty="0" smtClean="0"/>
-              <a:t>(^</a:t>
-            </a:r>
-            <a:r>
               <a:rPr lang="en-US" dirty="0"/>
-              <a:t>GSPC)</a:t>
-            </a:r>
-            <a:endParaRPr lang="en-US" dirty="0"/>
-          </a:p>
-        </p:txBody>
-      </p:sp>
-      <p:sp>
-        <p:nvSpPr>
-          <p:cNvPr id="6" name="文字方塊 5"/>
-          <p:cNvSpPr txBox="1"/>
-          <p:nvPr/>
-        </p:nvSpPr>
-        <p:spPr>
-          <a:xfrm>
-            <a:off x="5157996" y="5695950"/>
-            <a:ext cx="1603324" cy="369332"/>
-          </a:xfrm>
-          <a:prstGeom prst="rect">
-            <a:avLst/>
-          </a:prstGeom>
-          <a:noFill/>
-        </p:spPr>
-        <p:txBody>
-          <a:bodyPr wrap="none" rtlCol="0">
-            <a:spAutoFit/>
-          </a:bodyPr>
-          <a:lstStyle/>
-          <a:p>
-            <a:r>
-              <a:rPr lang="en-US" dirty="0" smtClean="0"/>
-              <a:t>RMSE=16.5164</a:t>
-            </a:r>
-            <a:endParaRPr lang="en-US" dirty="0"/>
-          </a:p>
-        </p:txBody>
-      </p:sp>
-      <p:pic>
-        <p:nvPicPr>
-          <p:cNvPr id="7" name="圖片 6"/>
-          <p:cNvPicPr>
-            <a:picLocks noChangeAspect="1"/>
-          </p:cNvPicPr>
-          <p:nvPr/>
-        </p:nvPicPr>
-        <p:blipFill>
-          <a:blip r:embed="rId2"/>
-          <a:stretch>
-            <a:fillRect/>
-          </a:stretch>
-        </p:blipFill>
-        <p:spPr>
-          <a:xfrm>
-            <a:off x="2916674" y="1772852"/>
-            <a:ext cx="5344500" cy="4004000"/>
-          </a:xfrm>
-          <a:prstGeom prst="rect">
-            <a:avLst/>
-          </a:prstGeom>
-        </p:spPr>
-      </p:pic>
-    </p:spTree>
-    <p:extLst>
-      <p:ext uri="{BB962C8B-B14F-4D97-AF65-F5344CB8AC3E}">
-        <p14:creationId xmlns:p14="http://schemas.microsoft.com/office/powerpoint/2010/main" val="1059574453"/>
-      </p:ext>
-    </p:extLst>
-  </p:cSld>
-  <p:clrMapOvr>
-    <a:masterClrMapping/>
-  </p:clrMapOvr>
-  <p:timing>
-    <p:tnLst>
-      <p:par>
-        <p:cTn id="1" dur="indefinite" restart="never" nodeType="tmRoot"/>
-      </p:par>
-    </p:tnLst>
-  </p:timing>
-</p:sld>
-</file>
-
-<file path=ppt/slides/slide14.xml><?xml version="1.0" encoding="utf-8"?>
-<p:sld xmlns:a="http://schemas.openxmlformats.org/drawingml/2006/main" xmlns:r="http://schemas.openxmlformats.org/officeDocument/2006/relationships" xmlns:p="http://schemas.openxmlformats.org/presentationml/2006/main">
-  <p:cSld>
-    <p:spTree>
-      <p:nvGrpSpPr>
-        <p:cNvPr id="1" name=""/>
-        <p:cNvGrpSpPr/>
-        <p:nvPr/>
-      </p:nvGrpSpPr>
-      <p:grpSpPr>
-        <a:xfrm>
-          <a:off x="0" y="0"/>
-          <a:ext cx="0" cy="0"/>
-          <a:chOff x="0" y="0"/>
-          <a:chExt cx="0" cy="0"/>
-        </a:xfrm>
-      </p:grpSpPr>
-      <p:sp>
-        <p:nvSpPr>
-          <p:cNvPr id="2" name="標題 1"/>
-          <p:cNvSpPr>
-            <a:spLocks noGrp="1"/>
-          </p:cNvSpPr>
-          <p:nvPr>
-            <p:ph type="title"/>
-          </p:nvPr>
-        </p:nvSpPr>
-        <p:spPr/>
-        <p:txBody>
-          <a:bodyPr/>
-          <a:lstStyle/>
-          <a:p>
-            <a:r>
-              <a:rPr lang="en-US" dirty="0"/>
-              <a:t>Flowchart of the </a:t>
-            </a:r>
-            <a:r>
-              <a:rPr lang="en-US" dirty="0"/>
-              <a:t>R</a:t>
+              <a:t>Flowchart of the R</a:t>
             </a:r>
             <a:r>
               <a:rPr lang="en-US" dirty="0" smtClean="0"/>
@@ -5963,13 +6112,26 @@
           <a:p>
             <a:pPr algn="ctr"/>
             <a:r>
-              <a:rPr lang="en-US" dirty="0">
+              <a:rPr lang="en-US" dirty="0" smtClean="0">
                 <a:solidFill>
                   <a:schemeClr val="tx1"/>
                 </a:solidFill>
               </a:rPr>
-              <a:t>Update Position</a:t>
+              <a:t>Random</a:t>
             </a:r>
+            <a:r>
+              <a:rPr lang="en-US" dirty="0" smtClean="0">
+                <a:solidFill>
+                  <a:schemeClr val="tx1"/>
+                </a:solidFill>
+              </a:rPr>
+              <a:t> Position</a:t>
+            </a:r>
+            <a:endParaRPr lang="en-US" dirty="0">
+              <a:solidFill>
+                <a:schemeClr val="tx1"/>
+              </a:solidFill>
+            </a:endParaRPr>
           </a:p>
         </p:txBody>
       </p:sp>
@@ -7740,7 +7902,7 @@
 </p:sld>
 </file>
 
-<file path=ppt/slides/slide15.xml><?xml version="1.0" encoding="utf-8"?>
+<file path=ppt/slides/slide14.xml><?xml version="1.0" encoding="utf-8"?>
 <p:sld xmlns:a="http://schemas.openxmlformats.org/drawingml/2006/main" xmlns:r="http://schemas.openxmlformats.org/officeDocument/2006/relationships" xmlns:p="http://schemas.openxmlformats.org/presentationml/2006/main">
   <p:cSld>
     <p:spTree>
@@ -7768,7 +7930,7 @@
               <p:nvPr>
                 <p:extLst>
                   <p:ext uri="{D42A27DB-BD31-4B8C-83A1-F6EECF244321}">
-                    <p14:modId xmlns:p14="http://schemas.microsoft.com/office/powerpoint/2010/main" val="1764507890"/>
+                    <p14:modId xmlns:p14="http://schemas.microsoft.com/office/powerpoint/2010/main" val="1398749333"/>
                   </p:ext>
                 </p:extLst>
               </p:nvPr>
@@ -8456,6 +8618,61 @@
                             </a:rPr>
                             <a:t>yMean</a:t>
                           </a:r>
+                          <a:r>
+                            <a:rPr lang="en-US" sz="1800" b="0" i="0" u="none" strike="noStrike" kern="1200" baseline="0" dirty="0" smtClean="0">
+                              <a:solidFill>
+                                <a:schemeClr val="tx1"/>
+                              </a:solidFill>
+                              <a:latin typeface="+mn-lt"/>
+                              <a:ea typeface="+mn-ea"/>
+                              <a:cs typeface="+mn-cs"/>
+                            </a:rPr>
+                            <a:t>*</a:t>
+                          </a:r>
+                          <a:r>
+                            <a:rPr lang="en-US" sz="1800" b="0" i="0" u="none" strike="noStrike" kern="1200" baseline="0" dirty="0" err="1" smtClean="0">
+                              <a:solidFill>
+                                <a:schemeClr val="tx1"/>
+                              </a:solidFill>
+                              <a:latin typeface="+mn-lt"/>
+                              <a:ea typeface="+mn-ea"/>
+                              <a:cs typeface="+mn-cs"/>
+                            </a:rPr>
+                            <a:t>sqrt</a:t>
+                          </a:r>
+                          <a:r>
+                            <a:rPr lang="en-US" sz="1800" b="0" i="0" u="none" strike="noStrike" kern="1200" baseline="0" dirty="0" smtClean="0">
+                              <a:solidFill>
+                                <a:schemeClr val="tx1"/>
+                              </a:solidFill>
+                              <a:latin typeface="+mn-lt"/>
+                              <a:ea typeface="+mn-ea"/>
+                              <a:cs typeface="+mn-cs"/>
+                            </a:rPr>
+                            <a:t>(</a:t>
+                          </a:r>
+                          <a:r>
+                            <a:rPr lang="en-US" sz="1800" b="0" i="0" u="none" strike="noStrike" kern="1200" baseline="0" dirty="0" err="1" smtClean="0">
+                              <a:solidFill>
+                                <a:schemeClr val="tx1"/>
+                              </a:solidFill>
+                              <a:latin typeface="+mn-lt"/>
+                              <a:ea typeface="+mn-ea"/>
+                              <a:cs typeface="+mn-cs"/>
+                            </a:rPr>
+                            <a:t>PrePara</a:t>
+                          </a:r>
+                          <a:r>
+                            <a:rPr lang="en-US" sz="1800" b="0" i="0" u="none" strike="noStrike" kern="1200" baseline="0" dirty="0" smtClean="0">
+                              <a:solidFill>
+                                <a:schemeClr val="tx1"/>
+                              </a:solidFill>
+                              <a:latin typeface="+mn-lt"/>
+                              <a:ea typeface="+mn-ea"/>
+                              <a:cs typeface="+mn-cs"/>
+                            </a:rPr>
+                            <a:t>)</a:t>
+                          </a:r>
                           <a:endParaRPr lang="en-US" sz="1800" b="0" i="0" u="none" strike="noStrike" kern="1200" baseline="0" dirty="0" smtClean="0">
                             <a:solidFill>
                               <a:schemeClr val="tx1"/>
@@ -8786,7 +9003,7 @@
               <p:nvPr>
                 <p:extLst>
                   <p:ext uri="{D42A27DB-BD31-4B8C-83A1-F6EECF244321}">
-                    <p14:modId xmlns:p14="http://schemas.microsoft.com/office/powerpoint/2010/main" val="1764507890"/>
+                    <p14:modId xmlns:p14="http://schemas.microsoft.com/office/powerpoint/2010/main" val="1398749333"/>
                   </p:ext>
                 </p:extLst>
               </p:nvPr>
@@ -9331,6 +9548,61 @@
                             </a:rPr>
                             <a:t>yMean</a:t>
                           </a:r>
+                          <a:r>
+                            <a:rPr lang="en-US" sz="1800" b="0" i="0" u="none" strike="noStrike" kern="1200" baseline="0" dirty="0" smtClean="0">
+                              <a:solidFill>
+                                <a:schemeClr val="tx1"/>
+                              </a:solidFill>
+                              <a:latin typeface="+mn-lt"/>
+                              <a:ea typeface="+mn-ea"/>
+                              <a:cs typeface="+mn-cs"/>
+                            </a:rPr>
+                            <a:t>*</a:t>
+                          </a:r>
+                          <a:r>
+                            <a:rPr lang="en-US" sz="1800" b="0" i="0" u="none" strike="noStrike" kern="1200" baseline="0" dirty="0" err="1" smtClean="0">
+                              <a:solidFill>
+                                <a:schemeClr val="tx1"/>
+                              </a:solidFill>
+                              <a:latin typeface="+mn-lt"/>
+                              <a:ea typeface="+mn-ea"/>
+                              <a:cs typeface="+mn-cs"/>
+                            </a:rPr>
+                            <a:t>sqrt</a:t>
+                          </a:r>
+                          <a:r>
+                            <a:rPr lang="en-US" sz="1800" b="0" i="0" u="none" strike="noStrike" kern="1200" baseline="0" dirty="0" smtClean="0">
+                              <a:solidFill>
+                                <a:schemeClr val="tx1"/>
+                              </a:solidFill>
+                              <a:latin typeface="+mn-lt"/>
+                              <a:ea typeface="+mn-ea"/>
+                              <a:cs typeface="+mn-cs"/>
+                            </a:rPr>
+                            <a:t>(</a:t>
+                          </a:r>
+                          <a:r>
+                            <a:rPr lang="en-US" sz="1800" b="0" i="0" u="none" strike="noStrike" kern="1200" baseline="0" dirty="0" err="1" smtClean="0">
+                              <a:solidFill>
+                                <a:schemeClr val="tx1"/>
+                              </a:solidFill>
+                              <a:latin typeface="+mn-lt"/>
+                              <a:ea typeface="+mn-ea"/>
+                              <a:cs typeface="+mn-cs"/>
+                            </a:rPr>
+                            <a:t>PrePara</a:t>
+                          </a:r>
+                          <a:r>
+                            <a:rPr lang="en-US" sz="1800" b="0" i="0" u="none" strike="noStrike" kern="1200" baseline="0" dirty="0" smtClean="0">
+                              <a:solidFill>
+                                <a:schemeClr val="tx1"/>
+                              </a:solidFill>
+                              <a:latin typeface="+mn-lt"/>
+                              <a:ea typeface="+mn-ea"/>
+                              <a:cs typeface="+mn-cs"/>
+                            </a:rPr>
+                            <a:t>)</a:t>
+                          </a:r>
                           <a:endParaRPr lang="en-US" sz="1800" b="0" i="0" u="none" strike="noStrike" kern="1200" baseline="0" dirty="0" smtClean="0">
                             <a:solidFill>
                               <a:schemeClr val="tx1"/>
@@ -9677,11 +9949,7 @@
             <a:pPr algn="ctr"/>
             <a:r>
               <a:rPr lang="en-US" altLang="zh-TW" sz="4000" dirty="0" smtClean="0"/>
-              <a:t>Premise(gauss</a:t>
-            </a:r>
-            <a:r>
-              <a:rPr lang="en-US" altLang="zh-TW" sz="4000" dirty="0" smtClean="0"/>
-              <a:t>)</a:t>
+              <a:t>Premise(gauss)</a:t>
             </a:r>
             <a:endParaRPr lang="zh-TW" altLang="en-US" sz="4000" dirty="0"/>
           </a:p>
@@ -9707,7 +9975,7 @@
 </p:sld>
 </file>
 
-<file path=ppt/slides/slide16.xml><?xml version="1.0" encoding="utf-8"?>
+<file path=ppt/slides/slide15.xml><?xml version="1.0" encoding="utf-8"?>
 <p:sld xmlns:a="http://schemas.openxmlformats.org/drawingml/2006/main" xmlns:r="http://schemas.openxmlformats.org/officeDocument/2006/relationships" xmlns:p="http://schemas.openxmlformats.org/presentationml/2006/main">
   <p:cSld>
     <p:spTree>
@@ -12111,7 +12379,7 @@
 </p:sld>
 </file>
 
-<file path=ppt/slides/slide17.xml><?xml version="1.0" encoding="utf-8"?>
+<file path=ppt/slides/slide16.xml><?xml version="1.0" encoding="utf-8"?>
 <p:sld xmlns:a="http://schemas.openxmlformats.org/drawingml/2006/main" xmlns:r="http://schemas.openxmlformats.org/officeDocument/2006/relationships" xmlns:p="http://schemas.openxmlformats.org/presentationml/2006/main">
   <p:cSld>
     <p:spTree>
@@ -12180,14 +12448,14 @@
                 <p:ph idx="1"/>
                 <p:extLst>
                   <p:ext uri="{D42A27DB-BD31-4B8C-83A1-F6EECF244321}">
-                    <p14:modId xmlns:p14="http://schemas.microsoft.com/office/powerpoint/2010/main" val="1291473173"/>
+                    <p14:modId xmlns:p14="http://schemas.microsoft.com/office/powerpoint/2010/main" val="975342095"/>
                   </p:ext>
                 </p:extLst>
               </p:nvPr>
             </p:nvGraphicFramePr>
             <p:xfrm>
-              <a:off x="207818" y="1247486"/>
-              <a:ext cx="6126480" cy="4097598"/>
+              <a:off x="216131" y="1238885"/>
+              <a:ext cx="6625244" cy="3050482"/>
             </p:xfrm>
             <a:graphic>
               <a:graphicData uri="http://schemas.openxmlformats.org/drawingml/2006/table">
@@ -12196,14 +12464,14 @@
                     <a:tableStyleId>{912C8C85-51F0-491E-9774-3900AFEF0FD7}</a:tableStyleId>
                   </a:tblPr>
                   <a:tblGrid>
-                    <a:gridCol w="2766422">
+                    <a:gridCol w="2394066">
                       <a:extLst>
                         <a:ext uri="{9D8B030D-6E8A-4147-A177-3AD203B41FA5}">
                           <a16:colId xmlns:a16="http://schemas.microsoft.com/office/drawing/2014/main" val="20000"/>
                         </a:ext>
                       </a:extLst>
                     </a:gridCol>
-                    <a:gridCol w="3360058">
+                    <a:gridCol w="4231178">
                       <a:extLst>
                         <a:ext uri="{9D8B030D-6E8A-4147-A177-3AD203B41FA5}">
                           <a16:colId xmlns:a16="http://schemas.microsoft.com/office/drawing/2014/main" val="20001"/>
@@ -12219,10 +12487,10 @@
                         <a:p>
                           <a:pPr algn="ctr"/>
                           <a:r>
-                            <a:rPr lang="en-US" altLang="zh-TW" sz="3200" dirty="0" smtClean="0"/>
+                            <a:rPr lang="en-US" altLang="zh-TW" sz="2400" dirty="0" smtClean="0"/>
                             <a:t>Parameters</a:t>
                           </a:r>
-                          <a:endParaRPr lang="zh-TW" altLang="en-US" sz="3200" dirty="0"/>
+                          <a:endParaRPr lang="zh-TW" altLang="en-US" sz="2400" dirty="0"/>
                         </a:p>
                       </a:txBody>
                       <a:tcPr/>
@@ -12234,10 +12502,10 @@
                         <a:p>
                           <a:pPr algn="ctr"/>
                           <a:r>
-                            <a:rPr lang="en-US" altLang="zh-TW" sz="3200" dirty="0" smtClean="0"/>
+                            <a:rPr lang="en-US" altLang="zh-TW" sz="2400" dirty="0" smtClean="0"/>
                             <a:t>Value</a:t>
                           </a:r>
-                          <a:endParaRPr lang="zh-TW" altLang="en-US" sz="3200" dirty="0"/>
+                          <a:endParaRPr lang="zh-TW" altLang="en-US" sz="2400" dirty="0"/>
                         </a:p>
                       </a:txBody>
                       <a:tcPr/>
@@ -12248,7 +12516,7 @@
                       </a:ext>
                     </a:extLst>
                   </a:tr>
-                  <a:tr h="729456">
+                  <a:tr h="583666">
                     <a:tc>
                       <a:txBody>
                         <a:bodyPr/>
@@ -12256,10 +12524,10 @@
                         <a:p>
                           <a:pPr algn="ctr"/>
                           <a:r>
-                            <a:rPr lang="en-US" altLang="zh-TW" sz="3200" dirty="0" smtClean="0"/>
+                            <a:rPr lang="en-US" altLang="zh-TW" sz="2400" dirty="0" smtClean="0"/>
                             <a:t>swarm size</a:t>
                           </a:r>
-                          <a:endParaRPr lang="zh-TW" altLang="en-US" sz="3200" dirty="0"/>
+                          <a:endParaRPr lang="zh-TW" altLang="en-US" sz="2400" dirty="0"/>
                         </a:p>
                       </a:txBody>
                       <a:tcPr/>
@@ -12287,11 +12555,11 @@
                             <a:defRPr/>
                           </a:pPr>
                           <a:r>
-                            <a:rPr lang="en-US" altLang="zh-TW" sz="2000" dirty="0" smtClean="0"/>
+                            <a:rPr lang="en-US" altLang="zh-TW" sz="2400" dirty="0" smtClean="0"/>
                             <a:t>Max(3,</a:t>
                           </a:r>
                           <a:r>
-                            <a:rPr lang="en-US" sz="2000" b="0" i="0" u="none" strike="noStrike" kern="1200" baseline="0" dirty="0" smtClean="0">
+                            <a:rPr lang="en-US" sz="2400" b="0" i="0" u="none" strike="noStrike" kern="1200" baseline="0" dirty="0" smtClean="0">
                               <a:solidFill>
                                 <a:schemeClr val="tx1"/>
                               </a:solidFill>
@@ -12306,7 +12574,7 @@
                               <m:func>
                                 <m:funcPr>
                                   <m:ctrlPr>
-                                    <a:rPr lang="en-US" sz="2000" b="0" i="1" u="none" strike="noStrike" kern="1200" baseline="0" smtClean="0">
+                                    <a:rPr lang="en-US" sz="2400" b="0" i="1" u="none" strike="noStrike" kern="1200" baseline="0" smtClean="0">
                                       <a:solidFill>
                                         <a:schemeClr val="tx1"/>
                                       </a:solidFill>
@@ -12320,7 +12588,7 @@
                                   <m:sSub>
                                     <m:sSubPr>
                                       <m:ctrlPr>
-                                        <a:rPr lang="en-US" sz="2000" b="0" i="1" u="none" strike="noStrike" kern="1200" baseline="0" smtClean="0">
+                                        <a:rPr lang="en-US" sz="2400" b="0" i="1" u="none" strike="noStrike" kern="1200" baseline="0" smtClean="0">
                                           <a:solidFill>
                                             <a:schemeClr val="tx1"/>
                                           </a:solidFill>
@@ -12335,7 +12603,7 @@
                                         <m:rPr>
                                           <m:sty m:val="p"/>
                                         </m:rPr>
-                                        <a:rPr lang="en-US" sz="2000" b="0" i="0" u="none" strike="noStrike" kern="1200" baseline="0" smtClean="0">
+                                        <a:rPr lang="en-US" sz="2400" b="0" i="0" u="none" strike="noStrike" kern="1200" baseline="0" smtClean="0">
                                           <a:solidFill>
                                             <a:schemeClr val="tx1"/>
                                           </a:solidFill>
@@ -12348,7 +12616,7 @@
                                     </m:e>
                                     <m:sub>
                                       <m:r>
-                                        <a:rPr lang="en-US" sz="2000" b="0" i="1" u="none" strike="noStrike" kern="1200" baseline="0" smtClean="0">
+                                        <a:rPr lang="en-US" sz="2400" b="0" i="1" u="none" strike="noStrike" kern="1200" baseline="0" smtClean="0">
                                           <a:solidFill>
                                             <a:schemeClr val="tx1"/>
                                           </a:solidFill>
@@ -12363,7 +12631,7 @@
                                 </m:fName>
                                 <m:e>
                                   <m:r>
-                                    <a:rPr lang="en-US" sz="2000" b="0" i="1" u="none" strike="noStrike" kern="1200" baseline="0" smtClean="0">
+                                    <a:rPr lang="en-US" sz="2400" b="0" i="1" u="none" strike="noStrike" kern="1200" baseline="0" smtClean="0">
                                       <a:solidFill>
                                         <a:schemeClr val="tx1"/>
                                       </a:solidFill>
@@ -12374,7 +12642,7 @@
                                     <m:t>(</m:t>
                                   </m:r>
                                   <m:r>
-                                    <a:rPr lang="en-US" sz="2000" b="0" i="1" u="none" strike="noStrike" kern="1200" baseline="0" smtClean="0">
+                                    <a:rPr lang="en-US" sz="2400" b="0" i="1" u="none" strike="noStrike" kern="1200" baseline="0" smtClean="0">
                                       <a:solidFill>
                                         <a:schemeClr val="tx1"/>
                                       </a:solidFill>
@@ -12385,7 +12653,7 @@
                                     <m:t>𝐷</m:t>
                                   </m:r>
                                   <m:r>
-                                    <a:rPr lang="en-US" sz="2000" b="0" i="1" u="none" strike="noStrike" kern="1200" baseline="0" smtClean="0">
+                                    <a:rPr lang="en-US" sz="2400" b="0" i="1" u="none" strike="noStrike" kern="1200" baseline="0" smtClean="0">
                                       <a:solidFill>
                                         <a:schemeClr val="tx1"/>
                                       </a:solidFill>
@@ -12400,7 +12668,7 @@
                             </m:oMath>
                           </a14:m>
                           <a:r>
-                            <a:rPr lang="en-US" sz="2000" b="0" i="0" u="none" strike="noStrike" kern="1200" baseline="0" dirty="0" smtClean="0">
+                            <a:rPr lang="en-US" sz="2400" b="0" i="0" u="none" strike="noStrike" kern="1200" baseline="0" dirty="0" smtClean="0">
                               <a:solidFill>
                                 <a:schemeClr val="tx1"/>
                               </a:solidFill>
@@ -12411,10 +12679,10 @@
                             <a:t>)</a:t>
                           </a:r>
                           <a:r>
-                            <a:rPr lang="en-US" altLang="zh-TW" sz="2000" dirty="0" smtClean="0"/>
+                            <a:rPr lang="en-US" altLang="zh-TW" sz="2400" dirty="0" smtClean="0"/>
                             <a:t>)</a:t>
                           </a:r>
-                          <a:endParaRPr lang="zh-TW" altLang="en-US" sz="2000" dirty="0"/>
+                          <a:endParaRPr lang="zh-TW" altLang="en-US" sz="2400" dirty="0"/>
                         </a:p>
                       </a:txBody>
                       <a:tcPr/>
@@ -12425,7 +12693,7 @@
                       </a:ext>
                     </a:extLst>
                   </a:tr>
-                  <a:tr h="729456">
+                  <a:tr h="485978">
                     <a:tc>
                       <a:txBody>
                         <a:bodyPr/>
@@ -12433,10 +12701,10 @@
                         <a:p>
                           <a:pPr algn="ctr"/>
                           <a:r>
-                            <a:rPr lang="en-US" altLang="zh-TW" sz="3200" dirty="0" smtClean="0"/>
+                            <a:rPr lang="en-US" altLang="zh-TW" sz="2400" dirty="0" smtClean="0"/>
                             <a:t>Iterations</a:t>
                           </a:r>
-                          <a:endParaRPr lang="zh-TW" altLang="en-US" sz="3200" dirty="0"/>
+                          <a:endParaRPr lang="zh-TW" altLang="en-US" sz="2400" dirty="0"/>
                         </a:p>
                       </a:txBody>
                       <a:tcPr/>
@@ -12448,10 +12716,10 @@
                         <a:p>
                           <a:pPr algn="ctr"/>
                           <a:r>
-                            <a:rPr lang="en-US" altLang="zh-TW" sz="3200" dirty="0" smtClean="0"/>
+                            <a:rPr lang="en-US" altLang="zh-TW" sz="2400" dirty="0" smtClean="0"/>
                             <a:t>20*D</a:t>
                           </a:r>
-                          <a:endParaRPr lang="zh-TW" altLang="en-US" sz="3200" dirty="0"/>
+                          <a:endParaRPr lang="zh-TW" altLang="en-US" sz="2400" dirty="0"/>
                         </a:p>
                       </a:txBody>
                       <a:tcPr/>
@@ -12462,7 +12730,7 @@
                       </a:ext>
                     </a:extLst>
                   </a:tr>
-                  <a:tr h="729456">
+                  <a:tr h="702742">
                     <a:tc>
                       <a:txBody>
                         <a:bodyPr/>
@@ -12486,7 +12754,7 @@
                             <a:defRPr/>
                           </a:pPr>
                           <a:r>
-                            <a:rPr lang="en-US" sz="3200" b="0" i="0" u="none" strike="noStrike" kern="1200" baseline="0" dirty="0" err="1" smtClean="0">
+                            <a:rPr lang="en-US" altLang="zh-TW" sz="2400" b="0" i="0" u="none" strike="noStrike" kern="1200" baseline="0" dirty="0" err="1" smtClean="0">
                               <a:solidFill>
                                 <a:schemeClr val="tx1"/>
                               </a:solidFill>
@@ -12494,9 +12762,9 @@
                               <a:ea typeface="+mn-ea"/>
                               <a:cs typeface="+mn-cs"/>
                             </a:rPr>
-                            <a:t>Stepsize</a:t>
-                          </a:r>
-                          <a:endParaRPr lang="zh-TW" altLang="en-US" sz="4800" dirty="0"/>
+                            <a:t>stepsize</a:t>
+                          </a:r>
+                          <a:endParaRPr lang="zh-TW" altLang="en-US" sz="2400" dirty="0"/>
                         </a:p>
                       </a:txBody>
                       <a:tcPr/>
@@ -12532,9 +12800,53 @@
                               <a:ea typeface="+mn-ea"/>
                               <a:cs typeface="+mn-cs"/>
                             </a:rPr>
-                            <a:t>max((Iterations-i-15*D)/Iterations,</a:t>
-                          </a:r>
-                        </a:p>
+                            <a:t>(</a:t>
+                          </a:r>
+                          <a:r>
+                            <a:rPr lang="en-US" sz="2400" b="0" i="0" u="none" strike="noStrike" kern="1200" baseline="0" dirty="0" smtClean="0">
+                              <a:solidFill>
+                                <a:schemeClr val="tx1"/>
+                              </a:solidFill>
+                              <a:latin typeface="+mn-lt"/>
+                              <a:ea typeface="+mn-ea"/>
+                              <a:cs typeface="+mn-cs"/>
+                            </a:rPr>
+                            <a:t>Iterations-i-15*D)/</a:t>
+                          </a:r>
+                          <a:r>
+                            <a:rPr lang="en-US" sz="2400" b="0" i="0" u="none" strike="noStrike" kern="1200" baseline="0" dirty="0" smtClean="0">
+                              <a:solidFill>
+                                <a:schemeClr val="tx1"/>
+                              </a:solidFill>
+                              <a:latin typeface="+mn-lt"/>
+                              <a:ea typeface="+mn-ea"/>
+                              <a:cs typeface="+mn-cs"/>
+                            </a:rPr>
+                            <a:t>Iterations</a:t>
+                          </a:r>
+                          <a:endParaRPr lang="en-US" sz="2400" b="0" i="0" u="none" strike="noStrike" kern="1200" baseline="0" dirty="0" smtClean="0">
+                            <a:solidFill>
+                              <a:schemeClr val="tx1"/>
+                            </a:solidFill>
+                            <a:latin typeface="+mn-lt"/>
+                            <a:ea typeface="+mn-ea"/>
+                            <a:cs typeface="+mn-cs"/>
+                          </a:endParaRPr>
+                        </a:p>
+                      </a:txBody>
+                      <a:tcPr/>
+                    </a:tc>
+                    <a:extLst>
+                      <a:ext uri="{0D108BD9-81ED-4DB2-BD59-A6C34878D82A}">
+                        <a16:rowId xmlns:a16="http://schemas.microsoft.com/office/drawing/2014/main" val="10003"/>
+                      </a:ext>
+                    </a:extLst>
+                  </a:tr>
+                  <a:tr h="548640">
+                    <a:tc>
+                      <a:txBody>
+                        <a:bodyPr/>
+                        <a:lstStyle/>
                         <a:p>
                           <a:pPr marL="0" marR="0" indent="0" algn="ctr" defTabSz="914400" rtl="0" eaLnBrk="1" fontAlgn="auto" latinLnBrk="0" hangingPunct="1">
                             <a:lnSpc>
@@ -12554,6 +12866,48 @@
                             <a:defRPr/>
                           </a:pPr>
                           <a:r>
+                            <a:rPr lang="en-US" altLang="zh-TW" sz="2400" dirty="0" smtClean="0"/>
+                            <a:t>Position</a:t>
+                          </a:r>
+                          <a:endParaRPr lang="zh-TW" altLang="en-US" sz="2400" dirty="0"/>
+                        </a:p>
+                      </a:txBody>
+                      <a:tcPr/>
+                    </a:tc>
+                    <a:tc>
+                      <a:txBody>
+                        <a:bodyPr/>
+                        <a:lstStyle/>
+                        <a:p>
+                          <a:pPr marL="0" marR="0" indent="0" algn="ctr" defTabSz="914400" rtl="0" eaLnBrk="1" fontAlgn="auto" latinLnBrk="0" hangingPunct="1">
+                            <a:lnSpc>
+                              <a:spcPct val="100000"/>
+                            </a:lnSpc>
+                            <a:spcBef>
+                              <a:spcPts val="0"/>
+                            </a:spcBef>
+                            <a:spcAft>
+                              <a:spcPts val="0"/>
+                            </a:spcAft>
+                            <a:buClrTx/>
+                            <a:buSzTx/>
+                            <a:buFontTx/>
+                            <a:buNone/>
+                            <a:tabLst/>
+                            <a:defRPr/>
+                          </a:pPr>
+                          <a:r>
+                            <a:rPr lang="en-US" sz="2400" b="0" i="0" u="none" strike="noStrike" kern="1200" baseline="0" dirty="0" err="1" smtClean="0">
+                              <a:solidFill>
+                                <a:schemeClr val="tx1"/>
+                              </a:solidFill>
+                              <a:latin typeface="+mn-lt"/>
+                              <a:ea typeface="+mn-ea"/>
+                              <a:cs typeface="+mn-cs"/>
+                            </a:rPr>
+                            <a:t>Randn</a:t>
+                          </a:r>
+                          <a:r>
                             <a:rPr lang="en-US" sz="2400" b="0" i="0" u="none" strike="noStrike" kern="1200" baseline="0" dirty="0" smtClean="0">
                               <a:solidFill>
                                 <a:schemeClr val="tx1"/>
@@ -12562,72 +12916,63 @@
                               <a:ea typeface="+mn-ea"/>
                               <a:cs typeface="+mn-cs"/>
                             </a:rPr>
-                            <a:t>accuracy/D)</a:t>
-                          </a:r>
-                        </a:p>
-                      </a:txBody>
-                      <a:tcPr/>
-                    </a:tc>
-                    <a:extLst>
-                      <a:ext uri="{0D108BD9-81ED-4DB2-BD59-A6C34878D82A}">
-                        <a16:rowId xmlns:a16="http://schemas.microsoft.com/office/drawing/2014/main" val="10003"/>
-                      </a:ext>
-                    </a:extLst>
-                  </a:tr>
-                  <a:tr h="720510">
-                    <a:tc>
-                      <a:txBody>
-                        <a:bodyPr/>
-                        <a:lstStyle/>
-                        <a:p>
-                          <a:pPr marL="0" marR="0" indent="0" algn="ctr" defTabSz="914400" rtl="0" eaLnBrk="1" fontAlgn="auto" latinLnBrk="0" hangingPunct="1">
-                            <a:lnSpc>
-                              <a:spcPct val="100000"/>
-                            </a:lnSpc>
-                            <a:spcBef>
-                              <a:spcPts val="0"/>
-                            </a:spcBef>
-                            <a:spcAft>
-                              <a:spcPts val="0"/>
-                            </a:spcAft>
-                            <a:buClrTx/>
-                            <a:buSzTx/>
-                            <a:buFontTx/>
-                            <a:buNone/>
-                            <a:tabLst/>
-                            <a:defRPr/>
-                          </a:pPr>
-                          <a:r>
-                            <a:rPr lang="en-US" altLang="zh-TW" sz="3200" dirty="0" smtClean="0"/>
-                            <a:t>accuracy</a:t>
-                          </a:r>
-                          <a:endParaRPr lang="zh-TW" altLang="en-US" sz="3200" dirty="0"/>
-                        </a:p>
-                      </a:txBody>
-                      <a:tcPr/>
-                    </a:tc>
-                    <a:tc>
-                      <a:txBody>
-                        <a:bodyPr/>
-                        <a:lstStyle/>
-                        <a:p>
-                          <a:pPr marL="0" marR="0" indent="0" algn="ctr" defTabSz="914400" rtl="0" eaLnBrk="1" fontAlgn="auto" latinLnBrk="0" hangingPunct="1">
-                            <a:lnSpc>
-                              <a:spcPct val="100000"/>
-                            </a:lnSpc>
-                            <a:spcBef>
-                              <a:spcPts val="0"/>
-                            </a:spcBef>
-                            <a:spcAft>
-                              <a:spcPts val="0"/>
-                            </a:spcAft>
-                            <a:buClrTx/>
-                            <a:buSzTx/>
-                            <a:buFontTx/>
-                            <a:buNone/>
-                            <a:tabLst/>
-                            <a:defRPr/>
-                          </a:pPr>
+                            <a:t>*</a:t>
+                          </a:r>
+                          <a:r>
+                            <a:rPr lang="en-US" sz="2400" b="0" i="0" u="none" strike="noStrike" kern="1200" baseline="0" dirty="0" err="1" smtClean="0">
+                              <a:solidFill>
+                                <a:schemeClr val="tx1"/>
+                              </a:solidFill>
+                              <a:latin typeface="+mn-lt"/>
+                              <a:ea typeface="+mn-ea"/>
+                              <a:cs typeface="+mn-cs"/>
+                            </a:rPr>
+                            <a:t>y</a:t>
+                          </a:r>
+                          <a:r>
+                            <a:rPr lang="en-US" altLang="zh-TW" sz="2400" b="0" i="0" u="none" strike="noStrike" kern="1200" baseline="0" dirty="0" err="1" smtClean="0">
+                              <a:solidFill>
+                                <a:schemeClr val="tx1"/>
+                              </a:solidFill>
+                              <a:latin typeface="+mn-lt"/>
+                              <a:ea typeface="+mn-ea"/>
+                              <a:cs typeface="+mn-cs"/>
+                            </a:rPr>
+                            <a:t>Mean</a:t>
+                          </a:r>
+                          <a:r>
+                            <a:rPr lang="en-US" altLang="zh-TW" sz="2400" b="0" i="0" u="none" strike="noStrike" kern="1200" baseline="0" dirty="0" smtClean="0">
+                              <a:solidFill>
+                                <a:schemeClr val="tx1"/>
+                              </a:solidFill>
+                              <a:latin typeface="+mn-lt"/>
+                              <a:ea typeface="+mn-ea"/>
+                              <a:cs typeface="+mn-cs"/>
+                            </a:rPr>
+                            <a:t>*</a:t>
+                          </a:r>
+                          <a:r>
+                            <a:rPr lang="en-US" altLang="zh-TW" sz="2400" b="0" i="0" u="none" strike="noStrike" kern="1200" baseline="0" dirty="0" err="1" smtClean="0">
+                              <a:solidFill>
+                                <a:schemeClr val="tx1"/>
+                              </a:solidFill>
+                              <a:latin typeface="+mn-lt"/>
+                              <a:ea typeface="+mn-ea"/>
+                              <a:cs typeface="+mn-cs"/>
+                            </a:rPr>
+                            <a:t>sqrt</a:t>
+                          </a:r>
+                          <a:r>
+                            <a:rPr lang="en-US" altLang="zh-TW" sz="2400" b="0" i="0" u="none" strike="noStrike" kern="1200" baseline="0" dirty="0" smtClean="0">
+                              <a:solidFill>
+                                <a:schemeClr val="tx1"/>
+                              </a:solidFill>
+                              <a:latin typeface="+mn-lt"/>
+                              <a:ea typeface="+mn-ea"/>
+                              <a:cs typeface="+mn-cs"/>
+                            </a:rPr>
+                            <a:t>(D)</a:t>
+                          </a:r>
                           <a:endParaRPr lang="en-US" sz="2400" b="0" i="0" u="none" strike="noStrike" kern="1200" baseline="0" dirty="0" smtClean="0">
                             <a:solidFill>
                               <a:schemeClr val="tx1"/>
@@ -12662,14 +13007,14 @@
                 <p:ph idx="1"/>
                 <p:extLst>
                   <p:ext uri="{D42A27DB-BD31-4B8C-83A1-F6EECF244321}">
-                    <p14:modId xmlns:p14="http://schemas.microsoft.com/office/powerpoint/2010/main" val="1291473173"/>
+                    <p14:modId xmlns:p14="http://schemas.microsoft.com/office/powerpoint/2010/main" val="975342095"/>
                   </p:ext>
                 </p:extLst>
               </p:nvPr>
             </p:nvGraphicFramePr>
             <p:xfrm>
-              <a:off x="207818" y="1247486"/>
-              <a:ext cx="6126480" cy="4097598"/>
+              <a:off x="216131" y="1238885"/>
+              <a:ext cx="6625244" cy="3050482"/>
             </p:xfrm>
             <a:graphic>
               <a:graphicData uri="http://schemas.openxmlformats.org/drawingml/2006/table">
@@ -12678,14 +13023,14 @@
                     <a:tableStyleId>{912C8C85-51F0-491E-9774-3900AFEF0FD7}</a:tableStyleId>
                   </a:tblPr>
                   <a:tblGrid>
-                    <a:gridCol w="2766422">
+                    <a:gridCol w="2394066">
                       <a:extLst>
                         <a:ext uri="{9D8B030D-6E8A-4147-A177-3AD203B41FA5}">
                           <a16:colId xmlns:a16="http://schemas.microsoft.com/office/drawing/2014/main" val="20000"/>
                         </a:ext>
                       </a:extLst>
                     </a:gridCol>
-                    <a:gridCol w="3360058">
+                    <a:gridCol w="4231178">
                       <a:extLst>
                         <a:ext uri="{9D8B030D-6E8A-4147-A177-3AD203B41FA5}">
                           <a16:colId xmlns:a16="http://schemas.microsoft.com/office/drawing/2014/main" val="20001"/>
@@ -12701,10 +13046,10 @@
                         <a:p>
                           <a:pPr algn="ctr"/>
                           <a:r>
-                            <a:rPr lang="en-US" altLang="zh-TW" sz="3200" dirty="0" smtClean="0"/>
+                            <a:rPr lang="en-US" altLang="zh-TW" sz="2400" dirty="0" smtClean="0"/>
                             <a:t>Parameters</a:t>
                           </a:r>
-                          <a:endParaRPr lang="zh-TW" altLang="en-US" sz="3200" dirty="0"/>
+                          <a:endParaRPr lang="zh-TW" altLang="en-US" sz="2400" dirty="0"/>
                         </a:p>
                       </a:txBody>
                       <a:tcPr/>
@@ -12716,10 +13061,10 @@
                         <a:p>
                           <a:pPr algn="ctr"/>
                           <a:r>
-                            <a:rPr lang="en-US" altLang="zh-TW" sz="3200" dirty="0" smtClean="0"/>
+                            <a:rPr lang="en-US" altLang="zh-TW" sz="2400" dirty="0" smtClean="0"/>
                             <a:t>Value</a:t>
                           </a:r>
-                          <a:endParaRPr lang="zh-TW" altLang="en-US" sz="3200" dirty="0"/>
+                          <a:endParaRPr lang="zh-TW" altLang="en-US" sz="2400" dirty="0"/>
                         </a:p>
                       </a:txBody>
                       <a:tcPr/>
@@ -12730,7 +13075,7 @@
                       </a:ext>
                     </a:extLst>
                   </a:tr>
-                  <a:tr h="729456">
+                  <a:tr h="583666">
                     <a:tc>
                       <a:txBody>
                         <a:bodyPr/>
@@ -12738,10 +13083,10 @@
                         <a:p>
                           <a:pPr algn="ctr"/>
                           <a:r>
-                            <a:rPr lang="en-US" altLang="zh-TW" sz="3200" dirty="0" smtClean="0"/>
+                            <a:rPr lang="en-US" altLang="zh-TW" sz="2400" dirty="0" smtClean="0"/>
                             <a:t>swarm size</a:t>
                           </a:r>
-                          <a:endParaRPr lang="zh-TW" altLang="en-US" sz="3200" dirty="0"/>
+                          <a:endParaRPr lang="zh-TW" altLang="en-US" sz="2400" dirty="0"/>
                         </a:p>
                       </a:txBody>
                       <a:tcPr/>
@@ -12758,7 +13103,7 @@
                         <a:blipFill>
                           <a:blip r:embed="rId2"/>
                           <a:stretch>
-                            <a:fillRect l="-82428" t="-110000" r="-181" b="-369167"/>
+                            <a:fillRect l="-56691" t="-133333" r="-144" b="-305208"/>
                           </a:stretch>
                         </a:blipFill>
                       </a:tcPr>
@@ -12769,7 +13114,7 @@
                       </a:ext>
                     </a:extLst>
                   </a:tr>
-                  <a:tr h="729456">
+                  <a:tr h="485978">
                     <a:tc>
                       <a:txBody>
                         <a:bodyPr/>
@@ -12777,10 +13122,10 @@
                         <a:p>
                           <a:pPr algn="ctr"/>
                           <a:r>
-                            <a:rPr lang="en-US" altLang="zh-TW" sz="3200" dirty="0" smtClean="0"/>
+                            <a:rPr lang="en-US" altLang="zh-TW" sz="2400" dirty="0" smtClean="0"/>
                             <a:t>Iterations</a:t>
                           </a:r>
-                          <a:endParaRPr lang="zh-TW" altLang="en-US" sz="3200" dirty="0"/>
+                          <a:endParaRPr lang="zh-TW" altLang="en-US" sz="2400" dirty="0"/>
                         </a:p>
                       </a:txBody>
                       <a:tcPr/>
@@ -12792,10 +13137,10 @@
                         <a:p>
                           <a:pPr algn="ctr"/>
                           <a:r>
-                            <a:rPr lang="en-US" altLang="zh-TW" sz="3200" dirty="0" smtClean="0"/>
+                            <a:rPr lang="en-US" altLang="zh-TW" sz="2400" dirty="0" smtClean="0"/>
                             <a:t>20*D</a:t>
                           </a:r>
-                          <a:endParaRPr lang="zh-TW" altLang="en-US" sz="3200" dirty="0"/>
+                          <a:endParaRPr lang="zh-TW" altLang="en-US" sz="2400" dirty="0"/>
                         </a:p>
                       </a:txBody>
                       <a:tcPr/>
@@ -12806,7 +13151,7 @@
                       </a:ext>
                     </a:extLst>
                   </a:tr>
-                  <a:tr h="1188720">
+                  <a:tr h="702742">
                     <a:tc>
                       <a:txBody>
                         <a:bodyPr/>
@@ -12830,7 +13175,7 @@
                             <a:defRPr/>
                           </a:pPr>
                           <a:r>
-                            <a:rPr lang="en-US" sz="3200" b="0" i="0" u="none" strike="noStrike" kern="1200" baseline="0" dirty="0" err="1" smtClean="0">
+                            <a:rPr lang="en-US" altLang="zh-TW" sz="2400" b="0" i="0" u="none" strike="noStrike" kern="1200" baseline="0" dirty="0" err="1" smtClean="0">
                               <a:solidFill>
                                 <a:schemeClr val="tx1"/>
                               </a:solidFill>
@@ -12838,9 +13183,9 @@
                               <a:ea typeface="+mn-ea"/>
                               <a:cs typeface="+mn-cs"/>
                             </a:rPr>
-                            <a:t>Stepsize</a:t>
-                          </a:r>
-                          <a:endParaRPr lang="zh-TW" altLang="en-US" sz="4800" dirty="0"/>
+                            <a:t>stepsize</a:t>
+                          </a:r>
+                          <a:endParaRPr lang="zh-TW" altLang="en-US" sz="2400" dirty="0"/>
                         </a:p>
                       </a:txBody>
                       <a:tcPr/>
@@ -12876,9 +13221,53 @@
                               <a:ea typeface="+mn-ea"/>
                               <a:cs typeface="+mn-cs"/>
                             </a:rPr>
-                            <a:t>max((Iterations-i-15*D)/Iterations,</a:t>
-                          </a:r>
-                        </a:p>
+                            <a:t>(</a:t>
+                          </a:r>
+                          <a:r>
+                            <a:rPr lang="en-US" sz="2400" b="0" i="0" u="none" strike="noStrike" kern="1200" baseline="0" dirty="0" smtClean="0">
+                              <a:solidFill>
+                                <a:schemeClr val="tx1"/>
+                              </a:solidFill>
+                              <a:latin typeface="+mn-lt"/>
+                              <a:ea typeface="+mn-ea"/>
+                              <a:cs typeface="+mn-cs"/>
+                            </a:rPr>
+                            <a:t>Iterations-i-15*D)/</a:t>
+                          </a:r>
+                          <a:r>
+                            <a:rPr lang="en-US" sz="2400" b="0" i="0" u="none" strike="noStrike" kern="1200" baseline="0" dirty="0" smtClean="0">
+                              <a:solidFill>
+                                <a:schemeClr val="tx1"/>
+                              </a:solidFill>
+                              <a:latin typeface="+mn-lt"/>
+                              <a:ea typeface="+mn-ea"/>
+                              <a:cs typeface="+mn-cs"/>
+                            </a:rPr>
+                            <a:t>Iterations</a:t>
+                          </a:r>
+                          <a:endParaRPr lang="en-US" sz="2400" b="0" i="0" u="none" strike="noStrike" kern="1200" baseline="0" dirty="0" smtClean="0">
+                            <a:solidFill>
+                              <a:schemeClr val="tx1"/>
+                            </a:solidFill>
+                            <a:latin typeface="+mn-lt"/>
+                            <a:ea typeface="+mn-ea"/>
+                            <a:cs typeface="+mn-cs"/>
+                          </a:endParaRPr>
+                        </a:p>
+                      </a:txBody>
+                      <a:tcPr/>
+                    </a:tc>
+                    <a:extLst>
+                      <a:ext uri="{0D108BD9-81ED-4DB2-BD59-A6C34878D82A}">
+                        <a16:rowId xmlns:a16="http://schemas.microsoft.com/office/drawing/2014/main" val="10003"/>
+                      </a:ext>
+                    </a:extLst>
+                  </a:tr>
+                  <a:tr h="548640">
+                    <a:tc>
+                      <a:txBody>
+                        <a:bodyPr/>
+                        <a:lstStyle/>
                         <a:p>
                           <a:pPr marL="0" marR="0" indent="0" algn="ctr" defTabSz="914400" rtl="0" eaLnBrk="1" fontAlgn="auto" latinLnBrk="0" hangingPunct="1">
                             <a:lnSpc>
@@ -12898,6 +13287,48 @@
                             <a:defRPr/>
                           </a:pPr>
                           <a:r>
+                            <a:rPr lang="en-US" altLang="zh-TW" sz="2400" dirty="0" smtClean="0"/>
+                            <a:t>Position</a:t>
+                          </a:r>
+                          <a:endParaRPr lang="zh-TW" altLang="en-US" sz="2400" dirty="0"/>
+                        </a:p>
+                      </a:txBody>
+                      <a:tcPr/>
+                    </a:tc>
+                    <a:tc>
+                      <a:txBody>
+                        <a:bodyPr/>
+                        <a:lstStyle/>
+                        <a:p>
+                          <a:pPr marL="0" marR="0" indent="0" algn="ctr" defTabSz="914400" rtl="0" eaLnBrk="1" fontAlgn="auto" latinLnBrk="0" hangingPunct="1">
+                            <a:lnSpc>
+                              <a:spcPct val="100000"/>
+                            </a:lnSpc>
+                            <a:spcBef>
+                              <a:spcPts val="0"/>
+                            </a:spcBef>
+                            <a:spcAft>
+                              <a:spcPts val="0"/>
+                            </a:spcAft>
+                            <a:buClrTx/>
+                            <a:buSzTx/>
+                            <a:buFontTx/>
+                            <a:buNone/>
+                            <a:tabLst/>
+                            <a:defRPr/>
+                          </a:pPr>
+                          <a:r>
+                            <a:rPr lang="en-US" sz="2400" b="0" i="0" u="none" strike="noStrike" kern="1200" baseline="0" dirty="0" err="1" smtClean="0">
+                              <a:solidFill>
+                                <a:schemeClr val="tx1"/>
+                              </a:solidFill>
+                              <a:latin typeface="+mn-lt"/>
+                              <a:ea typeface="+mn-ea"/>
+                              <a:cs typeface="+mn-cs"/>
+                            </a:rPr>
+                            <a:t>Randn</a:t>
+                          </a:r>
+                          <a:r>
                             <a:rPr lang="en-US" sz="2400" b="0" i="0" u="none" strike="noStrike" kern="1200" baseline="0" dirty="0" smtClean="0">
                               <a:solidFill>
                                 <a:schemeClr val="tx1"/>
@@ -12906,72 +13337,63 @@
                               <a:ea typeface="+mn-ea"/>
                               <a:cs typeface="+mn-cs"/>
                             </a:rPr>
-                            <a:t>accuracy/D)</a:t>
-                          </a:r>
-                        </a:p>
-                      </a:txBody>
-                      <a:tcPr/>
-                    </a:tc>
-                    <a:extLst>
-                      <a:ext uri="{0D108BD9-81ED-4DB2-BD59-A6C34878D82A}">
-                        <a16:rowId xmlns:a16="http://schemas.microsoft.com/office/drawing/2014/main" val="10003"/>
-                      </a:ext>
-                    </a:extLst>
-                  </a:tr>
-                  <a:tr h="720510">
-                    <a:tc>
-                      <a:txBody>
-                        <a:bodyPr/>
-                        <a:lstStyle/>
-                        <a:p>
-                          <a:pPr marL="0" marR="0" indent="0" algn="ctr" defTabSz="914400" rtl="0" eaLnBrk="1" fontAlgn="auto" latinLnBrk="0" hangingPunct="1">
-                            <a:lnSpc>
-                              <a:spcPct val="100000"/>
-                            </a:lnSpc>
-                            <a:spcBef>
-                              <a:spcPts val="0"/>
-                            </a:spcBef>
-                            <a:spcAft>
-                              <a:spcPts val="0"/>
-                            </a:spcAft>
-                            <a:buClrTx/>
-                            <a:buSzTx/>
-                            <a:buFontTx/>
-                            <a:buNone/>
-                            <a:tabLst/>
-                            <a:defRPr/>
-                          </a:pPr>
-                          <a:r>
-                            <a:rPr lang="en-US" altLang="zh-TW" sz="3200" dirty="0" smtClean="0"/>
-                            <a:t>accuracy</a:t>
-                          </a:r>
-                          <a:endParaRPr lang="zh-TW" altLang="en-US" sz="3200" dirty="0"/>
-                        </a:p>
-                      </a:txBody>
-                      <a:tcPr/>
-                    </a:tc>
-                    <a:tc>
-                      <a:txBody>
-                        <a:bodyPr/>
-                        <a:lstStyle/>
-                        <a:p>
-                          <a:pPr marL="0" marR="0" indent="0" algn="ctr" defTabSz="914400" rtl="0" eaLnBrk="1" fontAlgn="auto" latinLnBrk="0" hangingPunct="1">
-                            <a:lnSpc>
-                              <a:spcPct val="100000"/>
-                            </a:lnSpc>
-                            <a:spcBef>
-                              <a:spcPts val="0"/>
-                            </a:spcBef>
-                            <a:spcAft>
-                              <a:spcPts val="0"/>
-                            </a:spcAft>
-                            <a:buClrTx/>
-                            <a:buSzTx/>
-                            <a:buFontTx/>
-                            <a:buNone/>
-                            <a:tabLst/>
-                            <a:defRPr/>
-                          </a:pPr>
+                            <a:t>*</a:t>
+                          </a:r>
+                          <a:r>
+                            <a:rPr lang="en-US" sz="2400" b="0" i="0" u="none" strike="noStrike" kern="1200" baseline="0" dirty="0" err="1" smtClean="0">
+                              <a:solidFill>
+                                <a:schemeClr val="tx1"/>
+                              </a:solidFill>
+                              <a:latin typeface="+mn-lt"/>
+                              <a:ea typeface="+mn-ea"/>
+                              <a:cs typeface="+mn-cs"/>
+                            </a:rPr>
+                            <a:t>y</a:t>
+                          </a:r>
+                          <a:r>
+                            <a:rPr lang="en-US" altLang="zh-TW" sz="2400" b="0" i="0" u="none" strike="noStrike" kern="1200" baseline="0" dirty="0" err="1" smtClean="0">
+                              <a:solidFill>
+                                <a:schemeClr val="tx1"/>
+                              </a:solidFill>
+                              <a:latin typeface="+mn-lt"/>
+                              <a:ea typeface="+mn-ea"/>
+                              <a:cs typeface="+mn-cs"/>
+                            </a:rPr>
+                            <a:t>Mean</a:t>
+                          </a:r>
+                          <a:r>
+                            <a:rPr lang="en-US" altLang="zh-TW" sz="2400" b="0" i="0" u="none" strike="noStrike" kern="1200" baseline="0" dirty="0" smtClean="0">
+                              <a:solidFill>
+                                <a:schemeClr val="tx1"/>
+                              </a:solidFill>
+                              <a:latin typeface="+mn-lt"/>
+                              <a:ea typeface="+mn-ea"/>
+                              <a:cs typeface="+mn-cs"/>
+                            </a:rPr>
+                            <a:t>*</a:t>
+                          </a:r>
+                          <a:r>
+                            <a:rPr lang="en-US" altLang="zh-TW" sz="2400" b="0" i="0" u="none" strike="noStrike" kern="1200" baseline="0" dirty="0" err="1" smtClean="0">
+                              <a:solidFill>
+                                <a:schemeClr val="tx1"/>
+                              </a:solidFill>
+                              <a:latin typeface="+mn-lt"/>
+                              <a:ea typeface="+mn-ea"/>
+                              <a:cs typeface="+mn-cs"/>
+                            </a:rPr>
+                            <a:t>sqrt</a:t>
+                          </a:r>
+                          <a:r>
+                            <a:rPr lang="en-US" altLang="zh-TW" sz="2400" b="0" i="0" u="none" strike="noStrike" kern="1200" baseline="0" dirty="0" smtClean="0">
+                              <a:solidFill>
+                                <a:schemeClr val="tx1"/>
+                              </a:solidFill>
+                              <a:latin typeface="+mn-lt"/>
+                              <a:ea typeface="+mn-ea"/>
+                              <a:cs typeface="+mn-cs"/>
+                            </a:rPr>
+                            <a:t>(D)</a:t>
+                          </a:r>
                           <a:endParaRPr lang="en-US" sz="2400" b="0" i="0" u="none" strike="noStrike" kern="1200" baseline="0" dirty="0" smtClean="0">
                             <a:solidFill>
                               <a:schemeClr val="tx1"/>
@@ -13005,12 +13427,16 @@
                 <a:graphicFrameLocks/>
               </p:cNvGraphicFramePr>
               <p:nvPr>
-                <p:extLst/>
+                <p:extLst>
+                  <p:ext uri="{D42A27DB-BD31-4B8C-83A1-F6EECF244321}">
+                    <p14:modId xmlns:p14="http://schemas.microsoft.com/office/powerpoint/2010/main" val="4132681150"/>
+                  </p:ext>
+                </p:extLst>
               </p:nvPr>
             </p:nvGraphicFramePr>
             <p:xfrm>
-              <a:off x="6643029" y="1238885"/>
-              <a:ext cx="4962850" cy="4321968"/>
+              <a:off x="7281949" y="1238885"/>
+              <a:ext cx="4323930" cy="3862704"/>
             </p:xfrm>
             <a:graphic>
               <a:graphicData uri="http://schemas.openxmlformats.org/drawingml/2006/table">
@@ -13019,14 +13445,14 @@
                     <a:tableStyleId>{912C8C85-51F0-491E-9774-3900AFEF0FD7}</a:tableStyleId>
                   </a:tblPr>
                   <a:tblGrid>
-                    <a:gridCol w="2481425">
+                    <a:gridCol w="2227811">
                       <a:extLst>
                         <a:ext uri="{9D8B030D-6E8A-4147-A177-3AD203B41FA5}">
                           <a16:colId xmlns:a16="http://schemas.microsoft.com/office/drawing/2014/main" val="20000"/>
                         </a:ext>
                       </a:extLst>
                     </a:gridCol>
-                    <a:gridCol w="2481425">
+                    <a:gridCol w="2096119">
                       <a:extLst>
                         <a:ext uri="{9D8B030D-6E8A-4147-A177-3AD203B41FA5}">
                           <a16:colId xmlns:a16="http://schemas.microsoft.com/office/drawing/2014/main" val="20001"/>
@@ -13042,10 +13468,10 @@
                         <a:p>
                           <a:pPr algn="ctr"/>
                           <a:r>
-                            <a:rPr lang="en-US" altLang="zh-TW" sz="3200" dirty="0" smtClean="0"/>
+                            <a:rPr lang="en-US" altLang="zh-TW" sz="2400" dirty="0" smtClean="0"/>
                             <a:t>Parameters</a:t>
                           </a:r>
-                          <a:endParaRPr lang="zh-TW" altLang="en-US" sz="3200" dirty="0"/>
+                          <a:endParaRPr lang="zh-TW" altLang="en-US" sz="2400" dirty="0"/>
                         </a:p>
                       </a:txBody>
                       <a:tcPr/>
@@ -13079,7 +13505,7 @@
                         <a:p>
                           <a:pPr algn="ctr"/>
                           <a:r>
-                            <a:rPr lang="el-GR" sz="4000" b="0" i="0" kern="1200" dirty="0" smtClean="0">
+                            <a:rPr lang="el-GR" sz="3200" b="0" i="0" kern="1200" dirty="0" smtClean="0">
                               <a:solidFill>
                                 <a:schemeClr val="tx1"/>
                               </a:solidFill>
@@ -13090,7 +13516,7 @@
                             </a:rPr>
                             <a:t>α</a:t>
                           </a:r>
-                          <a:endParaRPr lang="zh-TW" altLang="en-US" sz="6600" dirty="0"/>
+                          <a:endParaRPr lang="zh-TW" altLang="en-US" sz="5400" dirty="0"/>
                         </a:p>
                       </a:txBody>
                       <a:tcPr anchor="ctr"/>
@@ -13110,14 +13536,14 @@
                                 <m:sSup>
                                   <m:sSupPr>
                                     <m:ctrlPr>
-                                      <a:rPr lang="en-US" altLang="zh-TW" sz="3600" b="0" i="1" smtClean="0">
+                                      <a:rPr lang="en-US" altLang="zh-TW" sz="2800" b="0" i="1" smtClean="0">
                                         <a:latin typeface="Cambria Math" panose="02040503050406030204" pitchFamily="18" charset="0"/>
                                       </a:rPr>
                                     </m:ctrlPr>
                                   </m:sSupPr>
                                   <m:e>
                                     <m:r>
-                                      <a:rPr lang="en-US" altLang="zh-TW" sz="3600" b="0" i="1" smtClean="0">
+                                      <a:rPr lang="en-US" altLang="zh-TW" sz="2800" b="0" i="1" smtClean="0">
                                         <a:latin typeface="Cambria Math" panose="02040503050406030204" pitchFamily="18" charset="0"/>
                                       </a:rPr>
                                       <m:t>10</m:t>
@@ -13125,17 +13551,17 @@
                                   </m:e>
                                   <m:sup>
                                     <m:r>
-                                      <a:rPr lang="en-US" altLang="zh-TW" sz="3600" b="0" i="1" smtClean="0">
+                                      <a:rPr lang="en-US" altLang="zh-TW" sz="2800" b="0" i="1" smtClean="0">
                                         <a:latin typeface="Cambria Math" panose="02040503050406030204" pitchFamily="18" charset="0"/>
                                       </a:rPr>
-                                      <m:t>6</m:t>
+                                      <m:t>8</m:t>
                                     </m:r>
                                   </m:sup>
                                 </m:sSup>
                               </m:oMath>
                             </m:oMathPara>
                           </a14:m>
-                          <a:endParaRPr lang="zh-TW" altLang="en-US" sz="3600" dirty="0"/>
+                          <a:endParaRPr lang="zh-TW" altLang="en-US" sz="2800" dirty="0"/>
                         </a:p>
                       </a:txBody>
                       <a:tcPr anchor="ctr"/>
@@ -13162,7 +13588,7 @@
                                 <m:sSub>
                                   <m:sSubPr>
                                     <m:ctrlPr>
-                                      <a:rPr lang="en-US" sz="3600" b="0" i="1" smtClean="0">
+                                      <a:rPr lang="en-US" sz="2800" b="0" i="1" smtClean="0">
                                         <a:solidFill>
                                           <a:schemeClr val="tx1"/>
                                         </a:solidFill>
@@ -13175,7 +13601,7 @@
                                       <m:rPr>
                                         <m:nor/>
                                       </m:rPr>
-                                      <a:rPr lang="el-GR" sz="3600" b="1" dirty="0">
+                                      <a:rPr lang="el-GR" sz="2800" b="1" dirty="0">
                                         <a:solidFill>
                                           <a:schemeClr val="tx1"/>
                                         </a:solidFill>
@@ -13185,7 +13611,7 @@
                                   </m:e>
                                   <m:sub>
                                     <m:r>
-                                      <a:rPr lang="en-US" sz="3600" b="0" i="1" smtClean="0">
+                                      <a:rPr lang="en-US" sz="2800" b="0" i="1" smtClean="0">
                                         <a:solidFill>
                                           <a:schemeClr val="tx1"/>
                                         </a:solidFill>
@@ -13198,7 +13624,7 @@
                               </m:oMath>
                             </m:oMathPara>
                           </a14:m>
-                          <a:endParaRPr lang="zh-TW" altLang="en-US" sz="3600" dirty="0"/>
+                          <a:endParaRPr lang="zh-TW" altLang="en-US" sz="2800" dirty="0"/>
                         </a:p>
                       </a:txBody>
                       <a:tcPr anchor="ctr"/>
@@ -13210,14 +13636,10 @@
                         <a:p>
                           <a:pPr algn="ctr"/>
                           <a:r>
-                            <a:rPr lang="en-US" altLang="zh-TW" sz="3600" dirty="0" smtClean="0"/>
-                            <a:t>21x1 </a:t>
-                          </a:r>
-                          <a:r>
-                            <a:rPr lang="en-US" altLang="zh-TW" sz="3600" dirty="0" smtClean="0"/>
-                            <a:t>zero vector</a:t>
-                          </a:r>
-                          <a:endParaRPr lang="zh-TW" altLang="en-US" sz="3600" dirty="0"/>
+                            <a:rPr lang="en-US" altLang="zh-TW" sz="2800" dirty="0" smtClean="0"/>
+                            <a:t>21x1 zero vector</a:t>
+                          </a:r>
+                          <a:endParaRPr lang="zh-TW" altLang="en-US" sz="2800" dirty="0"/>
                         </a:p>
                       </a:txBody>
                       <a:tcPr anchor="ctr"/>
@@ -13244,7 +13666,7 @@
                                 <m:sSub>
                                   <m:sSubPr>
                                     <m:ctrlPr>
-                                      <a:rPr lang="en-US" sz="3600" b="0" i="1" smtClean="0">
+                                      <a:rPr lang="en-US" sz="2800" b="0" i="1" smtClean="0">
                                         <a:solidFill>
                                           <a:schemeClr val="tx1"/>
                                         </a:solidFill>
@@ -13254,7 +13676,7 @@
                                   </m:sSubPr>
                                   <m:e>
                                     <m:r>
-                                      <a:rPr lang="en-US" sz="3600" b="0" i="1" smtClean="0">
+                                      <a:rPr lang="en-US" sz="2800" b="0" i="1" smtClean="0">
                                         <a:solidFill>
                                           <a:schemeClr val="tx1"/>
                                         </a:solidFill>
@@ -13265,7 +13687,7 @@
                                   </m:e>
                                   <m:sub>
                                     <m:r>
-                                      <a:rPr lang="en-US" sz="3600" b="0" i="1" smtClean="0">
+                                      <a:rPr lang="en-US" sz="2800" b="0" i="1" smtClean="0">
                                         <a:solidFill>
                                           <a:schemeClr val="tx1"/>
                                         </a:solidFill>
@@ -13278,7 +13700,7 @@
                               </m:oMath>
                             </m:oMathPara>
                           </a14:m>
-                          <a:endParaRPr lang="zh-TW" altLang="en-US" sz="3600" dirty="0"/>
+                          <a:endParaRPr lang="zh-TW" altLang="en-US" sz="2800" dirty="0"/>
                         </a:p>
                       </a:txBody>
                       <a:tcPr anchor="ctr"/>
@@ -13306,7 +13728,7 @@
                             <a:defRPr/>
                           </a:pPr>
                           <a:r>
-                            <a:rPr lang="el-GR" sz="3600" b="0" i="0" kern="1200" dirty="0" smtClean="0">
+                            <a:rPr lang="el-GR" sz="2800" b="0" i="0" kern="1200" dirty="0" smtClean="0">
                               <a:solidFill>
                                 <a:schemeClr val="tx1"/>
                               </a:solidFill>
@@ -13318,7 +13740,7 @@
                             <a:t>α</a:t>
                           </a:r>
                           <a:r>
-                            <a:rPr lang="en-US" sz="3600" b="0" i="0" kern="1200" dirty="0" smtClean="0">
+                            <a:rPr lang="en-US" sz="2800" b="0" i="0" kern="1200" dirty="0" smtClean="0">
                               <a:solidFill>
                                 <a:schemeClr val="tx1"/>
                               </a:solidFill>
@@ -13329,7 +13751,7 @@
                             </a:rPr>
                             <a:t>I</a:t>
                           </a:r>
-                          <a:endParaRPr lang="zh-TW" altLang="en-US" sz="6000" dirty="0" smtClean="0">
+                          <a:endParaRPr lang="zh-TW" altLang="en-US" sz="4800" dirty="0" smtClean="0">
                             <a:latin typeface="Baskerville Old Face" panose="02020602080505020303" pitchFamily="18" charset="0"/>
                           </a:endParaRPr>
                         </a:p>
@@ -13366,7 +13788,7 @@
                             <a:defRPr/>
                           </a:pPr>
                           <a:r>
-                            <a:rPr lang="en-US" sz="3600" b="0" i="0" kern="1200" dirty="0" smtClean="0">
+                            <a:rPr lang="en-US" sz="2800" b="0" i="0" kern="1200" dirty="0" smtClean="0">
                               <a:solidFill>
                                 <a:schemeClr val="tx1"/>
                               </a:solidFill>
@@ -13377,7 +13799,7 @@
                             </a:rPr>
                             <a:t>I</a:t>
                           </a:r>
-                          <a:endParaRPr lang="zh-TW" altLang="en-US" sz="6000" dirty="0" smtClean="0">
+                          <a:endParaRPr lang="zh-TW" altLang="en-US" sz="4800" dirty="0" smtClean="0">
                             <a:latin typeface="Baskerville Old Face" panose="02020602080505020303" pitchFamily="18" charset="0"/>
                           </a:endParaRPr>
                         </a:p>
@@ -13391,14 +13813,10 @@
                         <a:p>
                           <a:pPr algn="ctr"/>
                           <a:r>
-                            <a:rPr lang="en-US" altLang="zh-TW" sz="2800" dirty="0" smtClean="0"/>
-                            <a:t>21x21 </a:t>
-                          </a:r>
-                          <a:r>
-                            <a:rPr lang="en-US" altLang="zh-TW" sz="2800" dirty="0" smtClean="0"/>
-                            <a:t>identify vector</a:t>
-                          </a:r>
-                          <a:endParaRPr lang="zh-TW" altLang="en-US" sz="2800" dirty="0"/>
+                            <a:rPr lang="en-US" altLang="zh-TW" sz="2000" dirty="0" smtClean="0"/>
+                            <a:t>21x21 identify vector</a:t>
+                          </a:r>
+                          <a:endParaRPr lang="zh-TW" altLang="en-US" sz="2000" dirty="0"/>
                         </a:p>
                       </a:txBody>
                       <a:tcPr anchor="ctr"/>
@@ -13422,12 +13840,16 @@
                 <a:graphicFrameLocks/>
               </p:cNvGraphicFramePr>
               <p:nvPr>
-                <p:extLst/>
+                <p:extLst>
+                  <p:ext uri="{D42A27DB-BD31-4B8C-83A1-F6EECF244321}">
+                    <p14:modId xmlns:p14="http://schemas.microsoft.com/office/powerpoint/2010/main" val="4132681150"/>
+                  </p:ext>
+                </p:extLst>
               </p:nvPr>
             </p:nvGraphicFramePr>
             <p:xfrm>
-              <a:off x="6643029" y="1238885"/>
-              <a:ext cx="4962850" cy="4321968"/>
+              <a:off x="7281949" y="1238885"/>
+              <a:ext cx="4323930" cy="3862704"/>
             </p:xfrm>
             <a:graphic>
               <a:graphicData uri="http://schemas.openxmlformats.org/drawingml/2006/table">
@@ -13436,14 +13858,14 @@
                     <a:tableStyleId>{912C8C85-51F0-491E-9774-3900AFEF0FD7}</a:tableStyleId>
                   </a:tblPr>
                   <a:tblGrid>
-                    <a:gridCol w="2481425">
+                    <a:gridCol w="2227811">
                       <a:extLst>
                         <a:ext uri="{9D8B030D-6E8A-4147-A177-3AD203B41FA5}">
                           <a16:colId xmlns:a16="http://schemas.microsoft.com/office/drawing/2014/main" val="20000"/>
                         </a:ext>
                       </a:extLst>
                     </a:gridCol>
-                    <a:gridCol w="2481425">
+                    <a:gridCol w="2096119">
                       <a:extLst>
                         <a:ext uri="{9D8B030D-6E8A-4147-A177-3AD203B41FA5}">
                           <a16:colId xmlns:a16="http://schemas.microsoft.com/office/drawing/2014/main" val="20001"/>
@@ -13459,10 +13881,10 @@
                         <a:p>
                           <a:pPr algn="ctr"/>
                           <a:r>
-                            <a:rPr lang="en-US" altLang="zh-TW" sz="3200" dirty="0" smtClean="0"/>
+                            <a:rPr lang="en-US" altLang="zh-TW" sz="2400" dirty="0" smtClean="0"/>
                             <a:t>Parameters</a:t>
                           </a:r>
-                          <a:endParaRPr lang="zh-TW" altLang="en-US" sz="3200" dirty="0"/>
+                          <a:endParaRPr lang="zh-TW" altLang="en-US" sz="2400" dirty="0"/>
                         </a:p>
                       </a:txBody>
                       <a:tcPr/>
@@ -13496,7 +13918,7 @@
                         <a:p>
                           <a:pPr algn="ctr"/>
                           <a:r>
-                            <a:rPr lang="el-GR" sz="4000" b="0" i="0" kern="1200" dirty="0" smtClean="0">
+                            <a:rPr lang="el-GR" sz="3200" b="0" i="0" kern="1200" dirty="0" smtClean="0">
                               <a:solidFill>
                                 <a:schemeClr val="tx1"/>
                               </a:solidFill>
@@ -13507,7 +13929,7 @@
                             </a:rPr>
                             <a:t>α</a:t>
                           </a:r>
-                          <a:endParaRPr lang="zh-TW" altLang="en-US" sz="6600" dirty="0"/>
+                          <a:endParaRPr lang="zh-TW" altLang="en-US" sz="5400" dirty="0"/>
                         </a:p>
                       </a:txBody>
                       <a:tcPr anchor="ctr"/>
@@ -13524,7 +13946,7 @@
                         <a:blipFill>
                           <a:blip r:embed="rId3"/>
                           <a:stretch>
-                            <a:fillRect l="-100491" t="-110833" r="-491" b="-414167"/>
+                            <a:fillRect l="-106686" t="-111765" r="-581" b="-345378"/>
                           </a:stretch>
                         </a:blipFill>
                       </a:tcPr>
@@ -13535,7 +13957,7 @@
                       </a:ext>
                     </a:extLst>
                   </a:tr>
-                  <a:tr h="1188720">
+                  <a:tr h="944880">
                     <a:tc>
                       <a:txBody>
                         <a:bodyPr/>
@@ -13548,7 +13970,7 @@
                         <a:blipFill>
                           <a:blip r:embed="rId3"/>
                           <a:stretch>
-                            <a:fillRect l="-245" t="-129744" r="-100245" b="-154872"/>
+                            <a:fillRect l="-273" t="-161538" r="-94536" b="-163462"/>
                           </a:stretch>
                         </a:blipFill>
                       </a:tcPr>
@@ -13560,14 +13982,10 @@
                         <a:p>
                           <a:pPr algn="ctr"/>
                           <a:r>
-                            <a:rPr lang="en-US" altLang="zh-TW" sz="3600" dirty="0" smtClean="0"/>
-                            <a:t>21x1 </a:t>
-                          </a:r>
-                          <a:r>
-                            <a:rPr lang="en-US" altLang="zh-TW" sz="3600" dirty="0" smtClean="0"/>
-                            <a:t>zero vector</a:t>
-                          </a:r>
-                          <a:endParaRPr lang="zh-TW" altLang="en-US" sz="3600" dirty="0"/>
+                            <a:rPr lang="en-US" altLang="zh-TW" sz="2800" dirty="0" smtClean="0"/>
+                            <a:t>21x1 zero vector</a:t>
+                          </a:r>
+                          <a:endParaRPr lang="zh-TW" altLang="en-US" sz="2800" dirty="0"/>
                         </a:p>
                       </a:txBody>
                       <a:tcPr anchor="ctr"/>
@@ -13591,7 +14009,7 @@
                         <a:blipFill>
                           <a:blip r:embed="rId3"/>
                           <a:stretch>
-                            <a:fillRect l="-245" t="-373333" r="-100245" b="-151667"/>
+                            <a:fillRect l="-273" t="-342857" r="-94536" b="-114286"/>
                           </a:stretch>
                         </a:blipFill>
                       </a:tcPr>
@@ -13619,7 +14037,7 @@
                             <a:defRPr/>
                           </a:pPr>
                           <a:r>
-                            <a:rPr lang="el-GR" sz="3600" b="0" i="0" kern="1200" dirty="0" smtClean="0">
+                            <a:rPr lang="el-GR" sz="2800" b="0" i="0" kern="1200" dirty="0" smtClean="0">
                               <a:solidFill>
                                 <a:schemeClr val="tx1"/>
                               </a:solidFill>
@@ -13631,7 +14049,7 @@
                             <a:t>α</a:t>
                           </a:r>
                           <a:r>
-                            <a:rPr lang="en-US" sz="3600" b="0" i="0" kern="1200" dirty="0" smtClean="0">
+                            <a:rPr lang="en-US" sz="2800" b="0" i="0" kern="1200" dirty="0" smtClean="0">
                               <a:solidFill>
                                 <a:schemeClr val="tx1"/>
                               </a:solidFill>
@@ -13642,7 +14060,7 @@
                             </a:rPr>
                             <a:t>I</a:t>
                           </a:r>
-                          <a:endParaRPr lang="zh-TW" altLang="en-US" sz="6000" dirty="0" smtClean="0">
+                          <a:endParaRPr lang="zh-TW" altLang="en-US" sz="4800" dirty="0" smtClean="0">
                             <a:latin typeface="Baskerville Old Face" panose="02020602080505020303" pitchFamily="18" charset="0"/>
                           </a:endParaRPr>
                         </a:p>
@@ -13655,7 +14073,7 @@
                       </a:ext>
                     </a:extLst>
                   </a:tr>
-                  <a:tr h="944880">
+                  <a:tr h="729456">
                     <a:tc>
                       <a:txBody>
                         <a:bodyPr/>
@@ -13679,7 +14097,7 @@
                             <a:defRPr/>
                           </a:pPr>
                           <a:r>
-                            <a:rPr lang="en-US" sz="3600" b="0" i="0" kern="1200" dirty="0" smtClean="0">
+                            <a:rPr lang="en-US" sz="2800" b="0" i="0" kern="1200" dirty="0" smtClean="0">
                               <a:solidFill>
                                 <a:schemeClr val="tx1"/>
                               </a:solidFill>
@@ -13690,7 +14108,7 @@
                             </a:rPr>
                             <a:t>I</a:t>
                           </a:r>
-                          <a:endParaRPr lang="zh-TW" altLang="en-US" sz="6000" dirty="0" smtClean="0">
+                          <a:endParaRPr lang="zh-TW" altLang="en-US" sz="4800" dirty="0" smtClean="0">
                             <a:latin typeface="Baskerville Old Face" panose="02020602080505020303" pitchFamily="18" charset="0"/>
                           </a:endParaRPr>
                         </a:p>
@@ -13704,14 +14122,10 @@
                         <a:p>
                           <a:pPr algn="ctr"/>
                           <a:r>
-                            <a:rPr lang="en-US" altLang="zh-TW" sz="2800" dirty="0" smtClean="0"/>
-                            <a:t>21x21 </a:t>
-                          </a:r>
-                          <a:r>
-                            <a:rPr lang="en-US" altLang="zh-TW" sz="2800" dirty="0" smtClean="0"/>
-                            <a:t>identify vector</a:t>
-                          </a:r>
-                          <a:endParaRPr lang="zh-TW" altLang="en-US" sz="2800" dirty="0"/>
+                            <a:rPr lang="en-US" altLang="zh-TW" sz="2000" dirty="0" smtClean="0"/>
+                            <a:t>21x21 identify vector</a:t>
+                          </a:r>
+                          <a:endParaRPr lang="zh-TW" altLang="en-US" sz="2000" dirty="0"/>
                         </a:p>
                       </a:txBody>
                       <a:tcPr anchor="ctr"/>
@@ -13777,7 +14191,7 @@
 </p:sld>
 </file>
 
-<file path=ppt/slides/slide18.xml><?xml version="1.0" encoding="utf-8"?>
+<file path=ppt/slides/slide17.xml><?xml version="1.0" encoding="utf-8"?>
 <p:sld xmlns:a="http://schemas.openxmlformats.org/drawingml/2006/main" xmlns:r="http://schemas.openxmlformats.org/officeDocument/2006/relationships" xmlns:p="http://schemas.openxmlformats.org/presentationml/2006/main">
   <p:cSld>
     <p:spTree>
@@ -13796,7 +14210,7 @@
       </p:grpSpPr>
       <p:pic>
         <p:nvPicPr>
-          <p:cNvPr id="10" name="圖片 9"/>
+          <p:cNvPr id="4" name="圖片 3"/>
           <p:cNvPicPr>
             <a:picLocks noChangeAspect="1"/>
           </p:cNvPicPr>
@@ -13810,8 +14224,8 @@
         </p:blipFill>
         <p:spPr>
           <a:xfrm>
-            <a:off x="1245463" y="1039061"/>
-            <a:ext cx="10044260" cy="5032325"/>
+            <a:off x="526537" y="831273"/>
+            <a:ext cx="11182853" cy="5602778"/>
           </a:xfrm>
           <a:prstGeom prst="rect">
             <a:avLst/>
@@ -13844,11 +14258,7 @@
             </a:r>
             <a:r>
               <a:rPr lang="en-US" dirty="0" smtClean="0"/>
-              <a:t>(^</a:t>
-            </a:r>
-            <a:r>
-              <a:rPr lang="en-US" dirty="0"/>
-              <a:t>GSPC)</a:t>
+              <a:t>(^TWII)</a:t>
             </a:r>
             <a:endParaRPr lang="en-US" dirty="0"/>
           </a:p>
@@ -13928,10 +14338,166 @@
           </a:p>
         </p:txBody>
       </p:sp>
+      <p:sp>
+        <p:nvSpPr>
+          <p:cNvPr id="5" name="文字方塊 4"/>
+          <p:cNvSpPr txBox="1"/>
+          <p:nvPr/>
+        </p:nvSpPr>
+        <p:spPr>
+          <a:xfrm>
+            <a:off x="7531128" y="600162"/>
+            <a:ext cx="3508846" cy="369332"/>
+          </a:xfrm>
+          <a:prstGeom prst="rect">
+            <a:avLst/>
+          </a:prstGeom>
+          <a:noFill/>
+        </p:spPr>
+        <p:txBody>
+          <a:bodyPr wrap="none" rtlCol="0">
+            <a:spAutoFit/>
+          </a:bodyPr>
+          <a:lstStyle/>
+          <a:p>
+            <a:r>
+              <a:rPr lang="en-US" dirty="0" smtClean="0"/>
+              <a:t>Execute </a:t>
+            </a:r>
+            <a:r>
+              <a:rPr lang="en-US" dirty="0"/>
+              <a:t>time is 18.945298 seconds.</a:t>
+            </a:r>
+          </a:p>
+        </p:txBody>
+      </p:sp>
     </p:spTree>
     <p:extLst>
       <p:ext uri="{BB962C8B-B14F-4D97-AF65-F5344CB8AC3E}">
         <p14:creationId xmlns:p14="http://schemas.microsoft.com/office/powerpoint/2010/main" val="34165701"/>
+      </p:ext>
+    </p:extLst>
+  </p:cSld>
+  <p:clrMapOvr>
+    <a:masterClrMapping/>
+  </p:clrMapOvr>
+  <p:timing>
+    <p:tnLst>
+      <p:par>
+        <p:cTn id="1" dur="indefinite" restart="never" nodeType="tmRoot"/>
+      </p:par>
+    </p:tnLst>
+  </p:timing>
+</p:sld>
+</file>
+
+<file path=ppt/slides/slide18.xml><?xml version="1.0" encoding="utf-8"?>
+<p:sld xmlns:a="http://schemas.openxmlformats.org/drawingml/2006/main" xmlns:r="http://schemas.openxmlformats.org/officeDocument/2006/relationships" xmlns:p="http://schemas.openxmlformats.org/presentationml/2006/main">
+  <p:cSld>
+    <p:spTree>
+      <p:nvGrpSpPr>
+        <p:cNvPr id="1" name=""/>
+        <p:cNvGrpSpPr/>
+        <p:nvPr/>
+      </p:nvGrpSpPr>
+      <p:grpSpPr>
+        <a:xfrm>
+          <a:off x="0" y="0"/>
+          <a:ext cx="0" cy="0"/>
+          <a:chOff x="0" y="0"/>
+          <a:chExt cx="0" cy="0"/>
+        </a:xfrm>
+      </p:grpSpPr>
+      <p:sp>
+        <p:nvSpPr>
+          <p:cNvPr id="2" name="標題 1"/>
+          <p:cNvSpPr>
+            <a:spLocks noGrp="1"/>
+          </p:cNvSpPr>
+          <p:nvPr>
+            <p:ph type="title" idx="4294967295"/>
+          </p:nvPr>
+        </p:nvSpPr>
+        <p:spPr>
+          <a:xfrm>
+            <a:off x="2587625" y="804863"/>
+            <a:ext cx="9604375" cy="1049337"/>
+          </a:xfrm>
+        </p:spPr>
+        <p:txBody>
+          <a:bodyPr/>
+          <a:lstStyle/>
+          <a:p>
+            <a:r>
+              <a:rPr lang="en-US" dirty="0" smtClean="0"/>
+              <a:t>Learning curve</a:t>
+            </a:r>
+            <a:r>
+              <a:rPr lang="en-US" dirty="0" smtClean="0"/>
+              <a:t>(^TWII)</a:t>
+            </a:r>
+            <a:endParaRPr lang="en-US" dirty="0"/>
+          </a:p>
+        </p:txBody>
+      </p:sp>
+      <p:sp>
+        <p:nvSpPr>
+          <p:cNvPr id="6" name="文字方塊 5"/>
+          <p:cNvSpPr txBox="1"/>
+          <p:nvPr/>
+        </p:nvSpPr>
+        <p:spPr>
+          <a:xfrm>
+            <a:off x="4916927" y="5606178"/>
+            <a:ext cx="1603324" cy="369332"/>
+          </a:xfrm>
+          <a:prstGeom prst="rect">
+            <a:avLst/>
+          </a:prstGeom>
+          <a:noFill/>
+        </p:spPr>
+        <p:txBody>
+          <a:bodyPr wrap="none" rtlCol="0">
+            <a:spAutoFit/>
+          </a:bodyPr>
+          <a:lstStyle/>
+          <a:p>
+            <a:r>
+              <a:rPr lang="en-US" dirty="0" smtClean="0"/>
+              <a:t>RMSE=71.9232</a:t>
+            </a:r>
+            <a:endParaRPr lang="en-US" dirty="0"/>
+          </a:p>
+        </p:txBody>
+      </p:sp>
+      <p:pic>
+        <p:nvPicPr>
+          <p:cNvPr id="8" name="圖片 7"/>
+          <p:cNvPicPr>
+            <a:picLocks noChangeAspect="1"/>
+          </p:cNvPicPr>
+          <p:nvPr/>
+        </p:nvPicPr>
+        <p:blipFill>
+          <a:blip r:embed="rId2"/>
+          <a:stretch>
+            <a:fillRect/>
+          </a:stretch>
+        </p:blipFill>
+        <p:spPr>
+          <a:xfrm>
+            <a:off x="1553578" y="1329531"/>
+            <a:ext cx="7826216" cy="4045510"/>
+          </a:xfrm>
+          <a:prstGeom prst="rect">
+            <a:avLst/>
+          </a:prstGeom>
+        </p:spPr>
+      </p:pic>
+    </p:spTree>
+    <p:extLst>
+      <p:ext uri="{BB962C8B-B14F-4D97-AF65-F5344CB8AC3E}">
+        <p14:creationId xmlns:p14="http://schemas.microsoft.com/office/powerpoint/2010/main" val="1928999931"/>
       </p:ext>
     </p:extLst>
   </p:cSld>
@@ -13965,37 +14531,263 @@
           <a:chExt cx="0" cy="0"/>
         </a:xfrm>
       </p:grpSpPr>
-      <p:sp>
-        <p:nvSpPr>
-          <p:cNvPr id="2" name="標題 1"/>
-          <p:cNvSpPr>
-            <a:spLocks noGrp="1"/>
-          </p:cNvSpPr>
+      <p:graphicFrame>
+        <p:nvGraphicFramePr>
+          <p:cNvPr id="5" name="內容版面配置區 3"/>
+          <p:cNvGraphicFramePr>
+            <a:graphicFrameLocks noGrp="1"/>
+          </p:cNvGraphicFramePr>
           <p:nvPr>
-            <p:ph type="title"/>
+            <p:ph idx="4294967295"/>
+            <p:extLst>
+              <p:ext uri="{D42A27DB-BD31-4B8C-83A1-F6EECF244321}">
+                <p14:modId xmlns:p14="http://schemas.microsoft.com/office/powerpoint/2010/main" val="3502028792"/>
+              </p:ext>
+            </p:extLst>
           </p:nvPr>
-        </p:nvSpPr>
-        <p:spPr/>
-        <p:txBody>
-          <a:bodyPr/>
-          <a:lstStyle/>
-          <a:p>
-            <a:r>
-              <a:rPr lang="en-US" dirty="0" smtClean="0"/>
-              <a:t>Learning curve</a:t>
-            </a:r>
-            <a:r>
-              <a:rPr lang="en-US" dirty="0" smtClean="0"/>
-              <a:t>(^</a:t>
-            </a:r>
-            <a:r>
-              <a:rPr lang="en-US" dirty="0"/>
-              <a:t>GSPC)</a:t>
-            </a:r>
-            <a:endParaRPr lang="en-US" dirty="0"/>
-          </a:p>
-        </p:txBody>
-      </p:sp>
+        </p:nvGraphicFramePr>
+        <p:xfrm>
+          <a:off x="6480345" y="1696372"/>
+          <a:ext cx="5453958" cy="2336162"/>
+        </p:xfrm>
+        <a:graphic>
+          <a:graphicData uri="http://schemas.openxmlformats.org/drawingml/2006/table">
+            <a:tbl>
+              <a:tblPr firstRow="1" bandRow="1">
+                <a:tableStyleId>{912C8C85-51F0-491E-9774-3900AFEF0FD7}</a:tableStyleId>
+              </a:tblPr>
+              <a:tblGrid>
+                <a:gridCol w="2726979">
+                  <a:extLst>
+                    <a:ext uri="{9D8B030D-6E8A-4147-A177-3AD203B41FA5}">
+                      <a16:colId xmlns:a16="http://schemas.microsoft.com/office/drawing/2014/main" val="20000"/>
+                    </a:ext>
+                  </a:extLst>
+                </a:gridCol>
+                <a:gridCol w="2726979">
+                  <a:extLst>
+                    <a:ext uri="{9D8B030D-6E8A-4147-A177-3AD203B41FA5}">
+                      <a16:colId xmlns:a16="http://schemas.microsoft.com/office/drawing/2014/main" val="20001"/>
+                    </a:ext>
+                  </a:extLst>
+                </a:gridCol>
+              </a:tblGrid>
+              <a:tr h="731233">
+                <a:tc>
+                  <a:txBody>
+                    <a:bodyPr/>
+                    <a:lstStyle/>
+                    <a:p>
+                      <a:pPr algn="ctr"/>
+                      <a:r>
+                        <a:rPr lang="en-US" altLang="zh-TW" sz="3200" dirty="0" smtClean="0">
+                          <a:latin typeface="Times New Roman" panose="02020603050405020304" pitchFamily="18" charset="0"/>
+                          <a:cs typeface="Times New Roman" panose="02020603050405020304" pitchFamily="18" charset="0"/>
+                        </a:rPr>
+                        <a:t>Parameters</a:t>
+                      </a:r>
+                      <a:endParaRPr lang="zh-TW" altLang="en-US" sz="3200" dirty="0">
+                        <a:latin typeface="Times New Roman" panose="02020603050405020304" pitchFamily="18" charset="0"/>
+                        <a:cs typeface="Times New Roman" panose="02020603050405020304" pitchFamily="18" charset="0"/>
+                      </a:endParaRPr>
+                    </a:p>
+                  </a:txBody>
+                  <a:tcPr/>
+                </a:tc>
+                <a:tc>
+                  <a:txBody>
+                    <a:bodyPr/>
+                    <a:lstStyle/>
+                    <a:p>
+                      <a:pPr algn="ctr"/>
+                      <a:r>
+                        <a:rPr lang="en-US" altLang="zh-TW" sz="3200" dirty="0" smtClean="0">
+                          <a:latin typeface="Times New Roman" panose="02020603050405020304" pitchFamily="18" charset="0"/>
+                          <a:cs typeface="Times New Roman" panose="02020603050405020304" pitchFamily="18" charset="0"/>
+                        </a:rPr>
+                        <a:t>Value</a:t>
+                      </a:r>
+                      <a:endParaRPr lang="zh-TW" altLang="en-US" sz="3200" dirty="0">
+                        <a:latin typeface="Times New Roman" panose="02020603050405020304" pitchFamily="18" charset="0"/>
+                        <a:cs typeface="Times New Roman" panose="02020603050405020304" pitchFamily="18" charset="0"/>
+                      </a:endParaRPr>
+                    </a:p>
+                  </a:txBody>
+                  <a:tcPr/>
+                </a:tc>
+                <a:extLst>
+                  <a:ext uri="{0D108BD9-81ED-4DB2-BD59-A6C34878D82A}">
+                    <a16:rowId xmlns:a16="http://schemas.microsoft.com/office/drawing/2014/main" val="10000"/>
+                  </a:ext>
+                </a:extLst>
+              </a:tr>
+              <a:tr h="540899">
+                <a:tc>
+                  <a:txBody>
+                    <a:bodyPr/>
+                    <a:lstStyle/>
+                    <a:p>
+                      <a:pPr algn="ctr"/>
+                      <a:r>
+                        <a:rPr lang="en-US" altLang="zh-TW" sz="2400" dirty="0" smtClean="0">
+                          <a:latin typeface="Times New Roman" panose="02020603050405020304" pitchFamily="18" charset="0"/>
+                          <a:cs typeface="Times New Roman" panose="02020603050405020304" pitchFamily="18" charset="0"/>
+                        </a:rPr>
+                        <a:t>swarm size</a:t>
+                      </a:r>
+                      <a:endParaRPr lang="zh-TW" altLang="en-US" sz="2400" dirty="0">
+                        <a:latin typeface="Times New Roman" panose="02020603050405020304" pitchFamily="18" charset="0"/>
+                        <a:cs typeface="Times New Roman" panose="02020603050405020304" pitchFamily="18" charset="0"/>
+                      </a:endParaRPr>
+                    </a:p>
+                  </a:txBody>
+                  <a:tcPr/>
+                </a:tc>
+                <a:tc>
+                  <a:txBody>
+                    <a:bodyPr/>
+                    <a:lstStyle/>
+                    <a:p>
+                      <a:pPr algn="ctr"/>
+                      <a:r>
+                        <a:rPr lang="en-US" altLang="zh-TW" sz="2400" dirty="0" smtClean="0">
+                          <a:latin typeface="Times New Roman" panose="02020603050405020304" pitchFamily="18" charset="0"/>
+                          <a:cs typeface="Times New Roman" panose="02020603050405020304" pitchFamily="18" charset="0"/>
+                        </a:rPr>
+                        <a:t>4</a:t>
+                      </a:r>
+                      <a:endParaRPr lang="zh-TW" altLang="en-US" sz="2400" dirty="0">
+                        <a:latin typeface="Times New Roman" panose="02020603050405020304" pitchFamily="18" charset="0"/>
+                        <a:cs typeface="Times New Roman" panose="02020603050405020304" pitchFamily="18" charset="0"/>
+                      </a:endParaRPr>
+                    </a:p>
+                  </a:txBody>
+                  <a:tcPr/>
+                </a:tc>
+                <a:extLst>
+                  <a:ext uri="{0D108BD9-81ED-4DB2-BD59-A6C34878D82A}">
+                    <a16:rowId xmlns:a16="http://schemas.microsoft.com/office/drawing/2014/main" val="10001"/>
+                  </a:ext>
+                </a:extLst>
+              </a:tr>
+              <a:tr h="532015">
+                <a:tc>
+                  <a:txBody>
+                    <a:bodyPr/>
+                    <a:lstStyle/>
+                    <a:p>
+                      <a:pPr algn="ctr"/>
+                      <a:r>
+                        <a:rPr lang="en-US" altLang="zh-TW" sz="2400" dirty="0" smtClean="0">
+                          <a:latin typeface="Times New Roman" panose="02020603050405020304" pitchFamily="18" charset="0"/>
+                          <a:cs typeface="Times New Roman" panose="02020603050405020304" pitchFamily="18" charset="0"/>
+                        </a:rPr>
+                        <a:t>Iterations</a:t>
+                      </a:r>
+                      <a:endParaRPr lang="zh-TW" altLang="en-US" sz="2400" dirty="0">
+                        <a:latin typeface="Times New Roman" panose="02020603050405020304" pitchFamily="18" charset="0"/>
+                        <a:cs typeface="Times New Roman" panose="02020603050405020304" pitchFamily="18" charset="0"/>
+                      </a:endParaRPr>
+                    </a:p>
+                  </a:txBody>
+                  <a:tcPr/>
+                </a:tc>
+                <a:tc>
+                  <a:txBody>
+                    <a:bodyPr/>
+                    <a:lstStyle/>
+                    <a:p>
+                      <a:pPr algn="ctr"/>
+                      <a:r>
+                        <a:rPr lang="en-US" altLang="zh-TW" sz="2400" dirty="0" smtClean="0">
+                          <a:latin typeface="Times New Roman" panose="02020603050405020304" pitchFamily="18" charset="0"/>
+                          <a:cs typeface="Times New Roman" panose="02020603050405020304" pitchFamily="18" charset="0"/>
+                        </a:rPr>
+                        <a:t>240</a:t>
+                      </a:r>
+                      <a:endParaRPr lang="zh-TW" altLang="en-US" sz="2400" dirty="0">
+                        <a:latin typeface="Times New Roman" panose="02020603050405020304" pitchFamily="18" charset="0"/>
+                        <a:cs typeface="Times New Roman" panose="02020603050405020304" pitchFamily="18" charset="0"/>
+                      </a:endParaRPr>
+                    </a:p>
+                  </a:txBody>
+                  <a:tcPr/>
+                </a:tc>
+                <a:extLst>
+                  <a:ext uri="{0D108BD9-81ED-4DB2-BD59-A6C34878D82A}">
+                    <a16:rowId xmlns:a16="http://schemas.microsoft.com/office/drawing/2014/main" val="10002"/>
+                  </a:ext>
+                </a:extLst>
+              </a:tr>
+              <a:tr h="532015">
+                <a:tc>
+                  <a:txBody>
+                    <a:bodyPr/>
+                    <a:lstStyle/>
+                    <a:p>
+                      <a:pPr marL="0" marR="0" indent="0" algn="ctr" defTabSz="914400" rtl="0" eaLnBrk="1" fontAlgn="auto" latinLnBrk="0" hangingPunct="1">
+                        <a:lnSpc>
+                          <a:spcPct val="100000"/>
+                        </a:lnSpc>
+                        <a:spcBef>
+                          <a:spcPts val="0"/>
+                        </a:spcBef>
+                        <a:spcAft>
+                          <a:spcPts val="0"/>
+                        </a:spcAft>
+                        <a:buClrTx/>
+                        <a:buSzTx/>
+                        <a:buFontTx/>
+                        <a:buNone/>
+                        <a:tabLst/>
+                        <a:defRPr/>
+                      </a:pPr>
+                      <a:r>
+                        <a:rPr lang="en-US" altLang="zh-TW" sz="2400" dirty="0" smtClean="0">
+                          <a:latin typeface="Times New Roman" panose="02020603050405020304" pitchFamily="18" charset="0"/>
+                          <a:cs typeface="Times New Roman" panose="02020603050405020304" pitchFamily="18" charset="0"/>
+                        </a:rPr>
+                        <a:t>Execute time</a:t>
+                      </a:r>
+                      <a:endParaRPr lang="zh-TW" altLang="en-US" sz="2400" dirty="0" smtClean="0">
+                        <a:latin typeface="Times New Roman" panose="02020603050405020304" pitchFamily="18" charset="0"/>
+                        <a:cs typeface="Times New Roman" panose="02020603050405020304" pitchFamily="18" charset="0"/>
+                      </a:endParaRPr>
+                    </a:p>
+                  </a:txBody>
+                  <a:tcPr/>
+                </a:tc>
+                <a:tc>
+                  <a:txBody>
+                    <a:bodyPr/>
+                    <a:lstStyle/>
+                    <a:p>
+                      <a:pPr algn="ctr"/>
+                      <a:r>
+                        <a:rPr lang="en-US" altLang="zh-TW" sz="2400" dirty="0" smtClean="0">
+                          <a:latin typeface="Times New Roman" panose="02020603050405020304" pitchFamily="18" charset="0"/>
+                          <a:cs typeface="Times New Roman" panose="02020603050405020304" pitchFamily="18" charset="0"/>
+                        </a:rPr>
+                        <a:t>18.945298</a:t>
+                      </a:r>
+                      <a:endParaRPr lang="zh-TW" altLang="en-US" sz="2400" dirty="0">
+                        <a:latin typeface="Times New Roman" panose="02020603050405020304" pitchFamily="18" charset="0"/>
+                        <a:cs typeface="Times New Roman" panose="02020603050405020304" pitchFamily="18" charset="0"/>
+                      </a:endParaRPr>
+                    </a:p>
+                  </a:txBody>
+                  <a:tcPr/>
+                </a:tc>
+                <a:extLst>
+                  <a:ext uri="{0D108BD9-81ED-4DB2-BD59-A6C34878D82A}">
+                    <a16:rowId xmlns:a16="http://schemas.microsoft.com/office/drawing/2014/main" val="823301884"/>
+                  </a:ext>
+                </a:extLst>
+              </a:tr>
+            </a:tbl>
+          </a:graphicData>
+        </a:graphic>
+      </p:graphicFrame>
       <p:sp>
         <p:nvSpPr>
           <p:cNvPr id="6" name="文字方塊 5"/>
@@ -14004,8 +14796,8 @@
         </p:nvSpPr>
         <p:spPr>
           <a:xfrm>
-            <a:off x="5157996" y="5695950"/>
-            <a:ext cx="1603324" cy="369332"/>
+            <a:off x="8998929" y="933374"/>
+            <a:ext cx="815801" cy="646331"/>
           </a:xfrm>
           <a:prstGeom prst="rect">
             <a:avLst/>
@@ -14019,41 +14811,284 @@
           <a:lstStyle/>
           <a:p>
             <a:r>
-              <a:rPr lang="en-US" dirty="0" smtClean="0"/>
-              <a:t>RMSE=16.5164</a:t>
+              <a:rPr lang="en-US" sz="3600" dirty="0" smtClean="0"/>
+              <a:t>RO</a:t>
             </a:r>
-            <a:endParaRPr lang="en-US" dirty="0"/>
+            <a:endParaRPr lang="en-US" sz="3600" dirty="0"/>
           </a:p>
         </p:txBody>
       </p:sp>
-      <p:pic>
-        <p:nvPicPr>
-          <p:cNvPr id="3" name="圖片 2"/>
-          <p:cNvPicPr>
-            <a:picLocks noChangeAspect="1"/>
-          </p:cNvPicPr>
+      <p:sp>
+        <p:nvSpPr>
+          <p:cNvPr id="7" name="文字方塊 6"/>
+          <p:cNvSpPr txBox="1"/>
           <p:nvPr/>
-        </p:nvPicPr>
-        <p:blipFill>
-          <a:blip r:embed="rId2"/>
-          <a:stretch>
-            <a:fillRect/>
-          </a:stretch>
-        </p:blipFill>
+        </p:nvSpPr>
         <p:spPr>
           <a:xfrm>
-            <a:off x="3195150" y="1691950"/>
-            <a:ext cx="5344500" cy="4004000"/>
+            <a:off x="2785526" y="933375"/>
+            <a:ext cx="1011815" cy="646331"/>
           </a:xfrm>
           <a:prstGeom prst="rect">
             <a:avLst/>
           </a:prstGeom>
+          <a:noFill/>
         </p:spPr>
-      </p:pic>
+        <p:txBody>
+          <a:bodyPr wrap="none" rtlCol="0">
+            <a:spAutoFit/>
+          </a:bodyPr>
+          <a:lstStyle/>
+          <a:p>
+            <a:r>
+              <a:rPr lang="en-US" sz="3600" dirty="0" smtClean="0"/>
+              <a:t>PSO</a:t>
+            </a:r>
+            <a:endParaRPr lang="en-US" sz="3600" dirty="0"/>
+          </a:p>
+        </p:txBody>
+      </p:sp>
+      <p:graphicFrame>
+        <p:nvGraphicFramePr>
+          <p:cNvPr id="8" name="內容版面配置區 3"/>
+          <p:cNvGraphicFramePr>
+            <a:graphicFrameLocks/>
+          </p:cNvGraphicFramePr>
+          <p:nvPr>
+            <p:extLst>
+              <p:ext uri="{D42A27DB-BD31-4B8C-83A1-F6EECF244321}">
+                <p14:modId xmlns:p14="http://schemas.microsoft.com/office/powerpoint/2010/main" val="3267204260"/>
+              </p:ext>
+            </p:extLst>
+          </p:nvPr>
+        </p:nvGraphicFramePr>
+        <p:xfrm>
+          <a:off x="423137" y="1696084"/>
+          <a:ext cx="5453958" cy="2336162"/>
+        </p:xfrm>
+        <a:graphic>
+          <a:graphicData uri="http://schemas.openxmlformats.org/drawingml/2006/table">
+            <a:tbl>
+              <a:tblPr firstRow="1" bandRow="1">
+                <a:tableStyleId>{912C8C85-51F0-491E-9774-3900AFEF0FD7}</a:tableStyleId>
+              </a:tblPr>
+              <a:tblGrid>
+                <a:gridCol w="2726979">
+                  <a:extLst>
+                    <a:ext uri="{9D8B030D-6E8A-4147-A177-3AD203B41FA5}">
+                      <a16:colId xmlns:a16="http://schemas.microsoft.com/office/drawing/2014/main" val="20000"/>
+                    </a:ext>
+                  </a:extLst>
+                </a:gridCol>
+                <a:gridCol w="2726979">
+                  <a:extLst>
+                    <a:ext uri="{9D8B030D-6E8A-4147-A177-3AD203B41FA5}">
+                      <a16:colId xmlns:a16="http://schemas.microsoft.com/office/drawing/2014/main" val="20001"/>
+                    </a:ext>
+                  </a:extLst>
+                </a:gridCol>
+              </a:tblGrid>
+              <a:tr h="731233">
+                <a:tc>
+                  <a:txBody>
+                    <a:bodyPr/>
+                    <a:lstStyle/>
+                    <a:p>
+                      <a:pPr algn="ctr"/>
+                      <a:r>
+                        <a:rPr lang="en-US" altLang="zh-TW" sz="3200" dirty="0" smtClean="0">
+                          <a:latin typeface="Times New Roman" panose="02020603050405020304" pitchFamily="18" charset="0"/>
+                          <a:cs typeface="Times New Roman" panose="02020603050405020304" pitchFamily="18" charset="0"/>
+                        </a:rPr>
+                        <a:t>Parameters</a:t>
+                      </a:r>
+                      <a:endParaRPr lang="zh-TW" altLang="en-US" sz="3200" dirty="0">
+                        <a:latin typeface="Times New Roman" panose="02020603050405020304" pitchFamily="18" charset="0"/>
+                        <a:cs typeface="Times New Roman" panose="02020603050405020304" pitchFamily="18" charset="0"/>
+                      </a:endParaRPr>
+                    </a:p>
+                  </a:txBody>
+                  <a:tcPr/>
+                </a:tc>
+                <a:tc>
+                  <a:txBody>
+                    <a:bodyPr/>
+                    <a:lstStyle/>
+                    <a:p>
+                      <a:pPr algn="ctr"/>
+                      <a:r>
+                        <a:rPr lang="en-US" altLang="zh-TW" sz="3200" dirty="0" smtClean="0">
+                          <a:latin typeface="Times New Roman" panose="02020603050405020304" pitchFamily="18" charset="0"/>
+                          <a:cs typeface="Times New Roman" panose="02020603050405020304" pitchFamily="18" charset="0"/>
+                        </a:rPr>
+                        <a:t>Value</a:t>
+                      </a:r>
+                      <a:endParaRPr lang="zh-TW" altLang="en-US" sz="3200" dirty="0">
+                        <a:latin typeface="Times New Roman" panose="02020603050405020304" pitchFamily="18" charset="0"/>
+                        <a:cs typeface="Times New Roman" panose="02020603050405020304" pitchFamily="18" charset="0"/>
+                      </a:endParaRPr>
+                    </a:p>
+                  </a:txBody>
+                  <a:tcPr/>
+                </a:tc>
+                <a:extLst>
+                  <a:ext uri="{0D108BD9-81ED-4DB2-BD59-A6C34878D82A}">
+                    <a16:rowId xmlns:a16="http://schemas.microsoft.com/office/drawing/2014/main" val="10000"/>
+                  </a:ext>
+                </a:extLst>
+              </a:tr>
+              <a:tr h="540899">
+                <a:tc>
+                  <a:txBody>
+                    <a:bodyPr/>
+                    <a:lstStyle/>
+                    <a:p>
+                      <a:pPr algn="ctr"/>
+                      <a:r>
+                        <a:rPr lang="en-US" altLang="zh-TW" sz="2400" dirty="0" smtClean="0">
+                          <a:latin typeface="Times New Roman" panose="02020603050405020304" pitchFamily="18" charset="0"/>
+                          <a:cs typeface="Times New Roman" panose="02020603050405020304" pitchFamily="18" charset="0"/>
+                        </a:rPr>
+                        <a:t>swarm size</a:t>
+                      </a:r>
+                      <a:endParaRPr lang="zh-TW" altLang="en-US" sz="2400" dirty="0">
+                        <a:latin typeface="Times New Roman" panose="02020603050405020304" pitchFamily="18" charset="0"/>
+                        <a:cs typeface="Times New Roman" panose="02020603050405020304" pitchFamily="18" charset="0"/>
+                      </a:endParaRPr>
+                    </a:p>
+                  </a:txBody>
+                  <a:tcPr/>
+                </a:tc>
+                <a:tc>
+                  <a:txBody>
+                    <a:bodyPr/>
+                    <a:lstStyle/>
+                    <a:p>
+                      <a:pPr algn="ctr"/>
+                      <a:r>
+                        <a:rPr lang="en-US" altLang="zh-TW" sz="2400" dirty="0" smtClean="0">
+                          <a:latin typeface="Times New Roman" panose="02020603050405020304" pitchFamily="18" charset="0"/>
+                          <a:cs typeface="Times New Roman" panose="02020603050405020304" pitchFamily="18" charset="0"/>
+                        </a:rPr>
+                        <a:t>64</a:t>
+                      </a:r>
+                      <a:endParaRPr lang="zh-TW" altLang="en-US" sz="2400" dirty="0">
+                        <a:latin typeface="Times New Roman" panose="02020603050405020304" pitchFamily="18" charset="0"/>
+                        <a:cs typeface="Times New Roman" panose="02020603050405020304" pitchFamily="18" charset="0"/>
+                      </a:endParaRPr>
+                    </a:p>
+                  </a:txBody>
+                  <a:tcPr/>
+                </a:tc>
+                <a:extLst>
+                  <a:ext uri="{0D108BD9-81ED-4DB2-BD59-A6C34878D82A}">
+                    <a16:rowId xmlns:a16="http://schemas.microsoft.com/office/drawing/2014/main" val="10001"/>
+                  </a:ext>
+                </a:extLst>
+              </a:tr>
+              <a:tr h="532015">
+                <a:tc>
+                  <a:txBody>
+                    <a:bodyPr/>
+                    <a:lstStyle/>
+                    <a:p>
+                      <a:pPr algn="ctr"/>
+                      <a:r>
+                        <a:rPr lang="en-US" altLang="zh-TW" sz="2400" dirty="0" smtClean="0">
+                          <a:latin typeface="Times New Roman" panose="02020603050405020304" pitchFamily="18" charset="0"/>
+                          <a:cs typeface="Times New Roman" panose="02020603050405020304" pitchFamily="18" charset="0"/>
+                        </a:rPr>
+                        <a:t>Iterations</a:t>
+                      </a:r>
+                      <a:endParaRPr lang="zh-TW" altLang="en-US" sz="2400" dirty="0">
+                        <a:latin typeface="Times New Roman" panose="02020603050405020304" pitchFamily="18" charset="0"/>
+                        <a:cs typeface="Times New Roman" panose="02020603050405020304" pitchFamily="18" charset="0"/>
+                      </a:endParaRPr>
+                    </a:p>
+                  </a:txBody>
+                  <a:tcPr/>
+                </a:tc>
+                <a:tc>
+                  <a:txBody>
+                    <a:bodyPr/>
+                    <a:lstStyle/>
+                    <a:p>
+                      <a:pPr algn="ctr"/>
+                      <a:r>
+                        <a:rPr lang="en-US" altLang="zh-TW" sz="2400" dirty="0" smtClean="0">
+                          <a:latin typeface="Times New Roman" panose="02020603050405020304" pitchFamily="18" charset="0"/>
+                          <a:cs typeface="Times New Roman" panose="02020603050405020304" pitchFamily="18" charset="0"/>
+                        </a:rPr>
+                        <a:t>30</a:t>
+                      </a:r>
+                      <a:endParaRPr lang="zh-TW" altLang="en-US" sz="2400" dirty="0">
+                        <a:latin typeface="Times New Roman" panose="02020603050405020304" pitchFamily="18" charset="0"/>
+                        <a:cs typeface="Times New Roman" panose="02020603050405020304" pitchFamily="18" charset="0"/>
+                      </a:endParaRPr>
+                    </a:p>
+                  </a:txBody>
+                  <a:tcPr/>
+                </a:tc>
+                <a:extLst>
+                  <a:ext uri="{0D108BD9-81ED-4DB2-BD59-A6C34878D82A}">
+                    <a16:rowId xmlns:a16="http://schemas.microsoft.com/office/drawing/2014/main" val="10002"/>
+                  </a:ext>
+                </a:extLst>
+              </a:tr>
+              <a:tr h="532015">
+                <a:tc>
+                  <a:txBody>
+                    <a:bodyPr/>
+                    <a:lstStyle/>
+                    <a:p>
+                      <a:pPr algn="ctr"/>
+                      <a:r>
+                        <a:rPr lang="en-US" altLang="zh-TW" sz="2400" smtClean="0">
+                          <a:latin typeface="Times New Roman" panose="02020603050405020304" pitchFamily="18" charset="0"/>
+                          <a:cs typeface="Times New Roman" panose="02020603050405020304" pitchFamily="18" charset="0"/>
+                        </a:rPr>
+                        <a:t>Execute time</a:t>
+                      </a:r>
+                      <a:endParaRPr lang="zh-TW" altLang="en-US" sz="2400" dirty="0">
+                        <a:latin typeface="Times New Roman" panose="02020603050405020304" pitchFamily="18" charset="0"/>
+                        <a:cs typeface="Times New Roman" panose="02020603050405020304" pitchFamily="18" charset="0"/>
+                      </a:endParaRPr>
+                    </a:p>
+                  </a:txBody>
+                  <a:tcPr/>
+                </a:tc>
+                <a:tc>
+                  <a:txBody>
+                    <a:bodyPr/>
+                    <a:lstStyle/>
+                    <a:p>
+                      <a:pPr algn="ctr"/>
+                      <a:r>
+                        <a:rPr lang="en-US" sz="2400" smtClean="0"/>
+                        <a:t>41.020605</a:t>
+                      </a:r>
+                      <a:endParaRPr lang="zh-TW" altLang="en-US" sz="2400" dirty="0">
+                        <a:latin typeface="Times New Roman" panose="02020603050405020304" pitchFamily="18" charset="0"/>
+                        <a:cs typeface="Times New Roman" panose="02020603050405020304" pitchFamily="18" charset="0"/>
+                      </a:endParaRPr>
+                    </a:p>
+                  </a:txBody>
+                  <a:tcPr/>
+                </a:tc>
+                <a:extLst>
+                  <a:ext uri="{0D108BD9-81ED-4DB2-BD59-A6C34878D82A}">
+                    <a16:rowId xmlns:a16="http://schemas.microsoft.com/office/drawing/2014/main" val="3651580143"/>
+                  </a:ext>
+                </a:extLst>
+              </a:tr>
+            </a:tbl>
+          </a:graphicData>
+        </a:graphic>
+      </p:graphicFrame>
     </p:spTree>
     <p:extLst>
       <p:ext uri="{BB962C8B-B14F-4D97-AF65-F5344CB8AC3E}">
-        <p14:creationId xmlns:p14="http://schemas.microsoft.com/office/powerpoint/2010/main" val="1928999931"/>
+        <p14:creationId xmlns:p14="http://schemas.microsoft.com/office/powerpoint/2010/main" val="2668610975"/>
       </p:ext>
     </p:extLst>
   </p:cSld>
@@ -14194,7 +15229,6 @@
               <a:rPr lang="en-US" dirty="0" smtClean="0"/>
               <a:t>Gaussian</a:t>
             </a:r>
-            <a:endParaRPr lang="en-US" dirty="0" smtClean="0"/>
           </a:p>
           <a:p>
             <a:pPr algn="ctr"/>
@@ -14230,11 +15264,7 @@
           <a:p>
             <a:r>
               <a:rPr lang="en-US" dirty="0" smtClean="0"/>
-              <a:t>PSO  or  </a:t>
-            </a:r>
-            <a:r>
-              <a:rPr lang="en-US" dirty="0" smtClean="0"/>
-              <a:t>RO</a:t>
+              <a:t>PSO  or  RO</a:t>
             </a:r>
             <a:endParaRPr lang="en-US" dirty="0"/>
           </a:p>
@@ -16803,11 +17833,7 @@
           <a:p>
             <a:r>
               <a:rPr lang="en-US" dirty="0" smtClean="0"/>
-              <a:t>PSO  or  </a:t>
-            </a:r>
-            <a:r>
-              <a:rPr lang="en-US" dirty="0" smtClean="0"/>
-              <a:t>RO</a:t>
+              <a:t>PSO  or  RO</a:t>
             </a:r>
             <a:endParaRPr lang="en-US" dirty="0"/>
           </a:p>
@@ -21296,7 +22322,7 @@
               <p:nvPr>
                 <p:extLst>
                   <p:ext uri="{D42A27DB-BD31-4B8C-83A1-F6EECF244321}">
-                    <p14:modId xmlns:p14="http://schemas.microsoft.com/office/powerpoint/2010/main" val="951570116"/>
+                    <p14:modId xmlns:p14="http://schemas.microsoft.com/office/powerpoint/2010/main" val="2113764804"/>
                   </p:ext>
                 </p:extLst>
               </p:nvPr>
@@ -21964,6 +22990,28 @@
                             </a:rPr>
                             <a:t>yMean</a:t>
                           </a:r>
+                          <a:r>
+                            <a:rPr lang="zh-TW" altLang="en-US" sz="1800" b="0" i="0" u="none" strike="noStrike" kern="1200" baseline="0" dirty="0" smtClean="0">
+                              <a:solidFill>
+                                <a:schemeClr val="tx1"/>
+                              </a:solidFill>
+                              <a:latin typeface="+mn-lt"/>
+                              <a:ea typeface="+mn-ea"/>
+                              <a:cs typeface="+mn-cs"/>
+                            </a:rPr>
+                            <a:t>*</a:t>
+                          </a:r>
+                          <a:r>
+                            <a:rPr lang="en-US" altLang="zh-TW" sz="1800" b="0" i="0" u="none" strike="noStrike" kern="1200" baseline="0" dirty="0" smtClean="0">
+                              <a:solidFill>
+                                <a:schemeClr val="tx1"/>
+                              </a:solidFill>
+                              <a:latin typeface="+mn-lt"/>
+                              <a:ea typeface="+mn-ea"/>
+                              <a:cs typeface="+mn-cs"/>
+                            </a:rPr>
+                            <a:t>1000</a:t>
+                          </a:r>
                           <a:endParaRPr lang="en-US" sz="1800" b="0" i="0" u="none" strike="noStrike" kern="1200" baseline="0" dirty="0" smtClean="0">
                             <a:solidFill>
                               <a:schemeClr val="tx1"/>
@@ -22294,7 +23342,7 @@
               <p:nvPr>
                 <p:extLst>
                   <p:ext uri="{D42A27DB-BD31-4B8C-83A1-F6EECF244321}">
-                    <p14:modId xmlns:p14="http://schemas.microsoft.com/office/powerpoint/2010/main" val="951570116"/>
+                    <p14:modId xmlns:p14="http://schemas.microsoft.com/office/powerpoint/2010/main" val="2113764804"/>
                   </p:ext>
                 </p:extLst>
               </p:nvPr>
@@ -22819,6 +23867,28 @@
                             </a:rPr>
                             <a:t>yMean</a:t>
                           </a:r>
+                          <a:r>
+                            <a:rPr lang="zh-TW" altLang="en-US" sz="1800" b="0" i="0" u="none" strike="noStrike" kern="1200" baseline="0" dirty="0" smtClean="0">
+                              <a:solidFill>
+                                <a:schemeClr val="tx1"/>
+                              </a:solidFill>
+                              <a:latin typeface="+mn-lt"/>
+                              <a:ea typeface="+mn-ea"/>
+                              <a:cs typeface="+mn-cs"/>
+                            </a:rPr>
+                            <a:t>*</a:t>
+                          </a:r>
+                          <a:r>
+                            <a:rPr lang="en-US" altLang="zh-TW" sz="1800" b="0" i="0" u="none" strike="noStrike" kern="1200" baseline="0" dirty="0" smtClean="0">
+                              <a:solidFill>
+                                <a:schemeClr val="tx1"/>
+                              </a:solidFill>
+                              <a:latin typeface="+mn-lt"/>
+                              <a:ea typeface="+mn-ea"/>
+                              <a:cs typeface="+mn-cs"/>
+                            </a:rPr>
+                            <a:t>1000</a:t>
+                          </a:r>
                           <a:endParaRPr lang="en-US" sz="1800" b="0" i="0" u="none" strike="noStrike" kern="1200" baseline="0" dirty="0" smtClean="0">
                             <a:solidFill>
                               <a:schemeClr val="tx1"/>
@@ -23165,11 +24235,7 @@
             <a:pPr algn="ctr"/>
             <a:r>
               <a:rPr lang="en-US" altLang="zh-TW" sz="4000" dirty="0" smtClean="0"/>
-              <a:t>Premise(gauss</a:t>
-            </a:r>
-            <a:r>
-              <a:rPr lang="en-US" altLang="zh-TW" sz="4000" dirty="0" smtClean="0"/>
-              <a:t>)</a:t>
+              <a:t>Premise(gauss)</a:t>
             </a:r>
             <a:endParaRPr lang="zh-TW" altLang="en-US" sz="4000" dirty="0"/>
           </a:p>
@@ -23212,8 +24278,8 @@
           <a:chExt cx="0" cy="0"/>
         </a:xfrm>
       </p:grpSpPr>
-      <mc:AlternateContent xmlns:mc="http://schemas.openxmlformats.org/markup-compatibility/2006" xmlns:a14="http://schemas.microsoft.com/office/drawing/2010/main">
-        <mc:Choice Requires="a14">
+      <mc:AlternateContent xmlns:mc="http://schemas.openxmlformats.org/markup-compatibility/2006">
+        <mc:Choice xmlns:a14="http://schemas.microsoft.com/office/drawing/2010/main" Requires="a14">
           <p:graphicFrame>
             <p:nvGraphicFramePr>
               <p:cNvPr id="8" name="表格 7"/>
@@ -23223,7 +24289,7 @@
               <p:nvPr>
                 <p:extLst>
                   <p:ext uri="{D42A27DB-BD31-4B8C-83A1-F6EECF244321}">
-                    <p14:modId xmlns:p14="http://schemas.microsoft.com/office/powerpoint/2010/main" val="1927779588"/>
+                    <p14:modId xmlns:p14="http://schemas.microsoft.com/office/powerpoint/2010/main" val="2039462283"/>
                   </p:ext>
                 </p:extLst>
               </p:nvPr>
@@ -23322,10 +24388,22 @@
                                   </m:sub>
                                   <m:sup>
                                     <m:r>
+                                      <a:rPr lang="en-US" altLang="zh-TW" b="1" i="0" smtClean="0">
+                                        <a:latin typeface="Cambria Math" panose="02040503050406030204" pitchFamily="18" charset="0"/>
+                                      </a:rPr>
+                                      <m:t>(</m:t>
+                                    </m:r>
+                                    <m:r>
                                       <a:rPr lang="en-US" altLang="zh-TW" smtClean="0">
                                         <a:latin typeface="Cambria Math" panose="02040503050406030204" pitchFamily="18" charset="0"/>
                                       </a:rPr>
                                       <m:t>𝑛</m:t>
+                                    </m:r>
+                                    <m:r>
+                                      <a:rPr lang="en-US" altLang="zh-TW" b="1" i="1" smtClean="0">
+                                        <a:latin typeface="Cambria Math" panose="02040503050406030204" pitchFamily="18" charset="0"/>
+                                      </a:rPr>
+                                      <m:t>)</m:t>
                                     </m:r>
                                   </m:sup>
                                 </m:sSubSup>
@@ -23375,10 +24453,22 @@
                                   </m:sub>
                                   <m:sup>
                                     <m:r>
+                                      <a:rPr lang="en-US" altLang="zh-TW" b="1" i="0" smtClean="0">
+                                        <a:latin typeface="Cambria Math" panose="02040503050406030204" pitchFamily="18" charset="0"/>
+                                      </a:rPr>
+                                      <m:t>(</m:t>
+                                    </m:r>
+                                    <m:r>
                                       <a:rPr lang="en-US" altLang="zh-TW" smtClean="0">
                                         <a:latin typeface="Cambria Math" panose="02040503050406030204" pitchFamily="18" charset="0"/>
                                       </a:rPr>
                                       <m:t>𝑛</m:t>
+                                    </m:r>
+                                    <m:r>
+                                      <a:rPr lang="en-US" altLang="zh-TW" b="1" i="0" smtClean="0">
+                                        <a:latin typeface="Cambria Math" panose="02040503050406030204" pitchFamily="18" charset="0"/>
+                                      </a:rPr>
+                                      <m:t>)</m:t>
                                     </m:r>
                                   </m:sup>
                                 </m:sSubSup>
@@ -23428,10 +24518,22 @@
                                   </m:sub>
                                   <m:sup>
                                     <m:r>
+                                      <a:rPr lang="en-US" altLang="zh-TW" b="1" i="0" smtClean="0">
+                                        <a:latin typeface="Cambria Math" panose="02040503050406030204" pitchFamily="18" charset="0"/>
+                                      </a:rPr>
+                                      <m:t>(</m:t>
+                                    </m:r>
+                                    <m:r>
                                       <a:rPr lang="en-US" altLang="zh-TW" smtClean="0">
                                         <a:latin typeface="Cambria Math" panose="02040503050406030204" pitchFamily="18" charset="0"/>
                                       </a:rPr>
                                       <m:t>𝑛</m:t>
+                                    </m:r>
+                                    <m:r>
+                                      <a:rPr lang="en-US" altLang="zh-TW" b="1" i="0" smtClean="0">
+                                        <a:latin typeface="Cambria Math" panose="02040503050406030204" pitchFamily="18" charset="0"/>
+                                      </a:rPr>
+                                      <m:t>)</m:t>
                                     </m:r>
                                   </m:sup>
                                 </m:sSubSup>
@@ -24339,7 +25441,7 @@
             </a:graphic>
           </p:graphicFrame>
         </mc:Choice>
-        <mc:Fallback xmlns="">
+        <mc:Fallback>
           <p:graphicFrame>
             <p:nvGraphicFramePr>
               <p:cNvPr id="8" name="表格 7"/>
@@ -24349,7 +25451,7 @@
               <p:nvPr>
                 <p:extLst>
                   <p:ext uri="{D42A27DB-BD31-4B8C-83A1-F6EECF244321}">
-                    <p14:modId xmlns:p14="http://schemas.microsoft.com/office/powerpoint/2010/main" val="1927779588"/>
+                    <p14:modId xmlns:p14="http://schemas.microsoft.com/office/powerpoint/2010/main" val="2039462283"/>
                   </p:ext>
                 </p:extLst>
               </p:nvPr>
@@ -25388,8 +26490,8 @@
           </a:p>
         </p:txBody>
       </p:sp>
-      <mc:AlternateContent xmlns:mc="http://schemas.openxmlformats.org/markup-compatibility/2006" xmlns:a14="http://schemas.microsoft.com/office/drawing/2010/main">
-        <mc:Choice Requires="a14">
+      <mc:AlternateContent xmlns:mc="http://schemas.openxmlformats.org/markup-compatibility/2006">
+        <mc:Choice xmlns:a14="http://schemas.microsoft.com/office/drawing/2010/main" Requires="a14">
           <p:sp>
             <p:nvSpPr>
               <p:cNvPr id="11" name="文字方塊 10"/>
@@ -25398,8 +26500,8 @@
             </p:nvSpPr>
             <p:spPr>
               <a:xfrm>
-                <a:off x="4927107" y="969538"/>
-                <a:ext cx="2254742" cy="568172"/>
+                <a:off x="4927106" y="969538"/>
+                <a:ext cx="2845293" cy="624915"/>
               </a:xfrm>
               <a:prstGeom prst="rect">
                 <a:avLst/>
@@ -25443,7 +26545,19 @@
                           <a:rPr lang="en-US" altLang="zh-TW" b="0" i="1" smtClean="0">
                             <a:latin typeface="Cambria Math" panose="02040503050406030204" pitchFamily="18" charset="0"/>
                           </a:rPr>
+                          <m:t>(</m:t>
+                        </m:r>
+                        <m:r>
+                          <a:rPr lang="en-US" altLang="zh-TW" b="0" i="1" smtClean="0">
+                            <a:latin typeface="Cambria Math" panose="02040503050406030204" pitchFamily="18" charset="0"/>
+                          </a:rPr>
                           <m:t>𝑛</m:t>
+                        </m:r>
+                        <m:r>
+                          <a:rPr lang="en-US" altLang="zh-TW" b="0" i="1" smtClean="0">
+                            <a:latin typeface="Cambria Math" panose="02040503050406030204" pitchFamily="18" charset="0"/>
+                          </a:rPr>
+                          <m:t>)</m:t>
                         </m:r>
                       </m:sup>
                     </m:sSubSup>
@@ -25482,7 +26596,19 @@
                           <a:rPr lang="en-US" altLang="zh-TW" b="0" i="1" smtClean="0">
                             <a:latin typeface="Cambria Math" panose="02040503050406030204" pitchFamily="18" charset="0"/>
                           </a:rPr>
+                          <m:t>(</m:t>
+                        </m:r>
+                        <m:r>
+                          <a:rPr lang="en-US" altLang="zh-TW" b="0" i="1" smtClean="0">
+                            <a:latin typeface="Cambria Math" panose="02040503050406030204" pitchFamily="18" charset="0"/>
+                          </a:rPr>
                           <m:t>𝑛</m:t>
+                        </m:r>
+                        <m:r>
+                          <a:rPr lang="en-US" altLang="zh-TW" b="0" i="1" smtClean="0">
+                            <a:latin typeface="Cambria Math" panose="02040503050406030204" pitchFamily="18" charset="0"/>
+                          </a:rPr>
+                          <m:t>)</m:t>
                         </m:r>
                       </m:sup>
                     </m:sSubSup>
@@ -25527,7 +26653,19 @@
                           <a:rPr lang="en-US" altLang="zh-TW" b="0" i="1" smtClean="0">
                             <a:latin typeface="Cambria Math" panose="02040503050406030204" pitchFamily="18" charset="0"/>
                           </a:rPr>
+                          <m:t>(</m:t>
+                        </m:r>
+                        <m:r>
+                          <a:rPr lang="en-US" altLang="zh-TW" b="0" i="1" smtClean="0">
+                            <a:latin typeface="Cambria Math" panose="02040503050406030204" pitchFamily="18" charset="0"/>
+                          </a:rPr>
                           <m:t>𝑛</m:t>
+                        </m:r>
+                        <m:r>
+                          <a:rPr lang="en-US" altLang="zh-TW" b="0" i="1" smtClean="0">
+                            <a:latin typeface="Cambria Math" panose="02040503050406030204" pitchFamily="18" charset="0"/>
+                          </a:rPr>
+                          <m:t>)</m:t>
                         </m:r>
                       </m:sup>
                     </m:sSubSup>
@@ -25544,7 +26682,7 @@
             </p:txBody>
           </p:sp>
         </mc:Choice>
-        <mc:Fallback xmlns="">
+        <mc:Fallback>
           <p:sp>
             <p:nvSpPr>
               <p:cNvPr id="11" name="文字方塊 10"/>
@@ -25555,8 +26693,8 @@
             </p:nvSpPr>
             <p:spPr>
               <a:xfrm>
-                <a:off x="4927107" y="969538"/>
-                <a:ext cx="2254742" cy="568172"/>
+                <a:off x="4927106" y="969538"/>
+                <a:ext cx="2845293" cy="624915"/>
               </a:xfrm>
               <a:prstGeom prst="rect">
                 <a:avLst/>
@@ -25564,7 +26702,7 @@
               <a:blipFill>
                 <a:blip r:embed="rId3"/>
                 <a:stretch>
-                  <a:fillRect l="-2703" t="-13978"/>
+                  <a:fillRect l="-2141" t="-3883"/>
                 </a:stretch>
               </a:blipFill>
             </p:spPr>

--- a/0301_RO_VS_PSO/RO_VS_PSO.pptx
+++ b/0301_RO_VS_PSO/RO_VS_PSO.pptx
@@ -19,7 +19,7 @@
     <p:sldId id="266" r:id="rId13"/>
     <p:sldId id="275" r:id="rId14"/>
     <p:sldId id="276" r:id="rId15"/>
-    <p:sldId id="277" r:id="rId16"/>
+    <p:sldId id="283" r:id="rId16"/>
     <p:sldId id="278" r:id="rId17"/>
     <p:sldId id="279" r:id="rId18"/>
     <p:sldId id="280" r:id="rId19"/>
@@ -269,7 +269,7 @@
           <a:p>
             <a:fld id="{48A87A34-81AB-432B-8DAE-1953F412C126}" type="datetimeFigureOut">
               <a:rPr lang="en-US" dirty="0"/>
-              <a:t>3/4/2017</a:t>
+              <a:t>3/19/2017</a:t>
             </a:fld>
             <a:endParaRPr lang="en-US" dirty="0"/>
           </a:p>
@@ -475,7 +475,7 @@
           <a:p>
             <a:fld id="{48A87A34-81AB-432B-8DAE-1953F412C126}" type="datetimeFigureOut">
               <a:rPr lang="en-US" dirty="0"/>
-              <a:t>3/4/2017</a:t>
+              <a:t>3/19/2017</a:t>
             </a:fld>
             <a:endParaRPr lang="en-US" dirty="0"/>
           </a:p>
@@ -685,7 +685,7 @@
           <a:p>
             <a:fld id="{48A87A34-81AB-432B-8DAE-1953F412C126}" type="datetimeFigureOut">
               <a:rPr lang="en-US" dirty="0"/>
-              <a:t>3/4/2017</a:t>
+              <a:t>3/19/2017</a:t>
             </a:fld>
             <a:endParaRPr lang="en-US" dirty="0"/>
           </a:p>
@@ -881,7 +881,7 @@
           <a:p>
             <a:fld id="{48A87A34-81AB-432B-8DAE-1953F412C126}" type="datetimeFigureOut">
               <a:rPr lang="en-US" dirty="0"/>
-              <a:t>3/4/2017</a:t>
+              <a:t>3/19/2017</a:t>
             </a:fld>
             <a:endParaRPr lang="en-US" dirty="0"/>
           </a:p>
@@ -1155,7 +1155,7 @@
           <a:p>
             <a:fld id="{48A87A34-81AB-432B-8DAE-1953F412C126}" type="datetimeFigureOut">
               <a:rPr lang="en-US" dirty="0"/>
-              <a:t>3/4/2017</a:t>
+              <a:t>3/19/2017</a:t>
             </a:fld>
             <a:endParaRPr lang="en-US" dirty="0"/>
           </a:p>
@@ -1418,7 +1418,7 @@
           <a:p>
             <a:fld id="{48A87A34-81AB-432B-8DAE-1953F412C126}" type="datetimeFigureOut">
               <a:rPr lang="en-US" dirty="0"/>
-              <a:t>3/4/2017</a:t>
+              <a:t>3/19/2017</a:t>
             </a:fld>
             <a:endParaRPr lang="en-US" dirty="0"/>
           </a:p>
@@ -1829,7 +1829,7 @@
           <a:p>
             <a:fld id="{48A87A34-81AB-432B-8DAE-1953F412C126}" type="datetimeFigureOut">
               <a:rPr lang="en-US" dirty="0"/>
-              <a:t>3/4/2017</a:t>
+              <a:t>3/19/2017</a:t>
             </a:fld>
             <a:endParaRPr lang="en-US" dirty="0"/>
           </a:p>
@@ -1973,7 +1973,7 @@
           <a:p>
             <a:fld id="{48A87A34-81AB-432B-8DAE-1953F412C126}" type="datetimeFigureOut">
               <a:rPr lang="en-US" dirty="0"/>
-              <a:t>3/4/2017</a:t>
+              <a:t>3/19/2017</a:t>
             </a:fld>
             <a:endParaRPr lang="en-US" dirty="0"/>
           </a:p>
@@ -2094,7 +2094,7 @@
           <a:p>
             <a:fld id="{48A87A34-81AB-432B-8DAE-1953F412C126}" type="datetimeFigureOut">
               <a:rPr lang="en-US" dirty="0"/>
-              <a:t>3/4/2017</a:t>
+              <a:t>3/19/2017</a:t>
             </a:fld>
             <a:endParaRPr lang="en-US" dirty="0"/>
           </a:p>
@@ -2340,7 +2340,7 @@
           <a:p>
             <a:fld id="{48A87A34-81AB-432B-8DAE-1953F412C126}" type="datetimeFigureOut">
               <a:rPr lang="en-US" dirty="0"/>
-              <a:t>3/4/2017</a:t>
+              <a:t>3/19/2017</a:t>
             </a:fld>
             <a:endParaRPr lang="en-US" dirty="0"/>
           </a:p>
@@ -2781,7 +2781,7 @@
             <a:fld id="{48A87A34-81AB-432B-8DAE-1953F412C126}" type="datetimeFigureOut">
               <a:rPr lang="en-US" dirty="0"/>
               <a:pPr/>
-              <a:t>3/4/2017</a:t>
+              <a:t>3/19/2017</a:t>
             </a:fld>
             <a:endParaRPr lang="en-US" dirty="0"/>
           </a:p>
@@ -3103,7 +3103,7 @@
             <a:fld id="{48A87A34-81AB-432B-8DAE-1953F412C126}" type="datetimeFigureOut">
               <a:rPr lang="en-US" dirty="0"/>
               <a:pPr/>
-              <a:t>3/4/2017</a:t>
+              <a:t>3/19/2017</a:t>
             </a:fld>
             <a:endParaRPr lang="en-US" dirty="0"/>
           </a:p>
@@ -3760,8 +3760,8 @@
           </a:p>
         </p:txBody>
       </p:sp>
-      <mc:AlternateContent xmlns:mc="http://schemas.openxmlformats.org/markup-compatibility/2006">
-        <mc:Choice xmlns:a14="http://schemas.microsoft.com/office/drawing/2010/main" Requires="a14">
+      <mc:AlternateContent xmlns:mc="http://schemas.openxmlformats.org/markup-compatibility/2006" xmlns:a14="http://schemas.microsoft.com/office/drawing/2010/main">
+        <mc:Choice Requires="a14">
           <p:graphicFrame>
             <p:nvGraphicFramePr>
               <p:cNvPr id="4" name="內容版面配置區 3"/>
@@ -4317,7 +4317,7 @@
             </a:graphic>
           </p:graphicFrame>
         </mc:Choice>
-        <mc:Fallback>
+        <mc:Fallback xmlns="">
           <p:graphicFrame>
             <p:nvGraphicFramePr>
               <p:cNvPr id="4" name="內容版面配置區 3"/>
@@ -4741,8 +4741,8 @@
           </p:graphicFrame>
         </mc:Fallback>
       </mc:AlternateContent>
-      <mc:AlternateContent xmlns:mc="http://schemas.openxmlformats.org/markup-compatibility/2006">
-        <mc:Choice xmlns:a14="http://schemas.microsoft.com/office/drawing/2010/main" Requires="a14">
+      <mc:AlternateContent xmlns:mc="http://schemas.openxmlformats.org/markup-compatibility/2006" xmlns:a14="http://schemas.microsoft.com/office/drawing/2010/main">
+        <mc:Choice Requires="a14">
           <p:graphicFrame>
             <p:nvGraphicFramePr>
               <p:cNvPr id="5" name="內容版面配置區 3"/>
@@ -5155,7 +5155,7 @@
             </a:graphic>
           </p:graphicFrame>
         </mc:Choice>
-        <mc:Fallback>
+        <mc:Fallback xmlns="">
           <p:graphicFrame>
             <p:nvGraphicFramePr>
               <p:cNvPr id="5" name="內容版面配置區 3"/>
@@ -5718,11 +5718,7 @@
           <a:p>
             <a:r>
               <a:rPr lang="en-US" dirty="0" smtClean="0"/>
-              <a:t>Learning curve</a:t>
-            </a:r>
-            <a:r>
-              <a:rPr lang="en-US" dirty="0" smtClean="0"/>
-              <a:t>(^TWII)</a:t>
+              <a:t>Learning curve(^TWII)</a:t>
             </a:r>
             <a:endParaRPr lang="en-US" dirty="0"/>
           </a:p>
@@ -5736,8 +5732,8 @@
         </p:nvSpPr>
         <p:spPr>
           <a:xfrm>
-            <a:off x="5157996" y="5695950"/>
-            <a:ext cx="1603324" cy="369332"/>
+            <a:off x="3877836" y="5695950"/>
+            <a:ext cx="4517583" cy="369332"/>
           </a:xfrm>
           <a:prstGeom prst="rect">
             <a:avLst/>
@@ -5753,6 +5749,14 @@
             <a:r>
               <a:rPr lang="en-US" dirty="0" smtClean="0"/>
               <a:t>RMSE=72.1552</a:t>
+            </a:r>
+            <a:r>
+              <a:rPr lang="zh-TW" altLang="en-US" dirty="0" smtClean="0"/>
+              <a:t>              </a:t>
+            </a:r>
+            <a:r>
+              <a:rPr lang="en-US" altLang="zh-TW" dirty="0" smtClean="0"/>
+              <a:t>TEST_RMSE=44.601</a:t>
             </a:r>
             <a:endParaRPr lang="en-US" dirty="0"/>
           </a:p>
@@ -6117,15 +6121,7 @@
                   <a:schemeClr val="tx1"/>
                 </a:solidFill>
               </a:rPr>
-              <a:t>Random</a:t>
-            </a:r>
-            <a:r>
-              <a:rPr lang="en-US" dirty="0" smtClean="0">
-                <a:solidFill>
-                  <a:schemeClr val="tx1"/>
-                </a:solidFill>
-              </a:rPr>
-              <a:t> Position</a:t>
+              <a:t>Random Position</a:t>
             </a:r>
             <a:endParaRPr lang="en-US" dirty="0">
               <a:solidFill>
@@ -7919,8 +7915,8 @@
           <a:chExt cx="0" cy="0"/>
         </a:xfrm>
       </p:grpSpPr>
-      <mc:AlternateContent xmlns:mc="http://schemas.openxmlformats.org/markup-compatibility/2006">
-        <mc:Choice xmlns:a14="http://schemas.microsoft.com/office/drawing/2010/main" Requires="a14">
+      <mc:AlternateContent xmlns:mc="http://schemas.openxmlformats.org/markup-compatibility/2006" xmlns:a14="http://schemas.microsoft.com/office/drawing/2010/main">
+        <mc:Choice Requires="a14">
           <p:graphicFrame>
             <p:nvGraphicFramePr>
               <p:cNvPr id="5" name="表格 4"/>
@@ -8673,14 +8669,6 @@
                             </a:rPr>
                             <a:t>)</a:t>
                           </a:r>
-                          <a:endParaRPr lang="en-US" sz="1800" b="0" i="0" u="none" strike="noStrike" kern="1200" baseline="0" dirty="0" smtClean="0">
-                            <a:solidFill>
-                              <a:schemeClr val="tx1"/>
-                            </a:solidFill>
-                            <a:latin typeface="+mn-lt"/>
-                            <a:ea typeface="+mn-ea"/>
-                            <a:cs typeface="+mn-cs"/>
-                          </a:endParaRPr>
                         </a:p>
                       </a:txBody>
                       <a:tcPr/>
@@ -8993,7 +8981,7 @@
             </a:graphic>
           </p:graphicFrame>
         </mc:Choice>
-        <mc:Fallback>
+        <mc:Fallback xmlns="">
           <p:graphicFrame>
             <p:nvGraphicFramePr>
               <p:cNvPr id="5" name="表格 4"/>
@@ -10098,10 +10086,22 @@
                                   </m:sub>
                                   <m:sup>
                                     <m:r>
+                                      <a:rPr lang="en-US" altLang="zh-TW" b="1" i="0" smtClean="0">
+                                        <a:latin typeface="Cambria Math" panose="02040503050406030204" pitchFamily="18" charset="0"/>
+                                      </a:rPr>
+                                      <m:t>(</m:t>
+                                    </m:r>
+                                    <m:r>
                                       <a:rPr lang="en-US" altLang="zh-TW" smtClean="0">
                                         <a:latin typeface="Cambria Math" panose="02040503050406030204" pitchFamily="18" charset="0"/>
                                       </a:rPr>
                                       <m:t>𝑛</m:t>
+                                    </m:r>
+                                    <m:r>
+                                      <a:rPr lang="en-US" altLang="zh-TW" b="1" i="1" smtClean="0">
+                                        <a:latin typeface="Cambria Math" panose="02040503050406030204" pitchFamily="18" charset="0"/>
+                                      </a:rPr>
+                                      <m:t>)</m:t>
                                     </m:r>
                                   </m:sup>
                                 </m:sSubSup>
@@ -10151,10 +10151,22 @@
                                   </m:sub>
                                   <m:sup>
                                     <m:r>
+                                      <a:rPr lang="en-US" altLang="zh-TW" b="1" i="0" smtClean="0">
+                                        <a:latin typeface="Cambria Math" panose="02040503050406030204" pitchFamily="18" charset="0"/>
+                                      </a:rPr>
+                                      <m:t>(</m:t>
+                                    </m:r>
+                                    <m:r>
                                       <a:rPr lang="en-US" altLang="zh-TW" smtClean="0">
                                         <a:latin typeface="Cambria Math" panose="02040503050406030204" pitchFamily="18" charset="0"/>
                                       </a:rPr>
                                       <m:t>𝑛</m:t>
+                                    </m:r>
+                                    <m:r>
+                                      <a:rPr lang="en-US" altLang="zh-TW" b="1" i="0" smtClean="0">
+                                        <a:latin typeface="Cambria Math" panose="02040503050406030204" pitchFamily="18" charset="0"/>
+                                      </a:rPr>
+                                      <m:t>)</m:t>
                                     </m:r>
                                   </m:sup>
                                 </m:sSubSup>
@@ -10204,10 +10216,22 @@
                                   </m:sub>
                                   <m:sup>
                                     <m:r>
+                                      <a:rPr lang="en-US" altLang="zh-TW" b="1" i="0" smtClean="0">
+                                        <a:latin typeface="Cambria Math" panose="02040503050406030204" pitchFamily="18" charset="0"/>
+                                      </a:rPr>
+                                      <m:t>(</m:t>
+                                    </m:r>
+                                    <m:r>
                                       <a:rPr lang="en-US" altLang="zh-TW" smtClean="0">
                                         <a:latin typeface="Cambria Math" panose="02040503050406030204" pitchFamily="18" charset="0"/>
                                       </a:rPr>
                                       <m:t>𝑛</m:t>
+                                    </m:r>
+                                    <m:r>
+                                      <a:rPr lang="en-US" altLang="zh-TW" b="1" i="0" smtClean="0">
+                                        <a:latin typeface="Cambria Math" panose="02040503050406030204" pitchFamily="18" charset="0"/>
+                                      </a:rPr>
+                                      <m:t>)</m:t>
                                     </m:r>
                                   </m:sup>
                                 </m:sSubSup>
@@ -11125,7 +11149,7 @@
               <p:nvPr>
                 <p:extLst>
                   <p:ext uri="{D42A27DB-BD31-4B8C-83A1-F6EECF244321}">
-                    <p14:modId xmlns:p14="http://schemas.microsoft.com/office/powerpoint/2010/main" val="1927779588"/>
+                    <p14:modId xmlns:p14="http://schemas.microsoft.com/office/powerpoint/2010/main" val="2039462283"/>
                   </p:ext>
                 </p:extLst>
               </p:nvPr>
@@ -12174,8 +12198,8 @@
             </p:nvSpPr>
             <p:spPr>
               <a:xfrm>
-                <a:off x="4927107" y="969538"/>
-                <a:ext cx="2254742" cy="568172"/>
+                <a:off x="4927106" y="969538"/>
+                <a:ext cx="2845293" cy="624915"/>
               </a:xfrm>
               <a:prstGeom prst="rect">
                 <a:avLst/>
@@ -12219,7 +12243,19 @@
                           <a:rPr lang="en-US" altLang="zh-TW" b="0" i="1" smtClean="0">
                             <a:latin typeface="Cambria Math" panose="02040503050406030204" pitchFamily="18" charset="0"/>
                           </a:rPr>
+                          <m:t>(</m:t>
+                        </m:r>
+                        <m:r>
+                          <a:rPr lang="en-US" altLang="zh-TW" b="0" i="1" smtClean="0">
+                            <a:latin typeface="Cambria Math" panose="02040503050406030204" pitchFamily="18" charset="0"/>
+                          </a:rPr>
                           <m:t>𝑛</m:t>
+                        </m:r>
+                        <m:r>
+                          <a:rPr lang="en-US" altLang="zh-TW" b="0" i="1" smtClean="0">
+                            <a:latin typeface="Cambria Math" panose="02040503050406030204" pitchFamily="18" charset="0"/>
+                          </a:rPr>
+                          <m:t>)</m:t>
                         </m:r>
                       </m:sup>
                     </m:sSubSup>
@@ -12258,7 +12294,19 @@
                           <a:rPr lang="en-US" altLang="zh-TW" b="0" i="1" smtClean="0">
                             <a:latin typeface="Cambria Math" panose="02040503050406030204" pitchFamily="18" charset="0"/>
                           </a:rPr>
+                          <m:t>(</m:t>
+                        </m:r>
+                        <m:r>
+                          <a:rPr lang="en-US" altLang="zh-TW" b="0" i="1" smtClean="0">
+                            <a:latin typeface="Cambria Math" panose="02040503050406030204" pitchFamily="18" charset="0"/>
+                          </a:rPr>
                           <m:t>𝑛</m:t>
+                        </m:r>
+                        <m:r>
+                          <a:rPr lang="en-US" altLang="zh-TW" b="0" i="1" smtClean="0">
+                            <a:latin typeface="Cambria Math" panose="02040503050406030204" pitchFamily="18" charset="0"/>
+                          </a:rPr>
+                          <m:t>)</m:t>
                         </m:r>
                       </m:sup>
                     </m:sSubSup>
@@ -12303,7 +12351,19 @@
                           <a:rPr lang="en-US" altLang="zh-TW" b="0" i="1" smtClean="0">
                             <a:latin typeface="Cambria Math" panose="02040503050406030204" pitchFamily="18" charset="0"/>
                           </a:rPr>
+                          <m:t>(</m:t>
+                        </m:r>
+                        <m:r>
+                          <a:rPr lang="en-US" altLang="zh-TW" b="0" i="1" smtClean="0">
+                            <a:latin typeface="Cambria Math" panose="02040503050406030204" pitchFamily="18" charset="0"/>
+                          </a:rPr>
                           <m:t>𝑛</m:t>
+                        </m:r>
+                        <m:r>
+                          <a:rPr lang="en-US" altLang="zh-TW" b="0" i="1" smtClean="0">
+                            <a:latin typeface="Cambria Math" panose="02040503050406030204" pitchFamily="18" charset="0"/>
+                          </a:rPr>
+                          <m:t>)</m:t>
                         </m:r>
                       </m:sup>
                     </m:sSubSup>
@@ -12331,8 +12391,8 @@
             </p:nvSpPr>
             <p:spPr>
               <a:xfrm>
-                <a:off x="4927107" y="969538"/>
-                <a:ext cx="2254742" cy="568172"/>
+                <a:off x="4927106" y="969538"/>
+                <a:ext cx="2845293" cy="624915"/>
               </a:xfrm>
               <a:prstGeom prst="rect">
                 <a:avLst/>
@@ -12340,7 +12400,7 @@
               <a:blipFill>
                 <a:blip r:embed="rId3"/>
                 <a:stretch>
-                  <a:fillRect l="-2703" t="-13978"/>
+                  <a:fillRect l="-2141" t="-3883"/>
                 </a:stretch>
               </a:blipFill>
             </p:spPr>
@@ -12362,7 +12422,7 @@
     </p:spTree>
     <p:extLst>
       <p:ext uri="{BB962C8B-B14F-4D97-AF65-F5344CB8AC3E}">
-        <p14:creationId xmlns:p14="http://schemas.microsoft.com/office/powerpoint/2010/main" val="2405546242"/>
+        <p14:creationId xmlns:p14="http://schemas.microsoft.com/office/powerpoint/2010/main" val="1344649996"/>
       </p:ext>
     </p:extLst>
   </p:cSld>
@@ -12436,8 +12496,8 @@
           </a:p>
         </p:txBody>
       </p:sp>
-      <mc:AlternateContent xmlns:mc="http://schemas.openxmlformats.org/markup-compatibility/2006">
-        <mc:Choice xmlns:a14="http://schemas.microsoft.com/office/drawing/2010/main" Requires="a14">
+      <mc:AlternateContent xmlns:mc="http://schemas.openxmlformats.org/markup-compatibility/2006" xmlns:a14="http://schemas.microsoft.com/office/drawing/2010/main">
+        <mc:Choice Requires="a14">
           <p:graphicFrame>
             <p:nvGraphicFramePr>
               <p:cNvPr id="4" name="內容版面配置區 3"/>
@@ -12800,38 +12860,8 @@
                               <a:ea typeface="+mn-ea"/>
                               <a:cs typeface="+mn-cs"/>
                             </a:rPr>
-                            <a:t>(</a:t>
-                          </a:r>
-                          <a:r>
-                            <a:rPr lang="en-US" sz="2400" b="0" i="0" u="none" strike="noStrike" kern="1200" baseline="0" dirty="0" smtClean="0">
-                              <a:solidFill>
-                                <a:schemeClr val="tx1"/>
-                              </a:solidFill>
-                              <a:latin typeface="+mn-lt"/>
-                              <a:ea typeface="+mn-ea"/>
-                              <a:cs typeface="+mn-cs"/>
-                            </a:rPr>
-                            <a:t>Iterations-i-15*D)/</a:t>
-                          </a:r>
-                          <a:r>
-                            <a:rPr lang="en-US" sz="2400" b="0" i="0" u="none" strike="noStrike" kern="1200" baseline="0" dirty="0" smtClean="0">
-                              <a:solidFill>
-                                <a:schemeClr val="tx1"/>
-                              </a:solidFill>
-                              <a:latin typeface="+mn-lt"/>
-                              <a:ea typeface="+mn-ea"/>
-                              <a:cs typeface="+mn-cs"/>
-                            </a:rPr>
-                            <a:t>Iterations</a:t>
-                          </a:r>
-                          <a:endParaRPr lang="en-US" sz="2400" b="0" i="0" u="none" strike="noStrike" kern="1200" baseline="0" dirty="0" smtClean="0">
-                            <a:solidFill>
-                              <a:schemeClr val="tx1"/>
-                            </a:solidFill>
-                            <a:latin typeface="+mn-lt"/>
-                            <a:ea typeface="+mn-ea"/>
-                            <a:cs typeface="+mn-cs"/>
-                          </a:endParaRPr>
+                            <a:t>(Iterations-i-15*D)/Iterations</a:t>
+                          </a:r>
                         </a:p>
                       </a:txBody>
                       <a:tcPr/>
@@ -12996,7 +13026,7 @@
             </a:graphic>
           </p:graphicFrame>
         </mc:Choice>
-        <mc:Fallback>
+        <mc:Fallback xmlns="">
           <p:graphicFrame>
             <p:nvGraphicFramePr>
               <p:cNvPr id="4" name="內容版面配置區 3"/>
@@ -13418,8 +13448,8 @@
           </p:graphicFrame>
         </mc:Fallback>
       </mc:AlternateContent>
-      <mc:AlternateContent xmlns:mc="http://schemas.openxmlformats.org/markup-compatibility/2006">
-        <mc:Choice xmlns:a14="http://schemas.microsoft.com/office/drawing/2010/main" Requires="a14">
+      <mc:AlternateContent xmlns:mc="http://schemas.openxmlformats.org/markup-compatibility/2006" xmlns:a14="http://schemas.microsoft.com/office/drawing/2010/main">
+        <mc:Choice Requires="a14">
           <p:graphicFrame>
             <p:nvGraphicFramePr>
               <p:cNvPr id="5" name="內容版面配置區 3"/>
@@ -13832,7 +13862,7 @@
             </a:graphic>
           </p:graphicFrame>
         </mc:Choice>
-        <mc:Fallback>
+        <mc:Fallback xmlns="">
           <p:graphicFrame>
             <p:nvGraphicFramePr>
               <p:cNvPr id="5" name="內容版面配置區 3"/>
@@ -14430,11 +14460,7 @@
           <a:p>
             <a:r>
               <a:rPr lang="en-US" dirty="0" smtClean="0"/>
-              <a:t>Learning curve</a:t>
-            </a:r>
-            <a:r>
-              <a:rPr lang="en-US" dirty="0" smtClean="0"/>
-              <a:t>(^TWII)</a:t>
+              <a:t>Learning curve(^TWII)</a:t>
             </a:r>
             <a:endParaRPr lang="en-US" dirty="0"/>
           </a:p>
@@ -15064,7 +15090,7 @@
                     <a:p>
                       <a:pPr algn="ctr"/>
                       <a:r>
-                        <a:rPr lang="en-US" sz="2400" smtClean="0"/>
+                        <a:rPr lang="en-US" sz="2400" dirty="0" smtClean="0"/>
                         <a:t>41.020605</a:t>
                       </a:r>
                       <a:endParaRPr lang="zh-TW" altLang="en-US" sz="2400" dirty="0">
@@ -22311,8 +22337,8 @@
           <a:chExt cx="0" cy="0"/>
         </a:xfrm>
       </p:grpSpPr>
-      <mc:AlternateContent xmlns:mc="http://schemas.openxmlformats.org/markup-compatibility/2006">
-        <mc:Choice xmlns:a14="http://schemas.microsoft.com/office/drawing/2010/main" Requires="a14">
+      <mc:AlternateContent xmlns:mc="http://schemas.openxmlformats.org/markup-compatibility/2006" xmlns:a14="http://schemas.microsoft.com/office/drawing/2010/main">
+        <mc:Choice Requires="a14">
           <p:graphicFrame>
             <p:nvGraphicFramePr>
               <p:cNvPr id="5" name="表格 4"/>
@@ -23332,7 +23358,7 @@
             </a:graphic>
           </p:graphicFrame>
         </mc:Choice>
-        <mc:Fallback>
+        <mc:Fallback xmlns="">
           <p:graphicFrame>
             <p:nvGraphicFramePr>
               <p:cNvPr id="5" name="表格 4"/>
@@ -24278,8 +24304,8 @@
           <a:chExt cx="0" cy="0"/>
         </a:xfrm>
       </p:grpSpPr>
-      <mc:AlternateContent xmlns:mc="http://schemas.openxmlformats.org/markup-compatibility/2006">
-        <mc:Choice xmlns:a14="http://schemas.microsoft.com/office/drawing/2010/main" Requires="a14">
+      <mc:AlternateContent xmlns:mc="http://schemas.openxmlformats.org/markup-compatibility/2006" xmlns:a14="http://schemas.microsoft.com/office/drawing/2010/main">
+        <mc:Choice Requires="a14">
           <p:graphicFrame>
             <p:nvGraphicFramePr>
               <p:cNvPr id="8" name="表格 7"/>
@@ -25441,7 +25467,7 @@
             </a:graphic>
           </p:graphicFrame>
         </mc:Choice>
-        <mc:Fallback>
+        <mc:Fallback xmlns="">
           <p:graphicFrame>
             <p:nvGraphicFramePr>
               <p:cNvPr id="8" name="表格 7"/>
@@ -26490,8 +26516,8 @@
           </a:p>
         </p:txBody>
       </p:sp>
-      <mc:AlternateContent xmlns:mc="http://schemas.openxmlformats.org/markup-compatibility/2006">
-        <mc:Choice xmlns:a14="http://schemas.microsoft.com/office/drawing/2010/main" Requires="a14">
+      <mc:AlternateContent xmlns:mc="http://schemas.openxmlformats.org/markup-compatibility/2006" xmlns:a14="http://schemas.microsoft.com/office/drawing/2010/main">
+        <mc:Choice Requires="a14">
           <p:sp>
             <p:nvSpPr>
               <p:cNvPr id="11" name="文字方塊 10"/>
@@ -26682,7 +26708,7 @@
             </p:txBody>
           </p:sp>
         </mc:Choice>
-        <mc:Fallback>
+        <mc:Fallback xmlns="">
           <p:sp>
             <p:nvSpPr>
               <p:cNvPr id="11" name="文字方塊 10"/>

--- a/0301_RO_VS_PSO/RO_VS_PSO.pptx
+++ b/0301_RO_VS_PSO/RO_VS_PSO.pptx
@@ -269,7 +269,7 @@
           <a:p>
             <a:fld id="{48A87A34-81AB-432B-8DAE-1953F412C126}" type="datetimeFigureOut">
               <a:rPr lang="en-US" dirty="0"/>
-              <a:t>3/19/2017</a:t>
+              <a:t>4/21/2017</a:t>
             </a:fld>
             <a:endParaRPr lang="en-US" dirty="0"/>
           </a:p>
@@ -475,7 +475,7 @@
           <a:p>
             <a:fld id="{48A87A34-81AB-432B-8DAE-1953F412C126}" type="datetimeFigureOut">
               <a:rPr lang="en-US" dirty="0"/>
-              <a:t>3/19/2017</a:t>
+              <a:t>4/21/2017</a:t>
             </a:fld>
             <a:endParaRPr lang="en-US" dirty="0"/>
           </a:p>
@@ -685,7 +685,7 @@
           <a:p>
             <a:fld id="{48A87A34-81AB-432B-8DAE-1953F412C126}" type="datetimeFigureOut">
               <a:rPr lang="en-US" dirty="0"/>
-              <a:t>3/19/2017</a:t>
+              <a:t>4/21/2017</a:t>
             </a:fld>
             <a:endParaRPr lang="en-US" dirty="0"/>
           </a:p>
@@ -881,7 +881,7 @@
           <a:p>
             <a:fld id="{48A87A34-81AB-432B-8DAE-1953F412C126}" type="datetimeFigureOut">
               <a:rPr lang="en-US" dirty="0"/>
-              <a:t>3/19/2017</a:t>
+              <a:t>4/21/2017</a:t>
             </a:fld>
             <a:endParaRPr lang="en-US" dirty="0"/>
           </a:p>
@@ -1155,7 +1155,7 @@
           <a:p>
             <a:fld id="{48A87A34-81AB-432B-8DAE-1953F412C126}" type="datetimeFigureOut">
               <a:rPr lang="en-US" dirty="0"/>
-              <a:t>3/19/2017</a:t>
+              <a:t>4/21/2017</a:t>
             </a:fld>
             <a:endParaRPr lang="en-US" dirty="0"/>
           </a:p>
@@ -1418,7 +1418,7 @@
           <a:p>
             <a:fld id="{48A87A34-81AB-432B-8DAE-1953F412C126}" type="datetimeFigureOut">
               <a:rPr lang="en-US" dirty="0"/>
-              <a:t>3/19/2017</a:t>
+              <a:t>4/21/2017</a:t>
             </a:fld>
             <a:endParaRPr lang="en-US" dirty="0"/>
           </a:p>
@@ -1829,7 +1829,7 @@
           <a:p>
             <a:fld id="{48A87A34-81AB-432B-8DAE-1953F412C126}" type="datetimeFigureOut">
               <a:rPr lang="en-US" dirty="0"/>
-              <a:t>3/19/2017</a:t>
+              <a:t>4/21/2017</a:t>
             </a:fld>
             <a:endParaRPr lang="en-US" dirty="0"/>
           </a:p>
@@ -1973,7 +1973,7 @@
           <a:p>
             <a:fld id="{48A87A34-81AB-432B-8DAE-1953F412C126}" type="datetimeFigureOut">
               <a:rPr lang="en-US" dirty="0"/>
-              <a:t>3/19/2017</a:t>
+              <a:t>4/21/2017</a:t>
             </a:fld>
             <a:endParaRPr lang="en-US" dirty="0"/>
           </a:p>
@@ -2094,7 +2094,7 @@
           <a:p>
             <a:fld id="{48A87A34-81AB-432B-8DAE-1953F412C126}" type="datetimeFigureOut">
               <a:rPr lang="en-US" dirty="0"/>
-              <a:t>3/19/2017</a:t>
+              <a:t>4/21/2017</a:t>
             </a:fld>
             <a:endParaRPr lang="en-US" dirty="0"/>
           </a:p>
@@ -2340,7 +2340,7 @@
           <a:p>
             <a:fld id="{48A87A34-81AB-432B-8DAE-1953F412C126}" type="datetimeFigureOut">
               <a:rPr lang="en-US" dirty="0"/>
-              <a:t>3/19/2017</a:t>
+              <a:t>4/21/2017</a:t>
             </a:fld>
             <a:endParaRPr lang="en-US" dirty="0"/>
           </a:p>
@@ -2781,7 +2781,7 @@
             <a:fld id="{48A87A34-81AB-432B-8DAE-1953F412C126}" type="datetimeFigureOut">
               <a:rPr lang="en-US" dirty="0"/>
               <a:pPr/>
-              <a:t>3/19/2017</a:t>
+              <a:t>4/21/2017</a:t>
             </a:fld>
             <a:endParaRPr lang="en-US" dirty="0"/>
           </a:p>
@@ -3103,7 +3103,7 @@
             <a:fld id="{48A87A34-81AB-432B-8DAE-1953F412C126}" type="datetimeFigureOut">
               <a:rPr lang="en-US" dirty="0"/>
               <a:pPr/>
-              <a:t>3/19/2017</a:t>
+              <a:t>4/21/2017</a:t>
             </a:fld>
             <a:endParaRPr lang="en-US" dirty="0"/>
           </a:p>
@@ -3760,8 +3760,8 @@
           </a:p>
         </p:txBody>
       </p:sp>
-      <mc:AlternateContent xmlns:mc="http://schemas.openxmlformats.org/markup-compatibility/2006" xmlns:a14="http://schemas.microsoft.com/office/drawing/2010/main">
-        <mc:Choice Requires="a14">
+      <mc:AlternateContent xmlns:mc="http://schemas.openxmlformats.org/markup-compatibility/2006">
+        <mc:Choice xmlns:a14="http://schemas.microsoft.com/office/drawing/2010/main" Requires="a14">
           <p:graphicFrame>
             <p:nvGraphicFramePr>
               <p:cNvPr id="4" name="內容版面配置區 3"/>
@@ -3772,14 +3772,14 @@
                 <p:ph idx="1"/>
                 <p:extLst>
                   <p:ext uri="{D42A27DB-BD31-4B8C-83A1-F6EECF244321}">
-                    <p14:modId xmlns:p14="http://schemas.microsoft.com/office/powerpoint/2010/main" val="1239558023"/>
+                    <p14:modId xmlns:p14="http://schemas.microsoft.com/office/powerpoint/2010/main" val="246963979"/>
                   </p:ext>
                 </p:extLst>
               </p:nvPr>
             </p:nvGraphicFramePr>
             <p:xfrm>
               <a:off x="1299891" y="1197683"/>
-              <a:ext cx="4962850" cy="4584652"/>
+              <a:ext cx="4962850" cy="4010171"/>
             </p:xfrm>
             <a:graphic>
               <a:graphicData uri="http://schemas.openxmlformats.org/drawingml/2006/table">
@@ -3933,48 +3933,12 @@
                                   </a:rPr>
                                   <m:t>𝜔</m:t>
                                 </m:r>
-                              </m:oMath>
-                            </m:oMathPara>
-                          </a14:m>
-                          <a:endParaRPr lang="zh-TW" altLang="en-US" sz="2400" dirty="0"/>
-                        </a:p>
-                      </a:txBody>
-                      <a:tcPr/>
-                    </a:tc>
-                    <a:tc>
-                      <a:txBody>
-                        <a:bodyPr/>
-                        <a:lstStyle/>
-                        <a:p>
-                          <a:pPr algn="ctr"/>
-                          <a:r>
-                            <a:rPr lang="en-US" altLang="zh-TW" sz="2400" dirty="0" smtClean="0"/>
-                            <a:t>0.8</a:t>
-                          </a:r>
-                          <a:endParaRPr lang="zh-TW" altLang="en-US" sz="2400" dirty="0"/>
-                        </a:p>
-                      </a:txBody>
-                      <a:tcPr/>
-                    </a:tc>
-                    <a:extLst>
-                      <a:ext uri="{0D108BD9-81ED-4DB2-BD59-A6C34878D82A}">
-                        <a16:rowId xmlns:a16="http://schemas.microsoft.com/office/drawing/2014/main" val="10003"/>
-                      </a:ext>
-                    </a:extLst>
-                  </a:tr>
-                  <a:tr h="574481">
-                    <a:tc>
-                      <a:txBody>
-                        <a:bodyPr/>
-                        <a:lstStyle/>
-                        <a:p>
-                          <a:pPr algn="ctr"/>
-                          <a14:m>
-                            <m:oMathPara xmlns:m="http://schemas.openxmlformats.org/officeDocument/2006/math">
-                              <m:oMathParaPr>
-                                <m:jc m:val="centerGroup"/>
-                              </m:oMathParaPr>
-                              <m:oMath xmlns:m="http://schemas.openxmlformats.org/officeDocument/2006/math">
+                                <m:r>
+                                  <a:rPr lang="en-US" altLang="zh-TW" sz="2400" b="0" i="1" smtClean="0">
+                                    <a:latin typeface="Cambria Math" panose="02040503050406030204" pitchFamily="18" charset="0"/>
+                                  </a:rPr>
+                                  <m:t>      </m:t>
+                                </m:r>
                                 <m:sSub>
                                   <m:sSubPr>
                                     <m:ctrlPr>
@@ -4053,7 +4017,7 @@
                           <a:pPr algn="ctr"/>
                           <a:r>
                             <a:rPr lang="en-US" altLang="zh-TW" sz="2400" dirty="0" smtClean="0"/>
-                            <a:t>2.0</a:t>
+                            <a:t>0.8     2.0</a:t>
                           </a:r>
                           <a:endParaRPr lang="zh-TW" altLang="en-US" sz="2400" dirty="0"/>
                         </a:p>
@@ -4062,7 +4026,7 @@
                     </a:tc>
                     <a:extLst>
                       <a:ext uri="{0D108BD9-81ED-4DB2-BD59-A6C34878D82A}">
-                        <a16:rowId xmlns:a16="http://schemas.microsoft.com/office/drawing/2014/main" val="10004"/>
+                        <a16:rowId xmlns:a16="http://schemas.microsoft.com/office/drawing/2014/main" val="10003"/>
                       </a:ext>
                     </a:extLst>
                   </a:tr>
@@ -4317,7 +4281,7 @@
             </a:graphic>
           </p:graphicFrame>
         </mc:Choice>
-        <mc:Fallback xmlns="">
+        <mc:Fallback>
           <p:graphicFrame>
             <p:nvGraphicFramePr>
               <p:cNvPr id="4" name="內容版面配置區 3"/>
@@ -4328,14 +4292,14 @@
                 <p:ph idx="1"/>
                 <p:extLst>
                   <p:ext uri="{D42A27DB-BD31-4B8C-83A1-F6EECF244321}">
-                    <p14:modId xmlns:p14="http://schemas.microsoft.com/office/powerpoint/2010/main" val="1239558023"/>
+                    <p14:modId xmlns:p14="http://schemas.microsoft.com/office/powerpoint/2010/main" val="246963979"/>
                   </p:ext>
                 </p:extLst>
               </p:nvPr>
             </p:nvGraphicFramePr>
             <p:xfrm>
               <a:off x="1299891" y="1197683"/>
-              <a:ext cx="4962850" cy="4584652"/>
+              <a:ext cx="4962850" cy="4010171"/>
             </p:xfrm>
             <a:graphic>
               <a:graphicData uri="http://schemas.openxmlformats.org/drawingml/2006/table">
@@ -4483,7 +4447,7 @@
                         <a:blipFill>
                           <a:blip r:embed="rId2"/>
                           <a:stretch>
-                            <a:fillRect l="-245" t="-367059" r="-100000" b="-467059"/>
+                            <a:fillRect l="-245" t="-367059" r="-100000" b="-355294"/>
                           </a:stretch>
                         </a:blipFill>
                       </a:tcPr>
@@ -4496,7 +4460,7 @@
                           <a:pPr algn="ctr"/>
                           <a:r>
                             <a:rPr lang="en-US" altLang="zh-TW" sz="2400" dirty="0" smtClean="0"/>
-                            <a:t>0.8</a:t>
+                            <a:t>0.8     2.0</a:t>
                           </a:r>
                           <a:endParaRPr lang="zh-TW" altLang="en-US" sz="2400" dirty="0"/>
                         </a:p>
@@ -4509,7 +4473,7 @@
                       </a:ext>
                     </a:extLst>
                   </a:tr>
-                  <a:tr h="574481">
+                  <a:tr h="562544">
                     <a:tc>
                       <a:txBody>
                         <a:bodyPr/>
@@ -4522,46 +4486,7 @@
                         <a:blipFill>
                           <a:blip r:embed="rId2"/>
                           <a:stretch>
-                            <a:fillRect l="-245" t="-422340" r="-100000" b="-322340"/>
-                          </a:stretch>
-                        </a:blipFill>
-                      </a:tcPr>
-                    </a:tc>
-                    <a:tc>
-                      <a:txBody>
-                        <a:bodyPr/>
-                        <a:lstStyle/>
-                        <a:p>
-                          <a:pPr algn="ctr"/>
-                          <a:r>
-                            <a:rPr lang="en-US" altLang="zh-TW" sz="2400" dirty="0" smtClean="0"/>
-                            <a:t>2.0</a:t>
-                          </a:r>
-                          <a:endParaRPr lang="zh-TW" altLang="en-US" sz="2400" dirty="0"/>
-                        </a:p>
-                      </a:txBody>
-                      <a:tcPr/>
-                    </a:tc>
-                    <a:extLst>
-                      <a:ext uri="{0D108BD9-81ED-4DB2-BD59-A6C34878D82A}">
-                        <a16:rowId xmlns:a16="http://schemas.microsoft.com/office/drawing/2014/main" val="10004"/>
-                      </a:ext>
-                    </a:extLst>
-                  </a:tr>
-                  <a:tr h="562544">
-                    <a:tc>
-                      <a:txBody>
-                        <a:bodyPr/>
-                        <a:lstStyle/>
-                        <a:p>
-                          <a:endParaRPr lang="en-US"/>
-                        </a:p>
-                      </a:txBody>
-                      <a:tcPr>
-                        <a:blipFill>
-                          <a:blip r:embed="rId2"/>
-                          <a:stretch>
-                            <a:fillRect l="-245" t="-527957" r="-100000" b="-225806"/>
+                            <a:fillRect l="-245" t="-426882" r="-100000" b="-224731"/>
                           </a:stretch>
                         </a:blipFill>
                       </a:tcPr>
@@ -20450,61 +20375,6 @@
       </p:sp>
       <p:sp>
         <p:nvSpPr>
-          <p:cNvPr id="36" name="圓角矩形 35"/>
-          <p:cNvSpPr/>
-          <p:nvPr/>
-        </p:nvSpPr>
-        <p:spPr>
-          <a:xfrm>
-            <a:off x="1065410" y="4355154"/>
-            <a:ext cx="2385753" cy="399011"/>
-          </a:xfrm>
-          <a:prstGeom prst="roundRect">
-            <a:avLst/>
-          </a:prstGeom>
-          <a:solidFill>
-            <a:schemeClr val="bg1"/>
-          </a:solidFill>
-        </p:spPr>
-        <p:style>
-          <a:lnRef idx="2">
-            <a:schemeClr val="accent1">
-              <a:shade val="50000"/>
-            </a:schemeClr>
-          </a:lnRef>
-          <a:fillRef idx="1">
-            <a:schemeClr val="accent1"/>
-          </a:fillRef>
-          <a:effectRef idx="0">
-            <a:schemeClr val="accent1"/>
-          </a:effectRef>
-          <a:fontRef idx="minor">
-            <a:schemeClr val="lt1"/>
-          </a:fontRef>
-        </p:style>
-        <p:txBody>
-          <a:bodyPr rtlCol="0" anchor="ctr"/>
-          <a:lstStyle/>
-          <a:p>
-            <a:pPr algn="ctr"/>
-            <a:r>
-              <a:rPr lang="en-US" dirty="0" smtClean="0">
-                <a:solidFill>
-                  <a:schemeClr val="tx1"/>
-                </a:solidFill>
-              </a:rPr>
-              <a:t>Update Position</a:t>
-            </a:r>
-            <a:endParaRPr lang="en-US" dirty="0">
-              <a:solidFill>
-                <a:schemeClr val="tx1"/>
-              </a:solidFill>
-            </a:endParaRPr>
-          </a:p>
-        </p:txBody>
-      </p:sp>
-      <p:sp>
-        <p:nvSpPr>
           <p:cNvPr id="37" name="圓角矩形 36"/>
           <p:cNvSpPr/>
           <p:nvPr/>
@@ -21543,7 +21413,7 @@
         </p:nvSpPr>
         <p:spPr>
           <a:xfrm>
-            <a:off x="1405992" y="5009776"/>
+            <a:off x="1405992" y="4384544"/>
             <a:ext cx="1704576" cy="646177"/>
           </a:xfrm>
           <a:prstGeom prst="flowChartDecision">
@@ -21602,48 +21472,12 @@
         <p:spPr>
           <a:xfrm rot="10800000">
             <a:off x="1065410" y="2704415"/>
-            <a:ext cx="340582" cy="2628451"/>
+            <a:ext cx="340582" cy="2003219"/>
           </a:xfrm>
           <a:prstGeom prst="bentConnector3">
             <a:avLst>
               <a:gd name="adj1" fmla="val 167120"/>
             </a:avLst>
-          </a:prstGeom>
-          <a:ln>
-            <a:tailEnd type="triangle"/>
-          </a:ln>
-        </p:spPr>
-        <p:style>
-          <a:lnRef idx="1">
-            <a:schemeClr val="accent1"/>
-          </a:lnRef>
-          <a:fillRef idx="0">
-            <a:schemeClr val="accent1"/>
-          </a:fillRef>
-          <a:effectRef idx="0">
-            <a:schemeClr val="accent1"/>
-          </a:effectRef>
-          <a:fontRef idx="minor">
-            <a:schemeClr val="tx1"/>
-          </a:fontRef>
-        </p:style>
-      </p:cxnSp>
-      <p:cxnSp>
-        <p:nvCxnSpPr>
-          <p:cNvPr id="60" name="肘形接點 59"/>
-          <p:cNvCxnSpPr>
-            <a:stCxn id="36" idx="2"/>
-            <a:endCxn id="54" idx="0"/>
-          </p:cNvCxnSpPr>
-          <p:nvPr/>
-        </p:nvCxnSpPr>
-        <p:spPr>
-          <a:xfrm rot="5400000">
-            <a:off x="2130479" y="4881967"/>
-            <a:ext cx="255611" cy="7"/>
-          </a:xfrm>
-          <a:prstGeom prst="bentConnector3">
-            <a:avLst/>
           </a:prstGeom>
           <a:ln>
             <a:tailEnd type="triangle"/>
@@ -21674,7 +21508,7 @@
         </p:nvCxnSpPr>
         <p:spPr>
           <a:xfrm rot="5400000">
-            <a:off x="2015004" y="5912432"/>
+            <a:off x="2015004" y="5287200"/>
             <a:ext cx="486555" cy="2"/>
           </a:xfrm>
           <a:prstGeom prst="bentConnector3">
@@ -22193,7 +22027,7 @@
         </p:nvSpPr>
         <p:spPr>
           <a:xfrm>
-            <a:off x="2303369" y="5655953"/>
+            <a:off x="2303369" y="5030721"/>
             <a:ext cx="492892" cy="369332"/>
           </a:xfrm>
           <a:prstGeom prst="rect">
@@ -22223,7 +22057,7 @@
         </p:nvSpPr>
         <p:spPr>
           <a:xfrm>
-            <a:off x="1065403" y="6155711"/>
+            <a:off x="1065403" y="5530479"/>
             <a:ext cx="2385753" cy="399011"/>
           </a:xfrm>
           <a:prstGeom prst="roundRect">
